--- a/Lesson-7-VectorRepresentations/Lesson 7.pptx
+++ b/Lesson-7-VectorRepresentations/Lesson 7.pptx
@@ -2,13 +2,13 @@
 <file path=ppt/presentation.xml><?xml version="1.0" encoding="utf-8"?>
 <p:presentation xmlns:a="http://schemas.openxmlformats.org/drawingml/2006/main" xmlns:r="http://schemas.openxmlformats.org/officeDocument/2006/relationships" xmlns:p="http://schemas.openxmlformats.org/presentationml/2006/main" saveSubsetFonts="1" autoCompressPictures="0">
   <p:sldMasterIdLst>
-    <p:sldMasterId id="2147483648" r:id="rId1"/>
+    <p:sldMasterId id="2147483662" r:id="rId1"/>
   </p:sldMasterIdLst>
   <p:notesMasterIdLst>
-    <p:notesMasterId r:id="rId26"/>
+    <p:notesMasterId r:id="rId31"/>
   </p:notesMasterIdLst>
   <p:handoutMasterIdLst>
-    <p:handoutMasterId r:id="rId27"/>
+    <p:handoutMasterId r:id="rId32"/>
   </p:handoutMasterIdLst>
   <p:sldIdLst>
     <p:sldId id="256" r:id="rId2"/>
@@ -30,11 +30,16 @@
     <p:sldId id="321" r:id="rId18"/>
     <p:sldId id="322" r:id="rId19"/>
     <p:sldId id="310" r:id="rId20"/>
-    <p:sldId id="307" r:id="rId21"/>
-    <p:sldId id="308" r:id="rId22"/>
-    <p:sldId id="309" r:id="rId23"/>
-    <p:sldId id="302" r:id="rId24"/>
-    <p:sldId id="292" r:id="rId25"/>
+    <p:sldId id="324" r:id="rId21"/>
+    <p:sldId id="327" r:id="rId22"/>
+    <p:sldId id="326" r:id="rId23"/>
+    <p:sldId id="325" r:id="rId24"/>
+    <p:sldId id="328" r:id="rId25"/>
+    <p:sldId id="307" r:id="rId26"/>
+    <p:sldId id="308" r:id="rId27"/>
+    <p:sldId id="309" r:id="rId28"/>
+    <p:sldId id="302" r:id="rId29"/>
+    <p:sldId id="292" r:id="rId30"/>
   </p:sldIdLst>
   <p:sldSz cx="12192000" cy="6858000"/>
   <p:notesSz cx="6858000" cy="9144000"/>
@@ -42,7 +47,7 @@
     <a:defPPr>
       <a:defRPr lang="en-US"/>
     </a:defPPr>
-    <a:lvl1pPr marL="0" algn="l" defTabSz="914400" rtl="0" eaLnBrk="1" latinLnBrk="0" hangingPunct="1">
+    <a:lvl1pPr marL="0" algn="l" defTabSz="457200" rtl="0" eaLnBrk="1" latinLnBrk="0" hangingPunct="1">
       <a:defRPr sz="1800" kern="1200">
         <a:solidFill>
           <a:schemeClr val="tx1"/>
@@ -52,7 +57,7 @@
         <a:cs typeface="+mn-cs"/>
       </a:defRPr>
     </a:lvl1pPr>
-    <a:lvl2pPr marL="457200" algn="l" defTabSz="914400" rtl="0" eaLnBrk="1" latinLnBrk="0" hangingPunct="1">
+    <a:lvl2pPr marL="457200" algn="l" defTabSz="457200" rtl="0" eaLnBrk="1" latinLnBrk="0" hangingPunct="1">
       <a:defRPr sz="1800" kern="1200">
         <a:solidFill>
           <a:schemeClr val="tx1"/>
@@ -62,7 +67,7 @@
         <a:cs typeface="+mn-cs"/>
       </a:defRPr>
     </a:lvl2pPr>
-    <a:lvl3pPr marL="914400" algn="l" defTabSz="914400" rtl="0" eaLnBrk="1" latinLnBrk="0" hangingPunct="1">
+    <a:lvl3pPr marL="914400" algn="l" defTabSz="457200" rtl="0" eaLnBrk="1" latinLnBrk="0" hangingPunct="1">
       <a:defRPr sz="1800" kern="1200">
         <a:solidFill>
           <a:schemeClr val="tx1"/>
@@ -72,7 +77,7 @@
         <a:cs typeface="+mn-cs"/>
       </a:defRPr>
     </a:lvl3pPr>
-    <a:lvl4pPr marL="1371600" algn="l" defTabSz="914400" rtl="0" eaLnBrk="1" latinLnBrk="0" hangingPunct="1">
+    <a:lvl4pPr marL="1371600" algn="l" defTabSz="457200" rtl="0" eaLnBrk="1" latinLnBrk="0" hangingPunct="1">
       <a:defRPr sz="1800" kern="1200">
         <a:solidFill>
           <a:schemeClr val="tx1"/>
@@ -82,7 +87,7 @@
         <a:cs typeface="+mn-cs"/>
       </a:defRPr>
     </a:lvl4pPr>
-    <a:lvl5pPr marL="1828800" algn="l" defTabSz="914400" rtl="0" eaLnBrk="1" latinLnBrk="0" hangingPunct="1">
+    <a:lvl5pPr marL="1828800" algn="l" defTabSz="457200" rtl="0" eaLnBrk="1" latinLnBrk="0" hangingPunct="1">
       <a:defRPr sz="1800" kern="1200">
         <a:solidFill>
           <a:schemeClr val="tx1"/>
@@ -92,7 +97,7 @@
         <a:cs typeface="+mn-cs"/>
       </a:defRPr>
     </a:lvl5pPr>
-    <a:lvl6pPr marL="2286000" algn="l" defTabSz="914400" rtl="0" eaLnBrk="1" latinLnBrk="0" hangingPunct="1">
+    <a:lvl6pPr marL="2286000" algn="l" defTabSz="457200" rtl="0" eaLnBrk="1" latinLnBrk="0" hangingPunct="1">
       <a:defRPr sz="1800" kern="1200">
         <a:solidFill>
           <a:schemeClr val="tx1"/>
@@ -102,7 +107,7 @@
         <a:cs typeface="+mn-cs"/>
       </a:defRPr>
     </a:lvl6pPr>
-    <a:lvl7pPr marL="2743200" algn="l" defTabSz="914400" rtl="0" eaLnBrk="1" latinLnBrk="0" hangingPunct="1">
+    <a:lvl7pPr marL="2743200" algn="l" defTabSz="457200" rtl="0" eaLnBrk="1" latinLnBrk="0" hangingPunct="1">
       <a:defRPr sz="1800" kern="1200">
         <a:solidFill>
           <a:schemeClr val="tx1"/>
@@ -112,7 +117,7 @@
         <a:cs typeface="+mn-cs"/>
       </a:defRPr>
     </a:lvl7pPr>
-    <a:lvl8pPr marL="3200400" algn="l" defTabSz="914400" rtl="0" eaLnBrk="1" latinLnBrk="0" hangingPunct="1">
+    <a:lvl8pPr marL="3200400" algn="l" defTabSz="457200" rtl="0" eaLnBrk="1" latinLnBrk="0" hangingPunct="1">
       <a:defRPr sz="1800" kern="1200">
         <a:solidFill>
           <a:schemeClr val="tx1"/>
@@ -122,7 +127,7 @@
         <a:cs typeface="+mn-cs"/>
       </a:defRPr>
     </a:lvl8pPr>
-    <a:lvl9pPr marL="3657600" algn="l" defTabSz="914400" rtl="0" eaLnBrk="1" latinLnBrk="0" hangingPunct="1">
+    <a:lvl9pPr marL="3657600" algn="l" defTabSz="457200" rtl="0" eaLnBrk="1" latinLnBrk="0" hangingPunct="1">
       <a:defRPr sz="1800" kern="1200">
         <a:solidFill>
           <a:schemeClr val="tx1"/>
@@ -2589,7 +2594,7 @@
       </dgm:spPr>
     </dgm:pt>
     <dgm:pt modelId="{9A972871-FCEC-4A64-9D5F-683C08F4BCCA}" type="pres">
-      <dgm:prSet presAssocID="{C31F698F-2D84-4A7C-9070-C619A9D93CCA}" presName="txNode" presStyleLbl="node1" presStyleIdx="0" presStyleCnt="3">
+      <dgm:prSet presAssocID="{C31F698F-2D84-4A7C-9070-C619A9D93CCA}" presName="txNode" presStyleLbl="node1" presStyleIdx="0" presStyleCnt="3" custLinFactNeighborX="277" custLinFactNeighborY="0">
         <dgm:presLayoutVars>
           <dgm:bulletEnabled val="1"/>
         </dgm:presLayoutVars>
@@ -3397,7 +3402,7 @@
             <a:fillRect/>
           </a:stretch>
         </a:blipFill>
-        <a:ln w="12700" cap="flat" cmpd="sng" algn="ctr">
+        <a:ln w="15875" cap="flat" cmpd="sng" algn="ctr">
           <a:solidFill>
             <a:schemeClr val="lt1">
               <a:hueOff val="0"/>
@@ -3407,7 +3412,6 @@
             </a:schemeClr>
           </a:solidFill>
           <a:prstDash val="solid"/>
-          <a:miter lim="800000"/>
         </a:ln>
         <a:effectLst/>
       </dsp:spPr>
@@ -3431,7 +3435,7 @@
       </dsp:nvSpPr>
       <dsp:spPr>
         <a:xfrm>
-          <a:off x="330181" y="867630"/>
+          <a:off x="335727" y="867630"/>
           <a:ext cx="2002150" cy="1446050"/>
         </a:xfrm>
         <a:prstGeom prst="roundRect">
@@ -3447,7 +3451,7 @@
             <a:alphaOff val="0"/>
           </a:schemeClr>
         </a:solidFill>
-        <a:ln w="12700" cap="flat" cmpd="sng" algn="ctr">
+        <a:ln w="15875" cap="flat" cmpd="sng" algn="ctr">
           <a:solidFill>
             <a:schemeClr val="lt1">
               <a:hueOff val="0"/>
@@ -3457,7 +3461,6 @@
             </a:schemeClr>
           </a:solidFill>
           <a:prstDash val="solid"/>
-          <a:miter lim="800000"/>
         </a:ln>
         <a:effectLst/>
       </dsp:spPr>
@@ -3500,7 +3503,7 @@
         </a:p>
       </dsp:txBody>
       <dsp:txXfrm>
-        <a:off x="372534" y="909983"/>
+        <a:off x="378080" y="909983"/>
         <a:ext cx="1917444" cy="1361344"/>
       </dsp:txXfrm>
     </dsp:sp>
@@ -3605,7 +3608,7 @@
             <a:fillRect l="-7000" r="-7000"/>
           </a:stretch>
         </a:blipFill>
-        <a:ln w="12700" cap="flat" cmpd="sng" algn="ctr">
+        <a:ln w="15875" cap="flat" cmpd="sng" algn="ctr">
           <a:solidFill>
             <a:schemeClr val="lt1">
               <a:hueOff val="0"/>
@@ -3615,7 +3618,6 @@
             </a:schemeClr>
           </a:solidFill>
           <a:prstDash val="solid"/>
-          <a:miter lim="800000"/>
         </a:ln>
         <a:effectLst/>
       </dsp:spPr>
@@ -3655,7 +3657,7 @@
             <a:alphaOff val="0"/>
           </a:schemeClr>
         </a:solidFill>
-        <a:ln w="12700" cap="flat" cmpd="sng" algn="ctr">
+        <a:ln w="15875" cap="flat" cmpd="sng" algn="ctr">
           <a:solidFill>
             <a:schemeClr val="lt1">
               <a:hueOff val="0"/>
@@ -3665,7 +3667,6 @@
             </a:schemeClr>
           </a:solidFill>
           <a:prstDash val="solid"/>
-          <a:miter lim="800000"/>
         </a:ln>
         <a:effectLst/>
       </dsp:spPr>
@@ -3813,7 +3814,7 @@
             <a:fillRect l="-21000" r="-21000"/>
           </a:stretch>
         </a:blipFill>
-        <a:ln w="12700" cap="flat" cmpd="sng" algn="ctr">
+        <a:ln w="15875" cap="flat" cmpd="sng" algn="ctr">
           <a:solidFill>
             <a:schemeClr val="lt1">
               <a:hueOff val="0"/>
@@ -3823,7 +3824,6 @@
             </a:schemeClr>
           </a:solidFill>
           <a:prstDash val="solid"/>
-          <a:miter lim="800000"/>
         </a:ln>
         <a:effectLst/>
       </dsp:spPr>
@@ -3863,7 +3863,7 @@
             <a:alphaOff val="0"/>
           </a:schemeClr>
         </a:solidFill>
-        <a:ln w="12700" cap="flat" cmpd="sng" algn="ctr">
+        <a:ln w="15875" cap="flat" cmpd="sng" algn="ctr">
           <a:solidFill>
             <a:schemeClr val="lt1">
               <a:hueOff val="0"/>
@@ -3873,7 +3873,6 @@
             </a:schemeClr>
           </a:solidFill>
           <a:prstDash val="solid"/>
-          <a:miter lim="800000"/>
         </a:ln>
         <a:effectLst/>
       </dsp:spPr>
@@ -3948,12 +3947,11 @@
         <a:solidFill>
           <a:srgbClr val="EDF7F9"/>
         </a:solidFill>
-        <a:ln w="12700" cap="flat" cmpd="sng" algn="ctr">
+        <a:ln w="15875" cap="flat" cmpd="sng" algn="ctr">
           <a:solidFill>
             <a:srgbClr val="EDF7F9"/>
           </a:solidFill>
           <a:prstDash val="solid"/>
-          <a:miter lim="800000"/>
         </a:ln>
         <a:effectLst/>
       </dsp:spPr>
@@ -3989,12 +3987,11 @@
         <a:solidFill>
           <a:srgbClr val="43AFC0"/>
         </a:solidFill>
-        <a:ln w="12700" cap="flat" cmpd="sng" algn="ctr">
+        <a:ln w="15875" cap="flat" cmpd="sng" algn="ctr">
           <a:solidFill>
             <a:srgbClr val="43AFC0"/>
           </a:solidFill>
           <a:prstDash val="solid"/>
-          <a:miter lim="800000"/>
         </a:ln>
         <a:effectLst/>
       </dsp:spPr>
@@ -4060,7 +4057,7 @@
             <a:lumOff val="80000"/>
           </a:schemeClr>
         </a:solidFill>
-        <a:ln w="12700" cap="flat" cmpd="sng" algn="ctr">
+        <a:ln w="15875" cap="flat" cmpd="sng" algn="ctr">
           <a:solidFill>
             <a:schemeClr val="lt1">
               <a:hueOff val="0"/>
@@ -4070,7 +4067,6 @@
             </a:schemeClr>
           </a:solidFill>
           <a:prstDash val="solid"/>
-          <a:miter lim="800000"/>
         </a:ln>
         <a:effectLst/>
       </dsp:spPr>
@@ -4105,13 +4101,13 @@
         </a:prstGeom>
         <a:solidFill>
           <a:schemeClr val="accent5">
-            <a:hueOff val="-6758543"/>
-            <a:satOff val="-17419"/>
-            <a:lumOff val="-11765"/>
+            <a:hueOff val="2127120"/>
+            <a:satOff val="-23891"/>
+            <a:lumOff val="-5098"/>
             <a:alphaOff val="0"/>
           </a:schemeClr>
         </a:solidFill>
-        <a:ln w="12700" cap="flat" cmpd="sng" algn="ctr">
+        <a:ln w="15875" cap="flat" cmpd="sng" algn="ctr">
           <a:solidFill>
             <a:schemeClr val="lt1">
               <a:hueOff val="0"/>
@@ -4121,7 +4117,6 @@
             </a:schemeClr>
           </a:solidFill>
           <a:prstDash val="solid"/>
-          <a:miter lim="800000"/>
         </a:ln>
         <a:effectLst/>
       </dsp:spPr>
@@ -4187,8 +4182,8 @@
       </dsp:nvSpPr>
       <dsp:spPr>
         <a:xfrm rot="5400000">
-          <a:off x="6731150" y="-2687743"/>
-          <a:ext cx="1225376" cy="6911848"/>
+          <a:off x="6321157" y="-2568530"/>
+          <a:ext cx="1037108" cy="6437376"/>
         </a:xfrm>
         <a:prstGeom prst="round2SameRect">
           <a:avLst/>
@@ -4203,7 +4198,7 @@
             <a:alphaOff val="0"/>
           </a:schemeClr>
         </a:solidFill>
-        <a:ln w="12700" cap="flat" cmpd="sng" algn="ctr">
+        <a:ln w="15875" cap="flat" cmpd="sng" algn="ctr">
           <a:solidFill>
             <a:schemeClr val="accent1">
               <a:alpha val="90000"/>
@@ -4215,7 +4210,6 @@
             </a:schemeClr>
           </a:solidFill>
           <a:prstDash val="solid"/>
-          <a:miter lim="800000"/>
         </a:ln>
         <a:effectLst/>
       </dsp:spPr>
@@ -4232,12 +4226,12 @@
         <a:fontRef idx="minor"/>
       </dsp:style>
       <dsp:txBody>
-        <a:bodyPr spcFirstLastPara="0" vert="horz" wrap="square" lIns="121920" tIns="60960" rIns="121920" bIns="60960" numCol="1" spcCol="1270" anchor="ctr" anchorCtr="0">
+        <a:bodyPr spcFirstLastPara="0" vert="horz" wrap="square" lIns="102870" tIns="51435" rIns="102870" bIns="51435" numCol="1" spcCol="1270" anchor="ctr" anchorCtr="0">
           <a:noAutofit/>
         </a:bodyPr>
         <a:lstStyle/>
         <a:p>
-          <a:pPr marL="285750" lvl="1" indent="-285750" algn="l" defTabSz="1422400">
+          <a:pPr marL="228600" lvl="1" indent="-228600" algn="l" defTabSz="1200150">
             <a:lnSpc>
               <a:spcPct val="90000"/>
             </a:lnSpc>
@@ -4250,12 +4244,12 @@
             <a:buChar char="•"/>
           </a:pPr>
           <a:r>
-            <a:rPr lang="en-US" sz="3200" kern="1200" dirty="0"/>
+            <a:rPr lang="en-US" sz="2700" kern="1200" dirty="0"/>
             <a:t>A row or column of numbers</a:t>
           </a:r>
         </a:p>
         <a:p>
-          <a:pPr marL="285750" lvl="1" indent="-285750" algn="l" defTabSz="1422400">
+          <a:pPr marL="228600" lvl="1" indent="-228600" algn="l" defTabSz="1200150">
             <a:lnSpc>
               <a:spcPct val="90000"/>
             </a:lnSpc>
@@ -4268,14 +4262,14 @@
             <a:buChar char="•"/>
           </a:pPr>
           <a:r>
-            <a:rPr lang="en-US" sz="3200" kern="1200" dirty="0"/>
+            <a:rPr lang="en-US" sz="2700" kern="1200" dirty="0"/>
             <a:t>1 dimension</a:t>
           </a:r>
         </a:p>
       </dsp:txBody>
       <dsp:txXfrm rot="-5400000">
-        <a:off x="3887914" y="215311"/>
-        <a:ext cx="6852030" cy="1105740"/>
+        <a:off x="3621024" y="182230"/>
+        <a:ext cx="6386749" cy="935854"/>
       </dsp:txXfrm>
     </dsp:sp>
     <dsp:sp modelId="{94DC7EE6-0707-4A74-8226-FD62C5C5389C}">
@@ -4285,8 +4279,8 @@
       </dsp:nvSpPr>
       <dsp:spPr>
         <a:xfrm>
-          <a:off x="0" y="2320"/>
-          <a:ext cx="3887914" cy="1531720"/>
+          <a:off x="0" y="1964"/>
+          <a:ext cx="3621024" cy="1296385"/>
         </a:xfrm>
         <a:prstGeom prst="roundRect">
           <a:avLst/>
@@ -4299,7 +4293,7 @@
             <a:alphaOff val="0"/>
           </a:schemeClr>
         </a:solidFill>
-        <a:ln w="12700" cap="flat" cmpd="sng" algn="ctr">
+        <a:ln w="15875" cap="flat" cmpd="sng" algn="ctr">
           <a:solidFill>
             <a:schemeClr val="lt1">
               <a:hueOff val="0"/>
@@ -4309,7 +4303,6 @@
             </a:schemeClr>
           </a:solidFill>
           <a:prstDash val="solid"/>
-          <a:miter lim="800000"/>
         </a:ln>
         <a:effectLst/>
       </dsp:spPr>
@@ -4352,8 +4345,8 @@
         </a:p>
       </dsp:txBody>
       <dsp:txXfrm>
-        <a:off x="74772" y="77092"/>
-        <a:ext cx="3738370" cy="1382176"/>
+        <a:off x="63284" y="65248"/>
+        <a:ext cx="3494456" cy="1169817"/>
       </dsp:txXfrm>
     </dsp:sp>
     <dsp:sp modelId="{E5FDC566-C1AD-42C7-851A-A792BD4951FF}">
@@ -4363,8 +4356,8 @@
       </dsp:nvSpPr>
       <dsp:spPr>
         <a:xfrm rot="5400000">
-          <a:off x="6731150" y="-1079436"/>
-          <a:ext cx="1225376" cy="6911848"/>
+          <a:off x="6321157" y="-1207325"/>
+          <a:ext cx="1037108" cy="6437376"/>
         </a:xfrm>
         <a:prstGeom prst="round2SameRect">
           <a:avLst/>
@@ -4379,7 +4372,7 @@
             <a:alphaOff val="0"/>
           </a:schemeClr>
         </a:solidFill>
-        <a:ln w="12700" cap="flat" cmpd="sng" algn="ctr">
+        <a:ln w="15875" cap="flat" cmpd="sng" algn="ctr">
           <a:solidFill>
             <a:schemeClr val="accent1">
               <a:alpha val="90000"/>
@@ -4391,7 +4384,6 @@
             </a:schemeClr>
           </a:solidFill>
           <a:prstDash val="solid"/>
-          <a:miter lim="800000"/>
         </a:ln>
         <a:effectLst/>
       </dsp:spPr>
@@ -4408,12 +4400,12 @@
         <a:fontRef idx="minor"/>
       </dsp:style>
       <dsp:txBody>
-        <a:bodyPr spcFirstLastPara="0" vert="horz" wrap="square" lIns="121920" tIns="60960" rIns="121920" bIns="60960" numCol="1" spcCol="1270" anchor="ctr" anchorCtr="0">
+        <a:bodyPr spcFirstLastPara="0" vert="horz" wrap="square" lIns="102870" tIns="51435" rIns="102870" bIns="51435" numCol="1" spcCol="1270" anchor="ctr" anchorCtr="0">
           <a:noAutofit/>
         </a:bodyPr>
         <a:lstStyle/>
         <a:p>
-          <a:pPr marL="285750" lvl="1" indent="-285750" algn="l" defTabSz="1422400">
+          <a:pPr marL="228600" lvl="1" indent="-228600" algn="l" defTabSz="1200150">
             <a:lnSpc>
               <a:spcPct val="90000"/>
             </a:lnSpc>
@@ -4426,12 +4418,12 @@
             <a:buChar char="•"/>
           </a:pPr>
           <a:r>
-            <a:rPr lang="en-US" sz="3200" kern="1200" dirty="0"/>
+            <a:rPr lang="en-US" sz="2700" kern="1200" dirty="0"/>
             <a:t>A rectangular array of numbers</a:t>
           </a:r>
         </a:p>
         <a:p>
-          <a:pPr marL="285750" lvl="1" indent="-285750" algn="l" defTabSz="1422400">
+          <a:pPr marL="228600" lvl="1" indent="-228600" algn="l" defTabSz="1200150">
             <a:lnSpc>
               <a:spcPct val="90000"/>
             </a:lnSpc>
@@ -4444,14 +4436,14 @@
             <a:buChar char="•"/>
           </a:pPr>
           <a:r>
-            <a:rPr lang="en-US" sz="3200" kern="1200" dirty="0"/>
+            <a:rPr lang="en-US" sz="2700" kern="1200" dirty="0"/>
             <a:t>2 dimensions</a:t>
           </a:r>
         </a:p>
       </dsp:txBody>
       <dsp:txXfrm rot="-5400000">
-        <a:off x="3887914" y="1823618"/>
-        <a:ext cx="6852030" cy="1105740"/>
+        <a:off x="3621024" y="1543435"/>
+        <a:ext cx="6386749" cy="935854"/>
       </dsp:txXfrm>
     </dsp:sp>
     <dsp:sp modelId="{C69FA4BB-2E95-4391-8901-1FD5D53B9C30}">
@@ -4461,8 +4453,8 @@
       </dsp:nvSpPr>
       <dsp:spPr>
         <a:xfrm>
-          <a:off x="0" y="1610627"/>
-          <a:ext cx="3887914" cy="1531720"/>
+          <a:off x="0" y="1363169"/>
+          <a:ext cx="3621024" cy="1296385"/>
         </a:xfrm>
         <a:prstGeom prst="roundRect">
           <a:avLst/>
@@ -4475,7 +4467,7 @@
             <a:alphaOff val="0"/>
           </a:schemeClr>
         </a:solidFill>
-        <a:ln w="12700" cap="flat" cmpd="sng" algn="ctr">
+        <a:ln w="15875" cap="flat" cmpd="sng" algn="ctr">
           <a:solidFill>
             <a:schemeClr val="lt1">
               <a:hueOff val="0"/>
@@ -4485,7 +4477,6 @@
             </a:schemeClr>
           </a:solidFill>
           <a:prstDash val="solid"/>
-          <a:miter lim="800000"/>
         </a:ln>
         <a:effectLst/>
       </dsp:spPr>
@@ -4528,8 +4519,8 @@
         </a:p>
       </dsp:txBody>
       <dsp:txXfrm>
-        <a:off x="74772" y="1685399"/>
-        <a:ext cx="3738370" cy="1382176"/>
+        <a:off x="63284" y="1426453"/>
+        <a:ext cx="3494456" cy="1169817"/>
       </dsp:txXfrm>
     </dsp:sp>
     <dsp:sp modelId="{8704EEBB-503D-4AAE-ABA8-FBB873486460}">
@@ -4539,8 +4530,8 @@
       </dsp:nvSpPr>
       <dsp:spPr>
         <a:xfrm rot="5400000">
-          <a:off x="6731150" y="528869"/>
-          <a:ext cx="1225376" cy="6911848"/>
+          <a:off x="6321157" y="153879"/>
+          <a:ext cx="1037108" cy="6437376"/>
         </a:xfrm>
         <a:prstGeom prst="round2SameRect">
           <a:avLst/>
@@ -4555,7 +4546,7 @@
             <a:alphaOff val="0"/>
           </a:schemeClr>
         </a:solidFill>
-        <a:ln w="12700" cap="flat" cmpd="sng" algn="ctr">
+        <a:ln w="15875" cap="flat" cmpd="sng" algn="ctr">
           <a:solidFill>
             <a:schemeClr val="accent1">
               <a:alpha val="90000"/>
@@ -4567,7 +4558,6 @@
             </a:schemeClr>
           </a:solidFill>
           <a:prstDash val="solid"/>
-          <a:miter lim="800000"/>
         </a:ln>
         <a:effectLst/>
       </dsp:spPr>
@@ -4584,12 +4574,12 @@
         <a:fontRef idx="minor"/>
       </dsp:style>
       <dsp:txBody>
-        <a:bodyPr spcFirstLastPara="0" vert="horz" wrap="square" lIns="121920" tIns="60960" rIns="121920" bIns="60960" numCol="1" spcCol="1270" anchor="ctr" anchorCtr="0">
+        <a:bodyPr spcFirstLastPara="0" vert="horz" wrap="square" lIns="102870" tIns="51435" rIns="102870" bIns="51435" numCol="1" spcCol="1270" anchor="ctr" anchorCtr="0">
           <a:noAutofit/>
         </a:bodyPr>
         <a:lstStyle/>
         <a:p>
-          <a:pPr marL="285750" lvl="1" indent="-285750" algn="l" defTabSz="1422400">
+          <a:pPr marL="228600" lvl="1" indent="-228600" algn="l" defTabSz="1200150">
             <a:lnSpc>
               <a:spcPct val="90000"/>
             </a:lnSpc>
@@ -4602,12 +4592,12 @@
             <a:buChar char="•"/>
           </a:pPr>
           <a:r>
-            <a:rPr lang="en-US" sz="3200" kern="1200" dirty="0"/>
+            <a:rPr lang="en-US" sz="2700" kern="1200" dirty="0"/>
             <a:t>Generalization of a matrix</a:t>
           </a:r>
         </a:p>
         <a:p>
-          <a:pPr marL="285750" lvl="1" indent="-285750" algn="l" defTabSz="1422400">
+          <a:pPr marL="228600" lvl="1" indent="-228600" algn="l" defTabSz="1200150">
             <a:lnSpc>
               <a:spcPct val="90000"/>
             </a:lnSpc>
@@ -4620,14 +4610,14 @@
             <a:buChar char="•"/>
           </a:pPr>
           <a:r>
-            <a:rPr lang="en-US" sz="3200" kern="1200" dirty="0"/>
+            <a:rPr lang="en-US" sz="2700" kern="1200" dirty="0"/>
             <a:t>Arbitrary dimensions</a:t>
           </a:r>
         </a:p>
       </dsp:txBody>
       <dsp:txXfrm rot="-5400000">
-        <a:off x="3887914" y="3431923"/>
-        <a:ext cx="6852030" cy="1105740"/>
+        <a:off x="3621024" y="2904640"/>
+        <a:ext cx="6386749" cy="935854"/>
       </dsp:txXfrm>
     </dsp:sp>
     <dsp:sp modelId="{62EDA060-A0E8-42E6-BA84-F0180F28EAA2}">
@@ -4637,8 +4627,8 @@
       </dsp:nvSpPr>
       <dsp:spPr>
         <a:xfrm>
-          <a:off x="0" y="3218933"/>
-          <a:ext cx="3887914" cy="1531720"/>
+          <a:off x="0" y="2724374"/>
+          <a:ext cx="3621024" cy="1296385"/>
         </a:xfrm>
         <a:prstGeom prst="roundRect">
           <a:avLst/>
@@ -4651,7 +4641,7 @@
             <a:alphaOff val="0"/>
           </a:schemeClr>
         </a:solidFill>
-        <a:ln w="12700" cap="flat" cmpd="sng" algn="ctr">
+        <a:ln w="15875" cap="flat" cmpd="sng" algn="ctr">
           <a:solidFill>
             <a:schemeClr val="lt1">
               <a:hueOff val="0"/>
@@ -4661,7 +4651,6 @@
             </a:schemeClr>
           </a:solidFill>
           <a:prstDash val="solid"/>
-          <a:miter lim="800000"/>
         </a:ln>
         <a:effectLst/>
       </dsp:spPr>
@@ -4704,8 +4693,8 @@
         </a:p>
       </dsp:txBody>
       <dsp:txXfrm>
-        <a:off x="74772" y="3293705"/>
-        <a:ext cx="3738370" cy="1382176"/>
+        <a:off x="63284" y="2787658"/>
+        <a:ext cx="3494456" cy="1169817"/>
       </dsp:txXfrm>
     </dsp:sp>
   </dsp:spTree>
@@ -9677,7 +9666,7 @@
           <a:p>
             <a:fld id="{4235C6A4-13EB-334F-862B-598CD5A9818C}" type="slidenum">
               <a:rPr lang="en-US" smtClean="0"/>
-              <a:t>24</a:t>
+              <a:t>29</a:t>
             </a:fld>
             <a:endParaRPr lang="en-US"/>
           </a:p>
@@ -9697,7 +9686,7 @@
 </file>
 
 <file path=ppt/slideLayouts/slideLayout1.xml><?xml version="1.0" encoding="utf-8"?>
-<p:sldLayout xmlns:a="http://schemas.openxmlformats.org/drawingml/2006/main" xmlns:r="http://schemas.openxmlformats.org/officeDocument/2006/relationships" xmlns:p="http://schemas.openxmlformats.org/presentationml/2006/main" type="title" preserve="1">
+<p:sldLayout xmlns:a="http://schemas.openxmlformats.org/drawingml/2006/main" xmlns:r="http://schemas.openxmlformats.org/officeDocument/2006/relationships" xmlns:p="http://schemas.openxmlformats.org/presentationml/2006/main" showMasterSp="0" type="title" preserve="1">
   <p:cSld name="Title Slide">
     <p:spTree>
       <p:nvGrpSpPr>
@@ -9715,13 +9704,83 @@
       </p:grpSpPr>
       <p:sp>
         <p:nvSpPr>
-          <p:cNvPr id="2" name="Title 1">
-            <a:extLst>
-              <a:ext uri="{FF2B5EF4-FFF2-40B4-BE49-F238E27FC236}">
-                <a16:creationId xmlns:a16="http://schemas.microsoft.com/office/drawing/2014/main" id="{A3F4EBAA-2F39-3941-B36E-6CA80D2012F9}"/>
-              </a:ext>
-            </a:extLst>
-          </p:cNvPr>
+          <p:cNvPr id="7" name="Rectangle 6"/>
+          <p:cNvSpPr/>
+          <p:nvPr/>
+        </p:nvSpPr>
+        <p:spPr>
+          <a:xfrm>
+            <a:off x="3175" y="6400800"/>
+            <a:ext cx="12188825" cy="457200"/>
+          </a:xfrm>
+          <a:prstGeom prst="rect">
+            <a:avLst/>
+          </a:prstGeom>
+          <a:solidFill>
+            <a:schemeClr val="accent2"/>
+          </a:solidFill>
+          <a:ln>
+            <a:noFill/>
+          </a:ln>
+        </p:spPr>
+        <p:style>
+          <a:lnRef idx="2">
+            <a:schemeClr val="accent1">
+              <a:shade val="50000"/>
+            </a:schemeClr>
+          </a:lnRef>
+          <a:fillRef idx="1">
+            <a:schemeClr val="accent1"/>
+          </a:fillRef>
+          <a:effectRef idx="0">
+            <a:schemeClr val="accent1"/>
+          </a:effectRef>
+          <a:fontRef idx="minor">
+            <a:schemeClr val="lt1"/>
+          </a:fontRef>
+        </p:style>
+      </p:sp>
+      <p:sp>
+        <p:nvSpPr>
+          <p:cNvPr id="8" name="Rectangle 7"/>
+          <p:cNvSpPr/>
+          <p:nvPr/>
+        </p:nvSpPr>
+        <p:spPr>
+          <a:xfrm>
+            <a:off x="15" y="6334316"/>
+            <a:ext cx="12188825" cy="64008"/>
+          </a:xfrm>
+          <a:prstGeom prst="rect">
+            <a:avLst/>
+          </a:prstGeom>
+          <a:solidFill>
+            <a:schemeClr val="accent1"/>
+          </a:solidFill>
+          <a:ln>
+            <a:noFill/>
+          </a:ln>
+        </p:spPr>
+        <p:style>
+          <a:lnRef idx="2">
+            <a:schemeClr val="accent1">
+              <a:shade val="50000"/>
+            </a:schemeClr>
+          </a:lnRef>
+          <a:fillRef idx="1">
+            <a:schemeClr val="accent1"/>
+          </a:fillRef>
+          <a:effectRef idx="0">
+            <a:schemeClr val="accent1"/>
+          </a:effectRef>
+          <a:fontRef idx="minor">
+            <a:schemeClr val="lt1"/>
+          </a:fontRef>
+        </p:style>
+      </p:sp>
+      <p:sp>
+        <p:nvSpPr>
+          <p:cNvPr id="2" name="Title 1"/>
           <p:cNvSpPr>
             <a:spLocks noGrp="1"/>
           </p:cNvSpPr>
@@ -9731,8 +9790,8 @@
         </p:nvSpPr>
         <p:spPr>
           <a:xfrm>
-            <a:off x="648000" y="1080000"/>
-            <a:ext cx="10080000" cy="2376000"/>
+            <a:off x="1097280" y="758952"/>
+            <a:ext cx="10058400" cy="3566160"/>
           </a:xfrm>
         </p:spPr>
         <p:txBody>
@@ -9741,32 +9800,31 @@
           </a:bodyPr>
           <a:lstStyle>
             <a:lvl1pPr algn="l">
-              <a:defRPr sz="4800">
+              <a:lnSpc>
+                <a:spcPct val="85000"/>
+              </a:lnSpc>
+              <a:defRPr sz="8000" spc="-50" baseline="0">
                 <a:solidFill>
-                  <a:srgbClr val="2C2C2C"/>
+                  <a:schemeClr val="tx1">
+                    <a:lumMod val="85000"/>
+                    <a:lumOff val="15000"/>
+                  </a:schemeClr>
                 </a:solidFill>
-                <a:latin typeface="Arial" panose="020B0604020202020204" pitchFamily="34" charset="0"/>
-                <a:cs typeface="Arial" panose="020B0604020202020204" pitchFamily="34" charset="0"/>
               </a:defRPr>
             </a:lvl1pPr>
           </a:lstStyle>
           <a:p>
             <a:r>
-              <a:rPr lang="en-US" dirty="0"/>
+              <a:rPr lang="en-US"/>
               <a:t>Click to edit Master title style</a:t>
             </a:r>
+            <a:endParaRPr lang="en-US" dirty="0"/>
           </a:p>
         </p:txBody>
       </p:sp>
       <p:sp>
         <p:nvSpPr>
-          <p:cNvPr id="3" name="Subtitle 2">
-            <a:extLst>
-              <a:ext uri="{FF2B5EF4-FFF2-40B4-BE49-F238E27FC236}">
-                <a16:creationId xmlns:a16="http://schemas.microsoft.com/office/drawing/2014/main" id="{B8D30EB3-3F40-D64C-A1AD-1D8CF2EDB6EB}"/>
-              </a:ext>
-            </a:extLst>
-          </p:cNvPr>
+          <p:cNvPr id="3" name="Subtitle 2"/>
           <p:cNvSpPr>
             <a:spLocks noGrp="1"/>
           </p:cNvSpPr>
@@ -9776,75 +9834,69 @@
         </p:nvSpPr>
         <p:spPr>
           <a:xfrm>
-            <a:off x="648000" y="3600000"/>
-            <a:ext cx="10080000" cy="1655762"/>
+            <a:off x="1100051" y="4455620"/>
+            <a:ext cx="10058400" cy="1143000"/>
           </a:xfrm>
         </p:spPr>
         <p:txBody>
-          <a:bodyPr>
+          <a:bodyPr lIns="91440" rIns="91440">
             <a:normAutofit/>
           </a:bodyPr>
           <a:lstStyle>
             <a:lvl1pPr marL="0" indent="0" algn="l">
               <a:buNone/>
-              <a:defRPr sz="2200">
+              <a:defRPr sz="2400" cap="all" spc="200" baseline="0">
                 <a:solidFill>
-                  <a:srgbClr val="2C2C2C"/>
+                  <a:schemeClr val="tx2"/>
                 </a:solidFill>
-                <a:latin typeface="Arial" panose="020B0604020202020204" pitchFamily="34" charset="0"/>
-                <a:cs typeface="Arial" panose="020B0604020202020204" pitchFamily="34" charset="0"/>
+                <a:latin typeface="+mj-lt"/>
               </a:defRPr>
             </a:lvl1pPr>
             <a:lvl2pPr marL="457200" indent="0" algn="ctr">
               <a:buNone/>
-              <a:defRPr sz="2000"/>
+              <a:defRPr sz="2400"/>
             </a:lvl2pPr>
             <a:lvl3pPr marL="914400" indent="0" algn="ctr">
               <a:buNone/>
-              <a:defRPr sz="1800"/>
+              <a:defRPr sz="2400"/>
             </a:lvl3pPr>
             <a:lvl4pPr marL="1371600" indent="0" algn="ctr">
               <a:buNone/>
-              <a:defRPr sz="1600"/>
+              <a:defRPr sz="2000"/>
             </a:lvl4pPr>
             <a:lvl5pPr marL="1828800" indent="0" algn="ctr">
               <a:buNone/>
-              <a:defRPr sz="1600"/>
+              <a:defRPr sz="2000"/>
             </a:lvl5pPr>
             <a:lvl6pPr marL="2286000" indent="0" algn="ctr">
               <a:buNone/>
-              <a:defRPr sz="1600"/>
+              <a:defRPr sz="2000"/>
             </a:lvl6pPr>
             <a:lvl7pPr marL="2743200" indent="0" algn="ctr">
               <a:buNone/>
-              <a:defRPr sz="1600"/>
+              <a:defRPr sz="2000"/>
             </a:lvl7pPr>
             <a:lvl8pPr marL="3200400" indent="0" algn="ctr">
               <a:buNone/>
-              <a:defRPr sz="1600"/>
+              <a:defRPr sz="2000"/>
             </a:lvl8pPr>
             <a:lvl9pPr marL="3657600" indent="0" algn="ctr">
               <a:buNone/>
-              <a:defRPr sz="1600"/>
+              <a:defRPr sz="2000"/>
             </a:lvl9pPr>
           </a:lstStyle>
           <a:p>
             <a:r>
-              <a:rPr lang="en-US" dirty="0"/>
+              <a:rPr lang="en-US"/>
               <a:t>Click to edit Master subtitle style</a:t>
             </a:r>
+            <a:endParaRPr lang="en-US" dirty="0"/>
           </a:p>
         </p:txBody>
       </p:sp>
       <p:sp>
         <p:nvSpPr>
-          <p:cNvPr id="4" name="Date Placeholder 3">
-            <a:extLst>
-              <a:ext uri="{FF2B5EF4-FFF2-40B4-BE49-F238E27FC236}">
-                <a16:creationId xmlns:a16="http://schemas.microsoft.com/office/drawing/2014/main" id="{35EF9E7C-27BF-0B47-97CE-96E21ED00E49}"/>
-              </a:ext>
-            </a:extLst>
-          </p:cNvPr>
+          <p:cNvPr id="4" name="Date Placeholder 3"/>
           <p:cNvSpPr>
             <a:spLocks noGrp="1"/>
           </p:cNvSpPr>
@@ -9855,14 +9907,7 @@
         <p:spPr/>
         <p:txBody>
           <a:bodyPr/>
-          <a:lstStyle>
-            <a:lvl1pPr>
-              <a:defRPr>
-                <a:latin typeface="Arial" panose="020B0604020202020204" pitchFamily="34" charset="0"/>
-                <a:cs typeface="Arial" panose="020B0604020202020204" pitchFamily="34" charset="0"/>
-              </a:defRPr>
-            </a:lvl1pPr>
-          </a:lstStyle>
+          <a:lstStyle/>
           <a:p>
             <a:fld id="{A20003F6-9FA2-F04E-AA53-1C0C7743172A}" type="datetime1">
               <a:rPr lang="en-GB" smtClean="0"/>
@@ -9875,13 +9920,7 @@
       </p:sp>
       <p:sp>
         <p:nvSpPr>
-          <p:cNvPr id="5" name="Footer Placeholder 4">
-            <a:extLst>
-              <a:ext uri="{FF2B5EF4-FFF2-40B4-BE49-F238E27FC236}">
-                <a16:creationId xmlns:a16="http://schemas.microsoft.com/office/drawing/2014/main" id="{544A26B7-A7B8-0043-9B2B-84EB56AD3764}"/>
-              </a:ext>
-            </a:extLst>
-          </p:cNvPr>
+          <p:cNvPr id="5" name="Footer Placeholder 4"/>
           <p:cNvSpPr>
             <a:spLocks noGrp="1"/>
           </p:cNvSpPr>
@@ -9892,14 +9931,7 @@
         <p:spPr/>
         <p:txBody>
           <a:bodyPr/>
-          <a:lstStyle>
-            <a:lvl1pPr>
-              <a:defRPr>
-                <a:latin typeface="Arial" panose="020B0604020202020204" pitchFamily="34" charset="0"/>
-                <a:cs typeface="Arial" panose="020B0604020202020204" pitchFamily="34" charset="0"/>
-              </a:defRPr>
-            </a:lvl1pPr>
-          </a:lstStyle>
+          <a:lstStyle/>
           <a:p>
             <a:endParaRPr lang="en-US"/>
           </a:p>
@@ -9907,43 +9939,18 @@
       </p:sp>
       <p:sp>
         <p:nvSpPr>
-          <p:cNvPr id="9" name="Slide Number Placeholder 5">
-            <a:extLst>
-              <a:ext uri="{FF2B5EF4-FFF2-40B4-BE49-F238E27FC236}">
-                <a16:creationId xmlns:a16="http://schemas.microsoft.com/office/drawing/2014/main" id="{AAF09BA4-C874-394D-BD6F-A467115F6559}"/>
-              </a:ext>
-            </a:extLst>
-          </p:cNvPr>
+          <p:cNvPr id="6" name="Slide Number Placeholder 5"/>
           <p:cNvSpPr>
             <a:spLocks noGrp="1"/>
           </p:cNvSpPr>
           <p:nvPr>
-            <p:ph type="sldNum" sz="quarter" idx="4"/>
+            <p:ph type="sldNum" sz="quarter" idx="12"/>
           </p:nvPr>
         </p:nvSpPr>
-        <p:spPr>
-          <a:xfrm>
-            <a:off x="11160000" y="576000"/>
-            <a:ext cx="540000" cy="288032"/>
-          </a:xfrm>
-          <a:prstGeom prst="rect">
-            <a:avLst/>
-          </a:prstGeom>
-        </p:spPr>
+        <p:spPr/>
         <p:txBody>
-          <a:bodyPr vert="horz" lIns="91440" tIns="45720" rIns="91440" bIns="45720" rtlCol="0" anchor="ctr"/>
-          <a:lstStyle>
-            <a:lvl1pPr algn="ctr">
-              <a:defRPr sz="1200" b="1">
-                <a:solidFill>
-                  <a:srgbClr val="2C2C2C"/>
-                </a:solidFill>
-                <a:latin typeface="Arial" panose="020B0604020202020204" pitchFamily="34" charset="0"/>
-                <a:ea typeface="Open Sans" panose="020B0606030504020204" pitchFamily="34" charset="0"/>
-                <a:cs typeface="Arial" panose="020B0604020202020204" pitchFamily="34" charset="0"/>
-              </a:defRPr>
-            </a:lvl1pPr>
-          </a:lstStyle>
+          <a:bodyPr/>
+          <a:lstStyle/>
           <a:p>
             <a:fld id="{2D5587A6-0F28-234D-9116-41BE2E1A2AC2}" type="slidenum">
               <a:rPr lang="en-US" smtClean="0"/>
@@ -9954,17 +9961,55 @@
           </a:p>
         </p:txBody>
       </p:sp>
+      <p:cxnSp>
+        <p:nvCxnSpPr>
+          <p:cNvPr id="9" name="Straight Connector 8"/>
+          <p:cNvCxnSpPr/>
+          <p:nvPr/>
+        </p:nvCxnSpPr>
+        <p:spPr>
+          <a:xfrm>
+            <a:off x="1207658" y="4343400"/>
+            <a:ext cx="9875520" cy="0"/>
+          </a:xfrm>
+          <a:prstGeom prst="line">
+            <a:avLst/>
+          </a:prstGeom>
+          <a:ln w="6350">
+            <a:solidFill>
+              <a:schemeClr val="tx1">
+                <a:lumMod val="50000"/>
+                <a:lumOff val="50000"/>
+              </a:schemeClr>
+            </a:solidFill>
+          </a:ln>
+        </p:spPr>
+        <p:style>
+          <a:lnRef idx="1">
+            <a:schemeClr val="accent1"/>
+          </a:lnRef>
+          <a:fillRef idx="0">
+            <a:schemeClr val="accent1"/>
+          </a:fillRef>
+          <a:effectRef idx="0">
+            <a:schemeClr val="accent1"/>
+          </a:effectRef>
+          <a:fontRef idx="minor">
+            <a:schemeClr val="tx1"/>
+          </a:fontRef>
+        </p:style>
+      </p:cxnSp>
     </p:spTree>
     <p:extLst>
       <p:ext uri="{BB962C8B-B14F-4D97-AF65-F5344CB8AC3E}">
-        <p14:creationId xmlns:p14="http://schemas.microsoft.com/office/powerpoint/2010/main" val="451190864"/>
+        <p14:creationId xmlns:p14="http://schemas.microsoft.com/office/powerpoint/2010/main" val="1987341956"/>
       </p:ext>
     </p:extLst>
   </p:cSld>
   <p:clrMapOvr>
     <a:masterClrMapping/>
   </p:clrMapOvr>
-  <p:extLst mod="1">
+  <p:extLst>
     <p:ext uri="{DCECCB84-F9BA-43D5-87BE-67443E8EF086}">
       <p15:sldGuideLst xmlns:p15="http://schemas.microsoft.com/office/powerpoint/2012/main"/>
     </p:ext>
@@ -9972,9 +10017,9 @@
 </p:sldLayout>
 </file>
 
-<file path=ppt/slideLayouts/slideLayout2.xml><?xml version="1.0" encoding="utf-8"?>
-<p:sldLayout xmlns:a="http://schemas.openxmlformats.org/drawingml/2006/main" xmlns:r="http://schemas.openxmlformats.org/officeDocument/2006/relationships" xmlns:p="http://schemas.openxmlformats.org/presentationml/2006/main" type="title" preserve="1">
-  <p:cSld name="Section Slide">
+<file path=ppt/slideLayouts/slideLayout10.xml><?xml version="1.0" encoding="utf-8"?>
+<p:sldLayout xmlns:a="http://schemas.openxmlformats.org/drawingml/2006/main" xmlns:r="http://schemas.openxmlformats.org/officeDocument/2006/relationships" xmlns:p="http://schemas.openxmlformats.org/presentationml/2006/main" type="vertTx" preserve="1">
+  <p:cSld name="Title and Vertical Text">
     <p:spTree>
       <p:nvGrpSpPr>
         <p:cNvPr id="1" name=""/>
@@ -9991,124 +10036,82 @@
       </p:grpSpPr>
       <p:sp>
         <p:nvSpPr>
-          <p:cNvPr id="2" name="Title 1">
-            <a:extLst>
-              <a:ext uri="{FF2B5EF4-FFF2-40B4-BE49-F238E27FC236}">
-                <a16:creationId xmlns:a16="http://schemas.microsoft.com/office/drawing/2014/main" id="{A3F4EBAA-2F39-3941-B36E-6CA80D2012F9}"/>
-              </a:ext>
-            </a:extLst>
-          </p:cNvPr>
+          <p:cNvPr id="2" name="Title 1"/>
           <p:cNvSpPr>
             <a:spLocks noGrp="1"/>
           </p:cNvSpPr>
           <p:nvPr>
-            <p:ph type="ctrTitle"/>
+            <p:ph type="title"/>
           </p:nvPr>
         </p:nvSpPr>
-        <p:spPr>
-          <a:xfrm>
-            <a:off x="648000" y="1080000"/>
-            <a:ext cx="10080000" cy="2376000"/>
-          </a:xfrm>
-        </p:spPr>
+        <p:spPr/>
         <p:txBody>
-          <a:bodyPr anchor="b">
-            <a:normAutofit/>
-          </a:bodyPr>
-          <a:lstStyle>
-            <a:lvl1pPr algn="l">
-              <a:defRPr sz="3600"/>
-            </a:lvl1pPr>
-          </a:lstStyle>
-          <a:p>
-            <a:r>
-              <a:rPr lang="en-US" dirty="0"/>
+          <a:bodyPr/>
+          <a:lstStyle/>
+          <a:p>
+            <a:r>
+              <a:rPr lang="en-US"/>
               <a:t>Click to edit Master title style</a:t>
             </a:r>
+            <a:endParaRPr lang="en-US" dirty="0"/>
           </a:p>
         </p:txBody>
       </p:sp>
       <p:sp>
         <p:nvSpPr>
-          <p:cNvPr id="3" name="Subtitle 2">
-            <a:extLst>
-              <a:ext uri="{FF2B5EF4-FFF2-40B4-BE49-F238E27FC236}">
-                <a16:creationId xmlns:a16="http://schemas.microsoft.com/office/drawing/2014/main" id="{B8D30EB3-3F40-D64C-A1AD-1D8CF2EDB6EB}"/>
-              </a:ext>
-            </a:extLst>
-          </p:cNvPr>
+          <p:cNvPr id="3" name="Vertical Text Placeholder 2"/>
           <p:cNvSpPr>
             <a:spLocks noGrp="1"/>
           </p:cNvSpPr>
           <p:nvPr>
-            <p:ph type="subTitle" idx="1"/>
+            <p:ph type="body" orient="vert" idx="1"/>
           </p:nvPr>
         </p:nvSpPr>
-        <p:spPr>
-          <a:xfrm>
-            <a:off x="648000" y="3600000"/>
-            <a:ext cx="10080000" cy="1655762"/>
-          </a:xfrm>
-        </p:spPr>
+        <p:spPr/>
         <p:txBody>
-          <a:bodyPr>
-            <a:normAutofit/>
-          </a:bodyPr>
-          <a:lstStyle>
-            <a:lvl1pPr marL="0" indent="0" algn="l">
-              <a:buNone/>
-              <a:defRPr sz="2000"/>
-            </a:lvl1pPr>
-            <a:lvl2pPr marL="457200" indent="0" algn="ctr">
-              <a:buNone/>
-              <a:defRPr sz="2000"/>
-            </a:lvl2pPr>
-            <a:lvl3pPr marL="914400" indent="0" algn="ctr">
-              <a:buNone/>
-              <a:defRPr sz="1800"/>
-            </a:lvl3pPr>
-            <a:lvl4pPr marL="1371600" indent="0" algn="ctr">
-              <a:buNone/>
-              <a:defRPr sz="1600"/>
-            </a:lvl4pPr>
-            <a:lvl5pPr marL="1828800" indent="0" algn="ctr">
-              <a:buNone/>
-              <a:defRPr sz="1600"/>
-            </a:lvl5pPr>
-            <a:lvl6pPr marL="2286000" indent="0" algn="ctr">
-              <a:buNone/>
-              <a:defRPr sz="1600"/>
-            </a:lvl6pPr>
-            <a:lvl7pPr marL="2743200" indent="0" algn="ctr">
-              <a:buNone/>
-              <a:defRPr sz="1600"/>
-            </a:lvl7pPr>
-            <a:lvl8pPr marL="3200400" indent="0" algn="ctr">
-              <a:buNone/>
-              <a:defRPr sz="1600"/>
-            </a:lvl8pPr>
-            <a:lvl9pPr marL="3657600" indent="0" algn="ctr">
-              <a:buNone/>
-              <a:defRPr sz="1600"/>
-            </a:lvl9pPr>
-          </a:lstStyle>
-          <a:p>
-            <a:r>
-              <a:rPr lang="en-US" dirty="0"/>
-              <a:t>Click to edit Master subtitle style</a:t>
-            </a:r>
+          <a:bodyPr vert="eaVert" lIns="45720" tIns="0" rIns="45720" bIns="0"/>
+          <a:lstStyle/>
+          <a:p>
+            <a:pPr lvl="0"/>
+            <a:r>
+              <a:rPr lang="en-US"/>
+              <a:t>Edit Master text styles</a:t>
+            </a:r>
+          </a:p>
+          <a:p>
+            <a:pPr lvl="1"/>
+            <a:r>
+              <a:rPr lang="en-US"/>
+              <a:t>Second level</a:t>
+            </a:r>
+          </a:p>
+          <a:p>
+            <a:pPr lvl="2"/>
+            <a:r>
+              <a:rPr lang="en-US"/>
+              <a:t>Third level</a:t>
+            </a:r>
+          </a:p>
+          <a:p>
+            <a:pPr lvl="3"/>
+            <a:r>
+              <a:rPr lang="en-US"/>
+              <a:t>Fourth level</a:t>
+            </a:r>
+          </a:p>
+          <a:p>
+            <a:pPr lvl="4"/>
+            <a:r>
+              <a:rPr lang="en-US"/>
+              <a:t>Fifth level</a:t>
+            </a:r>
+            <a:endParaRPr lang="en-US" dirty="0"/>
           </a:p>
         </p:txBody>
       </p:sp>
       <p:sp>
         <p:nvSpPr>
-          <p:cNvPr id="4" name="Date Placeholder 3">
-            <a:extLst>
-              <a:ext uri="{FF2B5EF4-FFF2-40B4-BE49-F238E27FC236}">
-                <a16:creationId xmlns:a16="http://schemas.microsoft.com/office/drawing/2014/main" id="{35EF9E7C-27BF-0B47-97CE-96E21ED00E49}"/>
-              </a:ext>
-            </a:extLst>
-          </p:cNvPr>
+          <p:cNvPr id="4" name="Date Placeholder 3"/>
           <p:cNvSpPr>
             <a:spLocks noGrp="1"/>
           </p:cNvSpPr>
@@ -10121,8 +10124,9 @@
           <a:bodyPr/>
           <a:lstStyle/>
           <a:p>
-            <a:fld id="{A20003F6-9FA2-F04E-AA53-1C0C7743172A}" type="datetime1">
+            <a:fld id="{A0CEF12D-8022-E647-B033-82324AAEB22F}" type="datetime1">
               <a:rPr lang="en-GB" smtClean="0"/>
+              <a:pPr/>
               <a:t>24/11/2018</a:t>
             </a:fld>
             <a:endParaRPr lang="en-US"/>
@@ -10131,13 +10135,7 @@
       </p:sp>
       <p:sp>
         <p:nvSpPr>
-          <p:cNvPr id="5" name="Footer Placeholder 4">
-            <a:extLst>
-              <a:ext uri="{FF2B5EF4-FFF2-40B4-BE49-F238E27FC236}">
-                <a16:creationId xmlns:a16="http://schemas.microsoft.com/office/drawing/2014/main" id="{544A26B7-A7B8-0043-9B2B-84EB56AD3764}"/>
-              </a:ext>
-            </a:extLst>
-          </p:cNvPr>
+          <p:cNvPr id="5" name="Footer Placeholder 4"/>
           <p:cNvSpPr>
             <a:spLocks noGrp="1"/>
           </p:cNvSpPr>
@@ -10150,19 +10148,13 @@
           <a:bodyPr/>
           <a:lstStyle/>
           <a:p>
-            <a:endParaRPr lang="en-US"/>
+            <a:endParaRPr lang="en-US" dirty="0"/>
           </a:p>
         </p:txBody>
       </p:sp>
       <p:sp>
         <p:nvSpPr>
-          <p:cNvPr id="6" name="Slide Number Placeholder 5">
-            <a:extLst>
-              <a:ext uri="{FF2B5EF4-FFF2-40B4-BE49-F238E27FC236}">
-                <a16:creationId xmlns:a16="http://schemas.microsoft.com/office/drawing/2014/main" id="{12670887-57E7-3A43-BB1A-5812E952692E}"/>
-              </a:ext>
-            </a:extLst>
-          </p:cNvPr>
+          <p:cNvPr id="6" name="Slide Number Placeholder 5"/>
           <p:cNvSpPr>
             <a:spLocks noGrp="1"/>
           </p:cNvSpPr>
@@ -10177,33 +10169,30 @@
           <a:p>
             <a:fld id="{2D5587A6-0F28-234D-9116-41BE2E1A2AC2}" type="slidenum">
               <a:rPr lang="en-US" smtClean="0"/>
+              <a:pPr/>
               <a:t>‹#›</a:t>
             </a:fld>
-            <a:endParaRPr lang="en-US"/>
+            <a:endParaRPr lang="en-US" dirty="0"/>
           </a:p>
         </p:txBody>
       </p:sp>
     </p:spTree>
     <p:extLst>
       <p:ext uri="{BB962C8B-B14F-4D97-AF65-F5344CB8AC3E}">
-        <p14:creationId xmlns:p14="http://schemas.microsoft.com/office/powerpoint/2010/main" val="4084134628"/>
+        <p14:creationId xmlns:p14="http://schemas.microsoft.com/office/powerpoint/2010/main" val="3734924479"/>
       </p:ext>
     </p:extLst>
   </p:cSld>
   <p:clrMapOvr>
     <a:masterClrMapping/>
   </p:clrMapOvr>
-  <p:extLst mod="1">
-    <p:ext uri="{DCECCB84-F9BA-43D5-87BE-67443E8EF086}">
-      <p15:sldGuideLst xmlns:p15="http://schemas.microsoft.com/office/powerpoint/2012/main"/>
-    </p:ext>
-  </p:extLst>
+  <p:hf hdr="0" ftr="0" dt="0"/>
 </p:sldLayout>
 </file>
 
-<file path=ppt/slideLayouts/slideLayout3.xml><?xml version="1.0" encoding="utf-8"?>
-<p:sldLayout xmlns:a="http://schemas.openxmlformats.org/drawingml/2006/main" xmlns:r="http://schemas.openxmlformats.org/officeDocument/2006/relationships" xmlns:p="http://schemas.openxmlformats.org/presentationml/2006/main" type="obj" preserve="1">
-  <p:cSld name="Title and Content">
+<file path=ppt/slideLayouts/slideLayout11.xml><?xml version="1.0" encoding="utf-8"?>
+<p:sldLayout xmlns:a="http://schemas.openxmlformats.org/drawingml/2006/main" xmlns:r="http://schemas.openxmlformats.org/officeDocument/2006/relationships" xmlns:p="http://schemas.openxmlformats.org/presentationml/2006/main" showMasterSp="0" type="vertTitleAndTx" preserve="1">
+  <p:cSld name="Vertical Title and Text">
     <p:spTree>
       <p:nvGrpSpPr>
         <p:cNvPr id="1" name=""/>
@@ -10220,141 +10209,168 @@
       </p:grpSpPr>
       <p:sp>
         <p:nvSpPr>
-          <p:cNvPr id="2" name="Title 1">
-            <a:extLst>
-              <a:ext uri="{FF2B5EF4-FFF2-40B4-BE49-F238E27FC236}">
-                <a16:creationId xmlns:a16="http://schemas.microsoft.com/office/drawing/2014/main" id="{301DCAF7-AA06-1040-B1E0-8E15D9C5161B}"/>
-              </a:ext>
-            </a:extLst>
-          </p:cNvPr>
+          <p:cNvPr id="7" name="Rectangle 6"/>
+          <p:cNvSpPr/>
+          <p:nvPr/>
+        </p:nvSpPr>
+        <p:spPr>
+          <a:xfrm>
+            <a:off x="3175" y="6400800"/>
+            <a:ext cx="12188825" cy="457200"/>
+          </a:xfrm>
+          <a:prstGeom prst="rect">
+            <a:avLst/>
+          </a:prstGeom>
+          <a:solidFill>
+            <a:schemeClr val="accent2"/>
+          </a:solidFill>
+          <a:ln>
+            <a:noFill/>
+          </a:ln>
+        </p:spPr>
+        <p:style>
+          <a:lnRef idx="2">
+            <a:schemeClr val="accent1">
+              <a:shade val="50000"/>
+            </a:schemeClr>
+          </a:lnRef>
+          <a:fillRef idx="1">
+            <a:schemeClr val="accent1"/>
+          </a:fillRef>
+          <a:effectRef idx="0">
+            <a:schemeClr val="accent1"/>
+          </a:effectRef>
+          <a:fontRef idx="minor">
+            <a:schemeClr val="lt1"/>
+          </a:fontRef>
+        </p:style>
+      </p:sp>
+      <p:sp>
+        <p:nvSpPr>
+          <p:cNvPr id="8" name="Rectangle 7"/>
+          <p:cNvSpPr/>
+          <p:nvPr/>
+        </p:nvSpPr>
+        <p:spPr>
+          <a:xfrm>
+            <a:off x="15" y="6334316"/>
+            <a:ext cx="12188825" cy="64008"/>
+          </a:xfrm>
+          <a:prstGeom prst="rect">
+            <a:avLst/>
+          </a:prstGeom>
+          <a:solidFill>
+            <a:schemeClr val="accent1"/>
+          </a:solidFill>
+          <a:ln>
+            <a:noFill/>
+          </a:ln>
+        </p:spPr>
+        <p:style>
+          <a:lnRef idx="2">
+            <a:schemeClr val="accent1">
+              <a:shade val="50000"/>
+            </a:schemeClr>
+          </a:lnRef>
+          <a:fillRef idx="1">
+            <a:schemeClr val="accent1"/>
+          </a:fillRef>
+          <a:effectRef idx="0">
+            <a:schemeClr val="accent1"/>
+          </a:effectRef>
+          <a:fontRef idx="minor">
+            <a:schemeClr val="lt1"/>
+          </a:fontRef>
+        </p:style>
+      </p:sp>
+      <p:sp>
+        <p:nvSpPr>
+          <p:cNvPr id="2" name="Vertical Title 1"/>
           <p:cNvSpPr>
             <a:spLocks noGrp="1"/>
           </p:cNvSpPr>
           <p:nvPr>
-            <p:ph type="title"/>
+            <p:ph type="title" orient="vert"/>
           </p:nvPr>
         </p:nvSpPr>
-        <p:spPr/>
+        <p:spPr>
+          <a:xfrm>
+            <a:off x="8724900" y="414778"/>
+            <a:ext cx="2628900" cy="5757421"/>
+          </a:xfrm>
+        </p:spPr>
         <p:txBody>
-          <a:bodyPr/>
-          <a:lstStyle>
-            <a:lvl1pPr>
-              <a:defRPr>
-                <a:latin typeface="Arial" panose="020B0604020202020204" pitchFamily="34" charset="0"/>
-                <a:cs typeface="Arial" panose="020B0604020202020204" pitchFamily="34" charset="0"/>
-              </a:defRPr>
-            </a:lvl1pPr>
-          </a:lstStyle>
+          <a:bodyPr vert="eaVert"/>
+          <a:lstStyle/>
           <a:p>
             <a:r>
               <a:rPr lang="en-US"/>
               <a:t>Click to edit Master title style</a:t>
             </a:r>
+            <a:endParaRPr lang="en-US" dirty="0"/>
           </a:p>
         </p:txBody>
       </p:sp>
       <p:sp>
         <p:nvSpPr>
-          <p:cNvPr id="3" name="Content Placeholder 2">
-            <a:extLst>
-              <a:ext uri="{FF2B5EF4-FFF2-40B4-BE49-F238E27FC236}">
-                <a16:creationId xmlns:a16="http://schemas.microsoft.com/office/drawing/2014/main" id="{BFF5B501-CBFE-104D-BB25-66D22875F063}"/>
-              </a:ext>
-            </a:extLst>
-          </p:cNvPr>
+          <p:cNvPr id="3" name="Vertical Text Placeholder 2"/>
           <p:cNvSpPr>
             <a:spLocks noGrp="1"/>
           </p:cNvSpPr>
           <p:nvPr>
-            <p:ph idx="1"/>
+            <p:ph type="body" orient="vert" idx="1"/>
           </p:nvPr>
         </p:nvSpPr>
         <p:spPr>
           <a:xfrm>
-            <a:off x="648000" y="1404000"/>
-            <a:ext cx="10800000" cy="4752000"/>
+            <a:off x="838200" y="414778"/>
+            <a:ext cx="7734300" cy="5757422"/>
           </a:xfrm>
         </p:spPr>
         <p:txBody>
-          <a:bodyPr/>
-          <a:lstStyle>
-            <a:lvl1pPr>
-              <a:defRPr sz="2000">
-                <a:latin typeface="Arial" panose="020B0604020202020204" pitchFamily="34" charset="0"/>
-                <a:cs typeface="Arial" panose="020B0604020202020204" pitchFamily="34" charset="0"/>
-              </a:defRPr>
-            </a:lvl1pPr>
-            <a:lvl2pPr>
-              <a:defRPr sz="1800">
-                <a:latin typeface="Arial" panose="020B0604020202020204" pitchFamily="34" charset="0"/>
-                <a:cs typeface="Arial" panose="020B0604020202020204" pitchFamily="34" charset="0"/>
-              </a:defRPr>
-            </a:lvl2pPr>
-            <a:lvl3pPr>
-              <a:defRPr>
-                <a:latin typeface="Arial" panose="020B0604020202020204" pitchFamily="34" charset="0"/>
-                <a:cs typeface="Arial" panose="020B0604020202020204" pitchFamily="34" charset="0"/>
-              </a:defRPr>
-            </a:lvl3pPr>
-            <a:lvl4pPr>
-              <a:defRPr>
-                <a:latin typeface="Arial" panose="020B0604020202020204" pitchFamily="34" charset="0"/>
-                <a:cs typeface="Arial" panose="020B0604020202020204" pitchFamily="34" charset="0"/>
-              </a:defRPr>
-            </a:lvl4pPr>
-            <a:lvl5pPr>
-              <a:defRPr>
-                <a:latin typeface="Arial" panose="020B0604020202020204" pitchFamily="34" charset="0"/>
-                <a:cs typeface="Arial" panose="020B0604020202020204" pitchFamily="34" charset="0"/>
-              </a:defRPr>
-            </a:lvl5pPr>
-          </a:lstStyle>
+          <a:bodyPr vert="eaVert" lIns="45720" tIns="0" rIns="45720" bIns="0"/>
+          <a:lstStyle/>
           <a:p>
             <a:pPr lvl="0"/>
             <a:r>
-              <a:rPr lang="en-US" dirty="0"/>
+              <a:rPr lang="en-US"/>
               <a:t>Edit Master text styles</a:t>
             </a:r>
           </a:p>
           <a:p>
             <a:pPr lvl="1"/>
             <a:r>
-              <a:rPr lang="en-US" dirty="0"/>
+              <a:rPr lang="en-US"/>
               <a:t>Second level</a:t>
             </a:r>
           </a:p>
           <a:p>
             <a:pPr lvl="2"/>
             <a:r>
-              <a:rPr lang="en-US" dirty="0"/>
+              <a:rPr lang="en-US"/>
               <a:t>Third level</a:t>
             </a:r>
           </a:p>
           <a:p>
             <a:pPr lvl="3"/>
             <a:r>
-              <a:rPr lang="en-US" dirty="0"/>
+              <a:rPr lang="en-US"/>
               <a:t>Fourth level</a:t>
             </a:r>
           </a:p>
           <a:p>
             <a:pPr lvl="4"/>
             <a:r>
-              <a:rPr lang="en-US" dirty="0"/>
+              <a:rPr lang="en-US"/>
               <a:t>Fifth level</a:t>
             </a:r>
+            <a:endParaRPr lang="en-US" dirty="0"/>
           </a:p>
         </p:txBody>
       </p:sp>
       <p:sp>
         <p:nvSpPr>
-          <p:cNvPr id="4" name="Date Placeholder 3">
-            <a:extLst>
-              <a:ext uri="{FF2B5EF4-FFF2-40B4-BE49-F238E27FC236}">
-                <a16:creationId xmlns:a16="http://schemas.microsoft.com/office/drawing/2014/main" id="{08985F08-8E72-9148-82A1-2C591DFBDC0E}"/>
-              </a:ext>
-            </a:extLst>
-          </p:cNvPr>
+          <p:cNvPr id="4" name="Date Placeholder 3"/>
           <p:cNvSpPr>
             <a:spLocks noGrp="1"/>
           </p:cNvSpPr>
@@ -10365,16 +10381,9 @@
         <p:spPr/>
         <p:txBody>
           <a:bodyPr/>
-          <a:lstStyle>
-            <a:lvl1pPr>
-              <a:defRPr>
-                <a:latin typeface="Arial" panose="020B0604020202020204" pitchFamily="34" charset="0"/>
-                <a:cs typeface="Arial" panose="020B0604020202020204" pitchFamily="34" charset="0"/>
-              </a:defRPr>
-            </a:lvl1pPr>
-          </a:lstStyle>
-          <a:p>
-            <a:fld id="{B1FFB84F-73DC-4C43-AC13-67A9ADC1B225}" type="datetime1">
+          <a:lstStyle/>
+          <a:p>
+            <a:fld id="{A0CEF12D-8022-E647-B033-82324AAEB22F}" type="datetime1">
               <a:rPr lang="en-GB" smtClean="0"/>
               <a:pPr/>
               <a:t>24/11/2018</a:t>
@@ -10385,13 +10394,7 @@
       </p:sp>
       <p:sp>
         <p:nvSpPr>
-          <p:cNvPr id="5" name="Footer Placeholder 4">
-            <a:extLst>
-              <a:ext uri="{FF2B5EF4-FFF2-40B4-BE49-F238E27FC236}">
-                <a16:creationId xmlns:a16="http://schemas.microsoft.com/office/drawing/2014/main" id="{B94366E4-48A8-C248-8403-C00951EFCD6A}"/>
-              </a:ext>
-            </a:extLst>
-          </p:cNvPr>
+          <p:cNvPr id="5" name="Footer Placeholder 4"/>
           <p:cNvSpPr>
             <a:spLocks noGrp="1"/>
           </p:cNvSpPr>
@@ -10402,58 +10405,26 @@
         <p:spPr/>
         <p:txBody>
           <a:bodyPr/>
-          <a:lstStyle>
-            <a:lvl1pPr>
-              <a:defRPr>
-                <a:latin typeface="Arial" panose="020B0604020202020204" pitchFamily="34" charset="0"/>
-                <a:cs typeface="Arial" panose="020B0604020202020204" pitchFamily="34" charset="0"/>
-              </a:defRPr>
-            </a:lvl1pPr>
-          </a:lstStyle>
-          <a:p>
-            <a:endParaRPr lang="en-US"/>
+          <a:lstStyle/>
+          <a:p>
+            <a:endParaRPr lang="en-US" dirty="0"/>
           </a:p>
         </p:txBody>
       </p:sp>
       <p:sp>
         <p:nvSpPr>
-          <p:cNvPr id="7" name="Slide Number Placeholder 5">
-            <a:extLst>
-              <a:ext uri="{FF2B5EF4-FFF2-40B4-BE49-F238E27FC236}">
-                <a16:creationId xmlns:a16="http://schemas.microsoft.com/office/drawing/2014/main" id="{CEEB4CF7-D339-7A46-8B33-C97F7A447C18}"/>
-              </a:ext>
-            </a:extLst>
-          </p:cNvPr>
+          <p:cNvPr id="6" name="Slide Number Placeholder 5"/>
           <p:cNvSpPr>
             <a:spLocks noGrp="1"/>
           </p:cNvSpPr>
           <p:nvPr>
-            <p:ph type="sldNum" sz="quarter" idx="4"/>
+            <p:ph type="sldNum" sz="quarter" idx="12"/>
           </p:nvPr>
         </p:nvSpPr>
-        <p:spPr>
-          <a:xfrm>
-            <a:off x="11160000" y="576000"/>
-            <a:ext cx="540000" cy="288032"/>
-          </a:xfrm>
-          <a:prstGeom prst="rect">
-            <a:avLst/>
-          </a:prstGeom>
-        </p:spPr>
+        <p:spPr/>
         <p:txBody>
-          <a:bodyPr vert="horz" lIns="91440" tIns="45720" rIns="91440" bIns="45720" rtlCol="0" anchor="ctr"/>
-          <a:lstStyle>
-            <a:lvl1pPr algn="ctr">
-              <a:defRPr sz="1200" b="1">
-                <a:solidFill>
-                  <a:srgbClr val="2C2C2C"/>
-                </a:solidFill>
-                <a:latin typeface="Arial" panose="020B0604020202020204" pitchFamily="34" charset="0"/>
-                <a:ea typeface="Open Sans" panose="020B0606030504020204" pitchFamily="34" charset="0"/>
-                <a:cs typeface="Arial" panose="020B0604020202020204" pitchFamily="34" charset="0"/>
-              </a:defRPr>
-            </a:lvl1pPr>
-          </a:lstStyle>
+          <a:bodyPr/>
+          <a:lstStyle/>
           <a:p>
             <a:fld id="{2D5587A6-0F28-234D-9116-41BE2E1A2AC2}" type="slidenum">
               <a:rPr lang="en-US" smtClean="0"/>
@@ -10467,18 +10438,19 @@
     </p:spTree>
     <p:extLst>
       <p:ext uri="{BB962C8B-B14F-4D97-AF65-F5344CB8AC3E}">
-        <p14:creationId xmlns:p14="http://schemas.microsoft.com/office/powerpoint/2010/main" val="2209516718"/>
+        <p14:creationId xmlns:p14="http://schemas.microsoft.com/office/powerpoint/2010/main" val="1572035416"/>
       </p:ext>
     </p:extLst>
   </p:cSld>
   <p:clrMapOvr>
     <a:masterClrMapping/>
   </p:clrMapOvr>
+  <p:hf hdr="0" ftr="0" dt="0"/>
 </p:sldLayout>
 </file>
 
-<file path=ppt/slideLayouts/slideLayout4.xml><?xml version="1.0" encoding="utf-8"?>
-<p:sldLayout xmlns:a="http://schemas.openxmlformats.org/drawingml/2006/main" xmlns:r="http://schemas.openxmlformats.org/officeDocument/2006/relationships" xmlns:p="http://schemas.openxmlformats.org/presentationml/2006/main" preserve="1" userDrawn="1">
+<file path=ppt/slideLayouts/slideLayout12.xml><?xml version="1.0" encoding="utf-8"?>
+<p:sldLayout xmlns:a="http://schemas.openxmlformats.org/drawingml/2006/main" xmlns:r="http://schemas.openxmlformats.org/officeDocument/2006/relationships" xmlns:p="http://schemas.openxmlformats.org/presentationml/2006/main" userDrawn="1">
   <p:cSld name="1_Title and Content">
     <p:spTree>
       <p:nvGrpSpPr>
@@ -10816,7 +10788,7 @@
     </p:spTree>
     <p:extLst>
       <p:ext uri="{BB962C8B-B14F-4D97-AF65-F5344CB8AC3E}">
-        <p14:creationId xmlns:p14="http://schemas.microsoft.com/office/powerpoint/2010/main" val="1721910184"/>
+        <p14:creationId xmlns:p14="http://schemas.microsoft.com/office/powerpoint/2010/main" val="3564497893"/>
       </p:ext>
     </p:extLst>
   </p:cSld>
@@ -10826,148 +10798,7 @@
 </p:sldLayout>
 </file>
 
-<file path=ppt/slideLayouts/slideLayout5.xml><?xml version="1.0" encoding="utf-8"?>
-<p:sldLayout xmlns:a="http://schemas.openxmlformats.org/drawingml/2006/main" xmlns:r="http://schemas.openxmlformats.org/officeDocument/2006/relationships" xmlns:p="http://schemas.openxmlformats.org/presentationml/2006/main" type="titleOnly" preserve="1">
-  <p:cSld name="Title Only">
-    <p:spTree>
-      <p:nvGrpSpPr>
-        <p:cNvPr id="1" name=""/>
-        <p:cNvGrpSpPr/>
-        <p:nvPr/>
-      </p:nvGrpSpPr>
-      <p:grpSpPr>
-        <a:xfrm>
-          <a:off x="0" y="0"/>
-          <a:ext cx="0" cy="0"/>
-          <a:chOff x="0" y="0"/>
-          <a:chExt cx="0" cy="0"/>
-        </a:xfrm>
-      </p:grpSpPr>
-      <p:sp>
-        <p:nvSpPr>
-          <p:cNvPr id="2" name="Title 1">
-            <a:extLst>
-              <a:ext uri="{FF2B5EF4-FFF2-40B4-BE49-F238E27FC236}">
-                <a16:creationId xmlns:a16="http://schemas.microsoft.com/office/drawing/2014/main" id="{2E2539A8-FECC-1549-9FD2-BB4362008D20}"/>
-              </a:ext>
-            </a:extLst>
-          </p:cNvPr>
-          <p:cNvSpPr>
-            <a:spLocks noGrp="1"/>
-          </p:cNvSpPr>
-          <p:nvPr>
-            <p:ph type="title"/>
-          </p:nvPr>
-        </p:nvSpPr>
-        <p:spPr/>
-        <p:txBody>
-          <a:bodyPr/>
-          <a:lstStyle/>
-          <a:p>
-            <a:r>
-              <a:rPr lang="en-US"/>
-              <a:t>Click to edit Master title style</a:t>
-            </a:r>
-          </a:p>
-        </p:txBody>
-      </p:sp>
-      <p:sp>
-        <p:nvSpPr>
-          <p:cNvPr id="3" name="Date Placeholder 2">
-            <a:extLst>
-              <a:ext uri="{FF2B5EF4-FFF2-40B4-BE49-F238E27FC236}">
-                <a16:creationId xmlns:a16="http://schemas.microsoft.com/office/drawing/2014/main" id="{690CBC2C-B15B-964F-ACEE-BEB2DAF79F41}"/>
-              </a:ext>
-            </a:extLst>
-          </p:cNvPr>
-          <p:cNvSpPr>
-            <a:spLocks noGrp="1"/>
-          </p:cNvSpPr>
-          <p:nvPr>
-            <p:ph type="dt" sz="half" idx="10"/>
-          </p:nvPr>
-        </p:nvSpPr>
-        <p:spPr/>
-        <p:txBody>
-          <a:bodyPr/>
-          <a:lstStyle/>
-          <a:p>
-            <a:fld id="{864A2DF1-82CB-3949-8DC2-ECE30178A186}" type="datetime1">
-              <a:rPr lang="en-GB" smtClean="0"/>
-              <a:t>24/11/2018</a:t>
-            </a:fld>
-            <a:endParaRPr lang="en-US"/>
-          </a:p>
-        </p:txBody>
-      </p:sp>
-      <p:sp>
-        <p:nvSpPr>
-          <p:cNvPr id="4" name="Footer Placeholder 3">
-            <a:extLst>
-              <a:ext uri="{FF2B5EF4-FFF2-40B4-BE49-F238E27FC236}">
-                <a16:creationId xmlns:a16="http://schemas.microsoft.com/office/drawing/2014/main" id="{13B40B73-B3DD-3E49-89F6-7D6344C26A9C}"/>
-              </a:ext>
-            </a:extLst>
-          </p:cNvPr>
-          <p:cNvSpPr>
-            <a:spLocks noGrp="1"/>
-          </p:cNvSpPr>
-          <p:nvPr>
-            <p:ph type="ftr" sz="quarter" idx="11"/>
-          </p:nvPr>
-        </p:nvSpPr>
-        <p:spPr/>
-        <p:txBody>
-          <a:bodyPr/>
-          <a:lstStyle/>
-          <a:p>
-            <a:endParaRPr lang="en-US"/>
-          </a:p>
-        </p:txBody>
-      </p:sp>
-      <p:sp>
-        <p:nvSpPr>
-          <p:cNvPr id="5" name="Slide Number Placeholder 4">
-            <a:extLst>
-              <a:ext uri="{FF2B5EF4-FFF2-40B4-BE49-F238E27FC236}">
-                <a16:creationId xmlns:a16="http://schemas.microsoft.com/office/drawing/2014/main" id="{6B802C64-D1FE-5E4F-84AE-101D7BACAB35}"/>
-              </a:ext>
-            </a:extLst>
-          </p:cNvPr>
-          <p:cNvSpPr>
-            <a:spLocks noGrp="1"/>
-          </p:cNvSpPr>
-          <p:nvPr>
-            <p:ph type="sldNum" sz="quarter" idx="12"/>
-          </p:nvPr>
-        </p:nvSpPr>
-        <p:spPr/>
-        <p:txBody>
-          <a:bodyPr/>
-          <a:lstStyle/>
-          <a:p>
-            <a:fld id="{2D5587A6-0F28-234D-9116-41BE2E1A2AC2}" type="slidenum">
-              <a:rPr lang="en-US" smtClean="0"/>
-              <a:t>‹#›</a:t>
-            </a:fld>
-            <a:endParaRPr lang="en-US"/>
-          </a:p>
-        </p:txBody>
-      </p:sp>
-    </p:spTree>
-    <p:extLst>
-      <p:ext uri="{BB962C8B-B14F-4D97-AF65-F5344CB8AC3E}">
-        <p14:creationId xmlns:p14="http://schemas.microsoft.com/office/powerpoint/2010/main" val="3825008177"/>
-      </p:ext>
-    </p:extLst>
-  </p:cSld>
-  <p:clrMapOvr>
-    <a:masterClrMapping/>
-  </p:clrMapOvr>
-</p:sldLayout>
-</file>
-
-<file path=ppt/slideLayouts/slideLayout6.xml><?xml version="1.0" encoding="utf-8"?>
+<file path=ppt/slideLayouts/slideLayout13.xml><?xml version="1.0" encoding="utf-8"?>
 <p:sldLayout xmlns:a="http://schemas.openxmlformats.org/drawingml/2006/main" xmlns:r="http://schemas.openxmlformats.org/officeDocument/2006/relationships" xmlns:p="http://schemas.openxmlformats.org/presentationml/2006/main" showMasterSp="0" preserve="1" userDrawn="1">
   <p:cSld name="Screencast">
     <p:bg>
@@ -11233,6 +11064,2222 @@
 </p:sldLayout>
 </file>
 
+<file path=ppt/slideLayouts/slideLayout2.xml><?xml version="1.0" encoding="utf-8"?>
+<p:sldLayout xmlns:a="http://schemas.openxmlformats.org/drawingml/2006/main" xmlns:r="http://schemas.openxmlformats.org/officeDocument/2006/relationships" xmlns:p="http://schemas.openxmlformats.org/presentationml/2006/main" type="obj" preserve="1">
+  <p:cSld name="Title and Content">
+    <p:spTree>
+      <p:nvGrpSpPr>
+        <p:cNvPr id="1" name=""/>
+        <p:cNvGrpSpPr/>
+        <p:nvPr/>
+      </p:nvGrpSpPr>
+      <p:grpSpPr>
+        <a:xfrm>
+          <a:off x="0" y="0"/>
+          <a:ext cx="0" cy="0"/>
+          <a:chOff x="0" y="0"/>
+          <a:chExt cx="0" cy="0"/>
+        </a:xfrm>
+      </p:grpSpPr>
+      <p:sp>
+        <p:nvSpPr>
+          <p:cNvPr id="2" name="Title 1"/>
+          <p:cNvSpPr>
+            <a:spLocks noGrp="1"/>
+          </p:cNvSpPr>
+          <p:nvPr>
+            <p:ph type="title"/>
+          </p:nvPr>
+        </p:nvSpPr>
+        <p:spPr/>
+        <p:txBody>
+          <a:bodyPr/>
+          <a:lstStyle>
+            <a:lvl1pPr marL="0">
+              <a:defRPr/>
+            </a:lvl1pPr>
+          </a:lstStyle>
+          <a:p>
+            <a:r>
+              <a:rPr lang="en-US"/>
+              <a:t>Click to edit Master title style</a:t>
+            </a:r>
+            <a:endParaRPr lang="en-US" dirty="0"/>
+          </a:p>
+        </p:txBody>
+      </p:sp>
+      <p:sp>
+        <p:nvSpPr>
+          <p:cNvPr id="3" name="Content Placeholder 2"/>
+          <p:cNvSpPr>
+            <a:spLocks noGrp="1"/>
+          </p:cNvSpPr>
+          <p:nvPr>
+            <p:ph idx="1"/>
+          </p:nvPr>
+        </p:nvSpPr>
+        <p:spPr/>
+        <p:txBody>
+          <a:bodyPr/>
+          <a:lstStyle/>
+          <a:p>
+            <a:pPr lvl="0"/>
+            <a:r>
+              <a:rPr lang="en-US"/>
+              <a:t>Edit Master text styles</a:t>
+            </a:r>
+          </a:p>
+          <a:p>
+            <a:pPr lvl="1"/>
+            <a:r>
+              <a:rPr lang="en-US"/>
+              <a:t>Second level</a:t>
+            </a:r>
+          </a:p>
+          <a:p>
+            <a:pPr lvl="2"/>
+            <a:r>
+              <a:rPr lang="en-US"/>
+              <a:t>Third level</a:t>
+            </a:r>
+          </a:p>
+          <a:p>
+            <a:pPr lvl="3"/>
+            <a:r>
+              <a:rPr lang="en-US"/>
+              <a:t>Fourth level</a:t>
+            </a:r>
+          </a:p>
+          <a:p>
+            <a:pPr lvl="4"/>
+            <a:r>
+              <a:rPr lang="en-US"/>
+              <a:t>Fifth level</a:t>
+            </a:r>
+            <a:endParaRPr lang="en-US" dirty="0"/>
+          </a:p>
+        </p:txBody>
+      </p:sp>
+      <p:sp>
+        <p:nvSpPr>
+          <p:cNvPr id="4" name="Date Placeholder 3"/>
+          <p:cNvSpPr>
+            <a:spLocks noGrp="1"/>
+          </p:cNvSpPr>
+          <p:nvPr>
+            <p:ph type="dt" sz="half" idx="10"/>
+          </p:nvPr>
+        </p:nvSpPr>
+        <p:spPr/>
+        <p:txBody>
+          <a:bodyPr/>
+          <a:lstStyle/>
+          <a:p>
+            <a:fld id="{B1FFB84F-73DC-4C43-AC13-67A9ADC1B225}" type="datetime1">
+              <a:rPr lang="en-GB" smtClean="0"/>
+              <a:pPr/>
+              <a:t>24/11/2018</a:t>
+            </a:fld>
+            <a:endParaRPr lang="en-US"/>
+          </a:p>
+        </p:txBody>
+      </p:sp>
+      <p:sp>
+        <p:nvSpPr>
+          <p:cNvPr id="5" name="Footer Placeholder 4"/>
+          <p:cNvSpPr>
+            <a:spLocks noGrp="1"/>
+          </p:cNvSpPr>
+          <p:nvPr>
+            <p:ph type="ftr" sz="quarter" idx="11"/>
+          </p:nvPr>
+        </p:nvSpPr>
+        <p:spPr/>
+        <p:txBody>
+          <a:bodyPr/>
+          <a:lstStyle/>
+          <a:p>
+            <a:endParaRPr lang="en-US"/>
+          </a:p>
+        </p:txBody>
+      </p:sp>
+      <p:sp>
+        <p:nvSpPr>
+          <p:cNvPr id="6" name="Slide Number Placeholder 5"/>
+          <p:cNvSpPr>
+            <a:spLocks noGrp="1"/>
+          </p:cNvSpPr>
+          <p:nvPr>
+            <p:ph type="sldNum" sz="quarter" idx="12"/>
+          </p:nvPr>
+        </p:nvSpPr>
+        <p:spPr/>
+        <p:txBody>
+          <a:bodyPr/>
+          <a:lstStyle/>
+          <a:p>
+            <a:fld id="{2D5587A6-0F28-234D-9116-41BE2E1A2AC2}" type="slidenum">
+              <a:rPr lang="en-US" smtClean="0"/>
+              <a:pPr/>
+              <a:t>‹#›</a:t>
+            </a:fld>
+            <a:endParaRPr lang="en-US" dirty="0"/>
+          </a:p>
+        </p:txBody>
+      </p:sp>
+    </p:spTree>
+    <p:extLst>
+      <p:ext uri="{BB962C8B-B14F-4D97-AF65-F5344CB8AC3E}">
+        <p14:creationId xmlns:p14="http://schemas.microsoft.com/office/powerpoint/2010/main" val="2285717666"/>
+      </p:ext>
+    </p:extLst>
+  </p:cSld>
+  <p:clrMapOvr>
+    <a:masterClrMapping/>
+  </p:clrMapOvr>
+</p:sldLayout>
+</file>
+
+<file path=ppt/slideLayouts/slideLayout3.xml><?xml version="1.0" encoding="utf-8"?>
+<p:sldLayout xmlns:a="http://schemas.openxmlformats.org/drawingml/2006/main" xmlns:r="http://schemas.openxmlformats.org/officeDocument/2006/relationships" xmlns:p="http://schemas.openxmlformats.org/presentationml/2006/main" showMasterSp="0" type="secHead" preserve="1">
+  <p:cSld name="Section Header">
+    <p:bg>
+      <p:bgPr>
+        <a:solidFill>
+          <a:schemeClr val="bg1"/>
+        </a:solidFill>
+        <a:effectLst/>
+      </p:bgPr>
+    </p:bg>
+    <p:spTree>
+      <p:nvGrpSpPr>
+        <p:cNvPr id="1" name=""/>
+        <p:cNvGrpSpPr/>
+        <p:nvPr/>
+      </p:nvGrpSpPr>
+      <p:grpSpPr>
+        <a:xfrm>
+          <a:off x="0" y="0"/>
+          <a:ext cx="0" cy="0"/>
+          <a:chOff x="0" y="0"/>
+          <a:chExt cx="0" cy="0"/>
+        </a:xfrm>
+      </p:grpSpPr>
+      <p:sp>
+        <p:nvSpPr>
+          <p:cNvPr id="7" name="Rectangle 6"/>
+          <p:cNvSpPr/>
+          <p:nvPr/>
+        </p:nvSpPr>
+        <p:spPr>
+          <a:xfrm>
+            <a:off x="3175" y="6400800"/>
+            <a:ext cx="12188825" cy="457200"/>
+          </a:xfrm>
+          <a:prstGeom prst="rect">
+            <a:avLst/>
+          </a:prstGeom>
+          <a:solidFill>
+            <a:schemeClr val="accent2"/>
+          </a:solidFill>
+          <a:ln>
+            <a:noFill/>
+          </a:ln>
+        </p:spPr>
+        <p:style>
+          <a:lnRef idx="2">
+            <a:schemeClr val="accent1">
+              <a:shade val="50000"/>
+            </a:schemeClr>
+          </a:lnRef>
+          <a:fillRef idx="1">
+            <a:schemeClr val="accent1"/>
+          </a:fillRef>
+          <a:effectRef idx="0">
+            <a:schemeClr val="accent1"/>
+          </a:effectRef>
+          <a:fontRef idx="minor">
+            <a:schemeClr val="lt1"/>
+          </a:fontRef>
+        </p:style>
+      </p:sp>
+      <p:sp>
+        <p:nvSpPr>
+          <p:cNvPr id="8" name="Rectangle 7"/>
+          <p:cNvSpPr/>
+          <p:nvPr/>
+        </p:nvSpPr>
+        <p:spPr>
+          <a:xfrm>
+            <a:off x="15" y="6334316"/>
+            <a:ext cx="12188825" cy="64008"/>
+          </a:xfrm>
+          <a:prstGeom prst="rect">
+            <a:avLst/>
+          </a:prstGeom>
+          <a:solidFill>
+            <a:schemeClr val="accent1"/>
+          </a:solidFill>
+          <a:ln>
+            <a:noFill/>
+          </a:ln>
+        </p:spPr>
+        <p:style>
+          <a:lnRef idx="2">
+            <a:schemeClr val="accent1">
+              <a:shade val="50000"/>
+            </a:schemeClr>
+          </a:lnRef>
+          <a:fillRef idx="1">
+            <a:schemeClr val="accent1"/>
+          </a:fillRef>
+          <a:effectRef idx="0">
+            <a:schemeClr val="accent1"/>
+          </a:effectRef>
+          <a:fontRef idx="minor">
+            <a:schemeClr val="lt1"/>
+          </a:fontRef>
+        </p:style>
+      </p:sp>
+      <p:sp>
+        <p:nvSpPr>
+          <p:cNvPr id="2" name="Title 1"/>
+          <p:cNvSpPr>
+            <a:spLocks noGrp="1"/>
+          </p:cNvSpPr>
+          <p:nvPr>
+            <p:ph type="title"/>
+          </p:nvPr>
+        </p:nvSpPr>
+        <p:spPr>
+          <a:xfrm>
+            <a:off x="1097280" y="758952"/>
+            <a:ext cx="10058400" cy="3566160"/>
+          </a:xfrm>
+        </p:spPr>
+        <p:txBody>
+          <a:bodyPr anchor="b" anchorCtr="0">
+            <a:normAutofit/>
+          </a:bodyPr>
+          <a:lstStyle>
+            <a:lvl1pPr>
+              <a:lnSpc>
+                <a:spcPct val="85000"/>
+              </a:lnSpc>
+              <a:defRPr sz="8000" b="0">
+                <a:solidFill>
+                  <a:schemeClr val="tx1">
+                    <a:lumMod val="85000"/>
+                    <a:lumOff val="15000"/>
+                  </a:schemeClr>
+                </a:solidFill>
+              </a:defRPr>
+            </a:lvl1pPr>
+          </a:lstStyle>
+          <a:p>
+            <a:r>
+              <a:rPr lang="en-US"/>
+              <a:t>Click to edit Master title style</a:t>
+            </a:r>
+            <a:endParaRPr lang="en-US" dirty="0"/>
+          </a:p>
+        </p:txBody>
+      </p:sp>
+      <p:sp>
+        <p:nvSpPr>
+          <p:cNvPr id="3" name="Text Placeholder 2"/>
+          <p:cNvSpPr>
+            <a:spLocks noGrp="1"/>
+          </p:cNvSpPr>
+          <p:nvPr>
+            <p:ph type="body" idx="1"/>
+          </p:nvPr>
+        </p:nvSpPr>
+        <p:spPr>
+          <a:xfrm>
+            <a:off x="1097280" y="4453128"/>
+            <a:ext cx="10058400" cy="1143000"/>
+          </a:xfrm>
+        </p:spPr>
+        <p:txBody>
+          <a:bodyPr lIns="91440" rIns="91440" anchor="t" anchorCtr="0">
+            <a:normAutofit/>
+          </a:bodyPr>
+          <a:lstStyle>
+            <a:lvl1pPr marL="0" indent="0">
+              <a:buNone/>
+              <a:defRPr sz="2400" cap="all" spc="200" baseline="0">
+                <a:solidFill>
+                  <a:schemeClr val="tx2"/>
+                </a:solidFill>
+                <a:latin typeface="+mj-lt"/>
+              </a:defRPr>
+            </a:lvl1pPr>
+            <a:lvl2pPr marL="457200" indent="0">
+              <a:buNone/>
+              <a:defRPr sz="1800">
+                <a:solidFill>
+                  <a:schemeClr val="tx1">
+                    <a:tint val="75000"/>
+                  </a:schemeClr>
+                </a:solidFill>
+              </a:defRPr>
+            </a:lvl2pPr>
+            <a:lvl3pPr marL="914400" indent="0">
+              <a:buNone/>
+              <a:defRPr sz="1600">
+                <a:solidFill>
+                  <a:schemeClr val="tx1">
+                    <a:tint val="75000"/>
+                  </a:schemeClr>
+                </a:solidFill>
+              </a:defRPr>
+            </a:lvl3pPr>
+            <a:lvl4pPr marL="1371600" indent="0">
+              <a:buNone/>
+              <a:defRPr sz="1400">
+                <a:solidFill>
+                  <a:schemeClr val="tx1">
+                    <a:tint val="75000"/>
+                  </a:schemeClr>
+                </a:solidFill>
+              </a:defRPr>
+            </a:lvl4pPr>
+            <a:lvl5pPr marL="1828800" indent="0">
+              <a:buNone/>
+              <a:defRPr sz="1400">
+                <a:solidFill>
+                  <a:schemeClr val="tx1">
+                    <a:tint val="75000"/>
+                  </a:schemeClr>
+                </a:solidFill>
+              </a:defRPr>
+            </a:lvl5pPr>
+            <a:lvl6pPr marL="2286000" indent="0">
+              <a:buNone/>
+              <a:defRPr sz="1400">
+                <a:solidFill>
+                  <a:schemeClr val="tx1">
+                    <a:tint val="75000"/>
+                  </a:schemeClr>
+                </a:solidFill>
+              </a:defRPr>
+            </a:lvl6pPr>
+            <a:lvl7pPr marL="2743200" indent="0">
+              <a:buNone/>
+              <a:defRPr sz="1400">
+                <a:solidFill>
+                  <a:schemeClr val="tx1">
+                    <a:tint val="75000"/>
+                  </a:schemeClr>
+                </a:solidFill>
+              </a:defRPr>
+            </a:lvl7pPr>
+            <a:lvl8pPr marL="3200400" indent="0">
+              <a:buNone/>
+              <a:defRPr sz="1400">
+                <a:solidFill>
+                  <a:schemeClr val="tx1">
+                    <a:tint val="75000"/>
+                  </a:schemeClr>
+                </a:solidFill>
+              </a:defRPr>
+            </a:lvl8pPr>
+            <a:lvl9pPr marL="3657600" indent="0">
+              <a:buNone/>
+              <a:defRPr sz="1400">
+                <a:solidFill>
+                  <a:schemeClr val="tx1">
+                    <a:tint val="75000"/>
+                  </a:schemeClr>
+                </a:solidFill>
+              </a:defRPr>
+            </a:lvl9pPr>
+          </a:lstStyle>
+          <a:p>
+            <a:pPr lvl="0"/>
+            <a:r>
+              <a:rPr lang="en-US"/>
+              <a:t>Edit Master text styles</a:t>
+            </a:r>
+          </a:p>
+        </p:txBody>
+      </p:sp>
+      <p:sp>
+        <p:nvSpPr>
+          <p:cNvPr id="4" name="Date Placeholder 3"/>
+          <p:cNvSpPr>
+            <a:spLocks noGrp="1"/>
+          </p:cNvSpPr>
+          <p:nvPr>
+            <p:ph type="dt" sz="half" idx="10"/>
+          </p:nvPr>
+        </p:nvSpPr>
+        <p:spPr/>
+        <p:txBody>
+          <a:bodyPr/>
+          <a:lstStyle/>
+          <a:p>
+            <a:fld id="{A0CEF12D-8022-E647-B033-82324AAEB22F}" type="datetime1">
+              <a:rPr lang="en-GB" smtClean="0"/>
+              <a:pPr/>
+              <a:t>24/11/2018</a:t>
+            </a:fld>
+            <a:endParaRPr lang="en-US"/>
+          </a:p>
+        </p:txBody>
+      </p:sp>
+      <p:sp>
+        <p:nvSpPr>
+          <p:cNvPr id="5" name="Footer Placeholder 4"/>
+          <p:cNvSpPr>
+            <a:spLocks noGrp="1"/>
+          </p:cNvSpPr>
+          <p:nvPr>
+            <p:ph type="ftr" sz="quarter" idx="11"/>
+          </p:nvPr>
+        </p:nvSpPr>
+        <p:spPr/>
+        <p:txBody>
+          <a:bodyPr/>
+          <a:lstStyle/>
+          <a:p>
+            <a:endParaRPr lang="en-US" dirty="0"/>
+          </a:p>
+        </p:txBody>
+      </p:sp>
+      <p:sp>
+        <p:nvSpPr>
+          <p:cNvPr id="6" name="Slide Number Placeholder 5"/>
+          <p:cNvSpPr>
+            <a:spLocks noGrp="1"/>
+          </p:cNvSpPr>
+          <p:nvPr>
+            <p:ph type="sldNum" sz="quarter" idx="12"/>
+          </p:nvPr>
+        </p:nvSpPr>
+        <p:spPr/>
+        <p:txBody>
+          <a:bodyPr/>
+          <a:lstStyle/>
+          <a:p>
+            <a:fld id="{2D5587A6-0F28-234D-9116-41BE2E1A2AC2}" type="slidenum">
+              <a:rPr lang="en-US" smtClean="0"/>
+              <a:pPr/>
+              <a:t>‹#›</a:t>
+            </a:fld>
+            <a:endParaRPr lang="en-US" dirty="0"/>
+          </a:p>
+        </p:txBody>
+      </p:sp>
+      <p:cxnSp>
+        <p:nvCxnSpPr>
+          <p:cNvPr id="9" name="Straight Connector 8"/>
+          <p:cNvCxnSpPr/>
+          <p:nvPr/>
+        </p:nvCxnSpPr>
+        <p:spPr>
+          <a:xfrm>
+            <a:off x="1207658" y="4343400"/>
+            <a:ext cx="9875520" cy="0"/>
+          </a:xfrm>
+          <a:prstGeom prst="line">
+            <a:avLst/>
+          </a:prstGeom>
+          <a:ln w="6350">
+            <a:solidFill>
+              <a:schemeClr val="tx1">
+                <a:lumMod val="50000"/>
+                <a:lumOff val="50000"/>
+              </a:schemeClr>
+            </a:solidFill>
+          </a:ln>
+        </p:spPr>
+        <p:style>
+          <a:lnRef idx="1">
+            <a:schemeClr val="accent1"/>
+          </a:lnRef>
+          <a:fillRef idx="0">
+            <a:schemeClr val="accent1"/>
+          </a:fillRef>
+          <a:effectRef idx="0">
+            <a:schemeClr val="accent1"/>
+          </a:effectRef>
+          <a:fontRef idx="minor">
+            <a:schemeClr val="tx1"/>
+          </a:fontRef>
+        </p:style>
+      </p:cxnSp>
+    </p:spTree>
+    <p:extLst>
+      <p:ext uri="{BB962C8B-B14F-4D97-AF65-F5344CB8AC3E}">
+        <p14:creationId xmlns:p14="http://schemas.microsoft.com/office/powerpoint/2010/main" val="817378043"/>
+      </p:ext>
+    </p:extLst>
+  </p:cSld>
+  <p:clrMapOvr>
+    <a:masterClrMapping/>
+  </p:clrMapOvr>
+  <p:hf hdr="0" ftr="0" dt="0"/>
+</p:sldLayout>
+</file>
+
+<file path=ppt/slideLayouts/slideLayout4.xml><?xml version="1.0" encoding="utf-8"?>
+<p:sldLayout xmlns:a="http://schemas.openxmlformats.org/drawingml/2006/main" xmlns:r="http://schemas.openxmlformats.org/officeDocument/2006/relationships" xmlns:p="http://schemas.openxmlformats.org/presentationml/2006/main" type="twoObj" preserve="1">
+  <p:cSld name="Two Content">
+    <p:spTree>
+      <p:nvGrpSpPr>
+        <p:cNvPr id="1" name=""/>
+        <p:cNvGrpSpPr/>
+        <p:nvPr/>
+      </p:nvGrpSpPr>
+      <p:grpSpPr>
+        <a:xfrm>
+          <a:off x="0" y="0"/>
+          <a:ext cx="0" cy="0"/>
+          <a:chOff x="0" y="0"/>
+          <a:chExt cx="0" cy="0"/>
+        </a:xfrm>
+      </p:grpSpPr>
+      <p:sp>
+        <p:nvSpPr>
+          <p:cNvPr id="8" name="Title 7"/>
+          <p:cNvSpPr>
+            <a:spLocks noGrp="1"/>
+          </p:cNvSpPr>
+          <p:nvPr>
+            <p:ph type="title"/>
+          </p:nvPr>
+        </p:nvSpPr>
+        <p:spPr>
+          <a:xfrm>
+            <a:off x="1097280" y="286603"/>
+            <a:ext cx="10058400" cy="1450757"/>
+          </a:xfrm>
+        </p:spPr>
+        <p:txBody>
+          <a:bodyPr/>
+          <a:lstStyle/>
+          <a:p>
+            <a:r>
+              <a:rPr lang="en-US"/>
+              <a:t>Click to edit Master title style</a:t>
+            </a:r>
+            <a:endParaRPr lang="en-US" dirty="0"/>
+          </a:p>
+        </p:txBody>
+      </p:sp>
+      <p:sp>
+        <p:nvSpPr>
+          <p:cNvPr id="3" name="Content Placeholder 2"/>
+          <p:cNvSpPr>
+            <a:spLocks noGrp="1"/>
+          </p:cNvSpPr>
+          <p:nvPr>
+            <p:ph sz="half" idx="1"/>
+          </p:nvPr>
+        </p:nvSpPr>
+        <p:spPr>
+          <a:xfrm>
+            <a:off x="1097279" y="1845734"/>
+            <a:ext cx="4937760" cy="4023360"/>
+          </a:xfrm>
+        </p:spPr>
+        <p:txBody>
+          <a:bodyPr/>
+          <a:lstStyle/>
+          <a:p>
+            <a:pPr lvl="0"/>
+            <a:r>
+              <a:rPr lang="en-US"/>
+              <a:t>Edit Master text styles</a:t>
+            </a:r>
+          </a:p>
+          <a:p>
+            <a:pPr lvl="1"/>
+            <a:r>
+              <a:rPr lang="en-US"/>
+              <a:t>Second level</a:t>
+            </a:r>
+          </a:p>
+          <a:p>
+            <a:pPr lvl="2"/>
+            <a:r>
+              <a:rPr lang="en-US"/>
+              <a:t>Third level</a:t>
+            </a:r>
+          </a:p>
+          <a:p>
+            <a:pPr lvl="3"/>
+            <a:r>
+              <a:rPr lang="en-US"/>
+              <a:t>Fourth level</a:t>
+            </a:r>
+          </a:p>
+          <a:p>
+            <a:pPr lvl="4"/>
+            <a:r>
+              <a:rPr lang="en-US"/>
+              <a:t>Fifth level</a:t>
+            </a:r>
+            <a:endParaRPr lang="en-US" dirty="0"/>
+          </a:p>
+        </p:txBody>
+      </p:sp>
+      <p:sp>
+        <p:nvSpPr>
+          <p:cNvPr id="4" name="Content Placeholder 3"/>
+          <p:cNvSpPr>
+            <a:spLocks noGrp="1"/>
+          </p:cNvSpPr>
+          <p:nvPr>
+            <p:ph sz="half" idx="2"/>
+          </p:nvPr>
+        </p:nvSpPr>
+        <p:spPr>
+          <a:xfrm>
+            <a:off x="6217920" y="1845735"/>
+            <a:ext cx="4937760" cy="4023360"/>
+          </a:xfrm>
+        </p:spPr>
+        <p:txBody>
+          <a:bodyPr/>
+          <a:lstStyle/>
+          <a:p>
+            <a:pPr lvl="0"/>
+            <a:r>
+              <a:rPr lang="en-US"/>
+              <a:t>Edit Master text styles</a:t>
+            </a:r>
+          </a:p>
+          <a:p>
+            <a:pPr lvl="1"/>
+            <a:r>
+              <a:rPr lang="en-US"/>
+              <a:t>Second level</a:t>
+            </a:r>
+          </a:p>
+          <a:p>
+            <a:pPr lvl="2"/>
+            <a:r>
+              <a:rPr lang="en-US"/>
+              <a:t>Third level</a:t>
+            </a:r>
+          </a:p>
+          <a:p>
+            <a:pPr lvl="3"/>
+            <a:r>
+              <a:rPr lang="en-US"/>
+              <a:t>Fourth level</a:t>
+            </a:r>
+          </a:p>
+          <a:p>
+            <a:pPr lvl="4"/>
+            <a:r>
+              <a:rPr lang="en-US"/>
+              <a:t>Fifth level</a:t>
+            </a:r>
+            <a:endParaRPr lang="en-US" dirty="0"/>
+          </a:p>
+        </p:txBody>
+      </p:sp>
+      <p:sp>
+        <p:nvSpPr>
+          <p:cNvPr id="5" name="Date Placeholder 4"/>
+          <p:cNvSpPr>
+            <a:spLocks noGrp="1"/>
+          </p:cNvSpPr>
+          <p:nvPr>
+            <p:ph type="dt" sz="half" idx="10"/>
+          </p:nvPr>
+        </p:nvSpPr>
+        <p:spPr/>
+        <p:txBody>
+          <a:bodyPr/>
+          <a:lstStyle/>
+          <a:p>
+            <a:fld id="{A0CEF12D-8022-E647-B033-82324AAEB22F}" type="datetime1">
+              <a:rPr lang="en-GB" smtClean="0"/>
+              <a:pPr/>
+              <a:t>24/11/2018</a:t>
+            </a:fld>
+            <a:endParaRPr lang="en-US"/>
+          </a:p>
+        </p:txBody>
+      </p:sp>
+      <p:sp>
+        <p:nvSpPr>
+          <p:cNvPr id="6" name="Footer Placeholder 5"/>
+          <p:cNvSpPr>
+            <a:spLocks noGrp="1"/>
+          </p:cNvSpPr>
+          <p:nvPr>
+            <p:ph type="ftr" sz="quarter" idx="11"/>
+          </p:nvPr>
+        </p:nvSpPr>
+        <p:spPr/>
+        <p:txBody>
+          <a:bodyPr/>
+          <a:lstStyle/>
+          <a:p>
+            <a:endParaRPr lang="en-US" dirty="0"/>
+          </a:p>
+        </p:txBody>
+      </p:sp>
+      <p:sp>
+        <p:nvSpPr>
+          <p:cNvPr id="7" name="Slide Number Placeholder 6"/>
+          <p:cNvSpPr>
+            <a:spLocks noGrp="1"/>
+          </p:cNvSpPr>
+          <p:nvPr>
+            <p:ph type="sldNum" sz="quarter" idx="12"/>
+          </p:nvPr>
+        </p:nvSpPr>
+        <p:spPr/>
+        <p:txBody>
+          <a:bodyPr/>
+          <a:lstStyle/>
+          <a:p>
+            <a:fld id="{2D5587A6-0F28-234D-9116-41BE2E1A2AC2}" type="slidenum">
+              <a:rPr lang="en-US" smtClean="0"/>
+              <a:pPr/>
+              <a:t>‹#›</a:t>
+            </a:fld>
+            <a:endParaRPr lang="en-US" dirty="0"/>
+          </a:p>
+        </p:txBody>
+      </p:sp>
+    </p:spTree>
+    <p:extLst>
+      <p:ext uri="{BB962C8B-B14F-4D97-AF65-F5344CB8AC3E}">
+        <p14:creationId xmlns:p14="http://schemas.microsoft.com/office/powerpoint/2010/main" val="4036475345"/>
+      </p:ext>
+    </p:extLst>
+  </p:cSld>
+  <p:clrMapOvr>
+    <a:masterClrMapping/>
+  </p:clrMapOvr>
+  <p:hf hdr="0" ftr="0" dt="0"/>
+</p:sldLayout>
+</file>
+
+<file path=ppt/slideLayouts/slideLayout5.xml><?xml version="1.0" encoding="utf-8"?>
+<p:sldLayout xmlns:a="http://schemas.openxmlformats.org/drawingml/2006/main" xmlns:r="http://schemas.openxmlformats.org/officeDocument/2006/relationships" xmlns:p="http://schemas.openxmlformats.org/presentationml/2006/main" type="twoTxTwoObj" preserve="1">
+  <p:cSld name="Comparison">
+    <p:spTree>
+      <p:nvGrpSpPr>
+        <p:cNvPr id="1" name=""/>
+        <p:cNvGrpSpPr/>
+        <p:nvPr/>
+      </p:nvGrpSpPr>
+      <p:grpSpPr>
+        <a:xfrm>
+          <a:off x="0" y="0"/>
+          <a:ext cx="0" cy="0"/>
+          <a:chOff x="0" y="0"/>
+          <a:chExt cx="0" cy="0"/>
+        </a:xfrm>
+      </p:grpSpPr>
+      <p:sp>
+        <p:nvSpPr>
+          <p:cNvPr id="10" name="Title 9"/>
+          <p:cNvSpPr>
+            <a:spLocks noGrp="1"/>
+          </p:cNvSpPr>
+          <p:nvPr>
+            <p:ph type="title"/>
+          </p:nvPr>
+        </p:nvSpPr>
+        <p:spPr>
+          <a:xfrm>
+            <a:off x="1097280" y="286603"/>
+            <a:ext cx="10058400" cy="1450757"/>
+          </a:xfrm>
+        </p:spPr>
+        <p:txBody>
+          <a:bodyPr/>
+          <a:lstStyle/>
+          <a:p>
+            <a:r>
+              <a:rPr lang="en-US"/>
+              <a:t>Click to edit Master title style</a:t>
+            </a:r>
+            <a:endParaRPr lang="en-US" dirty="0"/>
+          </a:p>
+        </p:txBody>
+      </p:sp>
+      <p:sp>
+        <p:nvSpPr>
+          <p:cNvPr id="3" name="Text Placeholder 2"/>
+          <p:cNvSpPr>
+            <a:spLocks noGrp="1"/>
+          </p:cNvSpPr>
+          <p:nvPr>
+            <p:ph type="body" idx="1"/>
+          </p:nvPr>
+        </p:nvSpPr>
+        <p:spPr>
+          <a:xfrm>
+            <a:off x="1097280" y="1846052"/>
+            <a:ext cx="4937760" cy="736282"/>
+          </a:xfrm>
+        </p:spPr>
+        <p:txBody>
+          <a:bodyPr lIns="91440" rIns="91440" anchor="ctr">
+            <a:normAutofit/>
+          </a:bodyPr>
+          <a:lstStyle>
+            <a:lvl1pPr marL="0" indent="0">
+              <a:buNone/>
+              <a:defRPr sz="2000" b="0" cap="all" baseline="0">
+                <a:solidFill>
+                  <a:schemeClr val="tx2"/>
+                </a:solidFill>
+              </a:defRPr>
+            </a:lvl1pPr>
+            <a:lvl2pPr marL="457200" indent="0">
+              <a:buNone/>
+              <a:defRPr sz="2000" b="1"/>
+            </a:lvl2pPr>
+            <a:lvl3pPr marL="914400" indent="0">
+              <a:buNone/>
+              <a:defRPr sz="1800" b="1"/>
+            </a:lvl3pPr>
+            <a:lvl4pPr marL="1371600" indent="0">
+              <a:buNone/>
+              <a:defRPr sz="1600" b="1"/>
+            </a:lvl4pPr>
+            <a:lvl5pPr marL="1828800" indent="0">
+              <a:buNone/>
+              <a:defRPr sz="1600" b="1"/>
+            </a:lvl5pPr>
+            <a:lvl6pPr marL="2286000" indent="0">
+              <a:buNone/>
+              <a:defRPr sz="1600" b="1"/>
+            </a:lvl6pPr>
+            <a:lvl7pPr marL="2743200" indent="0">
+              <a:buNone/>
+              <a:defRPr sz="1600" b="1"/>
+            </a:lvl7pPr>
+            <a:lvl8pPr marL="3200400" indent="0">
+              <a:buNone/>
+              <a:defRPr sz="1600" b="1"/>
+            </a:lvl8pPr>
+            <a:lvl9pPr marL="3657600" indent="0">
+              <a:buNone/>
+              <a:defRPr sz="1600" b="1"/>
+            </a:lvl9pPr>
+          </a:lstStyle>
+          <a:p>
+            <a:pPr lvl="0"/>
+            <a:r>
+              <a:rPr lang="en-US"/>
+              <a:t>Edit Master text styles</a:t>
+            </a:r>
+          </a:p>
+        </p:txBody>
+      </p:sp>
+      <p:sp>
+        <p:nvSpPr>
+          <p:cNvPr id="4" name="Content Placeholder 3"/>
+          <p:cNvSpPr>
+            <a:spLocks noGrp="1"/>
+          </p:cNvSpPr>
+          <p:nvPr>
+            <p:ph sz="half" idx="2"/>
+          </p:nvPr>
+        </p:nvSpPr>
+        <p:spPr>
+          <a:xfrm>
+            <a:off x="1097280" y="2582334"/>
+            <a:ext cx="4937760" cy="3378200"/>
+          </a:xfrm>
+        </p:spPr>
+        <p:txBody>
+          <a:bodyPr/>
+          <a:lstStyle/>
+          <a:p>
+            <a:pPr lvl="0"/>
+            <a:r>
+              <a:rPr lang="en-US"/>
+              <a:t>Edit Master text styles</a:t>
+            </a:r>
+          </a:p>
+          <a:p>
+            <a:pPr lvl="1"/>
+            <a:r>
+              <a:rPr lang="en-US"/>
+              <a:t>Second level</a:t>
+            </a:r>
+          </a:p>
+          <a:p>
+            <a:pPr lvl="2"/>
+            <a:r>
+              <a:rPr lang="en-US"/>
+              <a:t>Third level</a:t>
+            </a:r>
+          </a:p>
+          <a:p>
+            <a:pPr lvl="3"/>
+            <a:r>
+              <a:rPr lang="en-US"/>
+              <a:t>Fourth level</a:t>
+            </a:r>
+          </a:p>
+          <a:p>
+            <a:pPr lvl="4"/>
+            <a:r>
+              <a:rPr lang="en-US"/>
+              <a:t>Fifth level</a:t>
+            </a:r>
+            <a:endParaRPr lang="en-US" dirty="0"/>
+          </a:p>
+        </p:txBody>
+      </p:sp>
+      <p:sp>
+        <p:nvSpPr>
+          <p:cNvPr id="5" name="Text Placeholder 4"/>
+          <p:cNvSpPr>
+            <a:spLocks noGrp="1"/>
+          </p:cNvSpPr>
+          <p:nvPr>
+            <p:ph type="body" sz="quarter" idx="3"/>
+          </p:nvPr>
+        </p:nvSpPr>
+        <p:spPr>
+          <a:xfrm>
+            <a:off x="6217920" y="1846052"/>
+            <a:ext cx="4937760" cy="736282"/>
+          </a:xfrm>
+        </p:spPr>
+        <p:txBody>
+          <a:bodyPr lIns="91440" rIns="91440" anchor="ctr">
+            <a:normAutofit/>
+          </a:bodyPr>
+          <a:lstStyle>
+            <a:lvl1pPr marL="0" indent="0">
+              <a:buNone/>
+              <a:defRPr sz="2000" b="0" cap="all" baseline="0">
+                <a:solidFill>
+                  <a:schemeClr val="tx2"/>
+                </a:solidFill>
+              </a:defRPr>
+            </a:lvl1pPr>
+            <a:lvl2pPr marL="457200" indent="0">
+              <a:buNone/>
+              <a:defRPr sz="2000" b="1"/>
+            </a:lvl2pPr>
+            <a:lvl3pPr marL="914400" indent="0">
+              <a:buNone/>
+              <a:defRPr sz="1800" b="1"/>
+            </a:lvl3pPr>
+            <a:lvl4pPr marL="1371600" indent="0">
+              <a:buNone/>
+              <a:defRPr sz="1600" b="1"/>
+            </a:lvl4pPr>
+            <a:lvl5pPr marL="1828800" indent="0">
+              <a:buNone/>
+              <a:defRPr sz="1600" b="1"/>
+            </a:lvl5pPr>
+            <a:lvl6pPr marL="2286000" indent="0">
+              <a:buNone/>
+              <a:defRPr sz="1600" b="1"/>
+            </a:lvl6pPr>
+            <a:lvl7pPr marL="2743200" indent="0">
+              <a:buNone/>
+              <a:defRPr sz="1600" b="1"/>
+            </a:lvl7pPr>
+            <a:lvl8pPr marL="3200400" indent="0">
+              <a:buNone/>
+              <a:defRPr sz="1600" b="1"/>
+            </a:lvl8pPr>
+            <a:lvl9pPr marL="3657600" indent="0">
+              <a:buNone/>
+              <a:defRPr sz="1600" b="1"/>
+            </a:lvl9pPr>
+          </a:lstStyle>
+          <a:p>
+            <a:pPr lvl="0"/>
+            <a:r>
+              <a:rPr lang="en-US"/>
+              <a:t>Edit Master text styles</a:t>
+            </a:r>
+          </a:p>
+        </p:txBody>
+      </p:sp>
+      <p:sp>
+        <p:nvSpPr>
+          <p:cNvPr id="6" name="Content Placeholder 5"/>
+          <p:cNvSpPr>
+            <a:spLocks noGrp="1"/>
+          </p:cNvSpPr>
+          <p:nvPr>
+            <p:ph sz="quarter" idx="4"/>
+          </p:nvPr>
+        </p:nvSpPr>
+        <p:spPr>
+          <a:xfrm>
+            <a:off x="6217920" y="2582334"/>
+            <a:ext cx="4937760" cy="3378200"/>
+          </a:xfrm>
+        </p:spPr>
+        <p:txBody>
+          <a:bodyPr/>
+          <a:lstStyle/>
+          <a:p>
+            <a:pPr lvl="0"/>
+            <a:r>
+              <a:rPr lang="en-US"/>
+              <a:t>Edit Master text styles</a:t>
+            </a:r>
+          </a:p>
+          <a:p>
+            <a:pPr lvl="1"/>
+            <a:r>
+              <a:rPr lang="en-US"/>
+              <a:t>Second level</a:t>
+            </a:r>
+          </a:p>
+          <a:p>
+            <a:pPr lvl="2"/>
+            <a:r>
+              <a:rPr lang="en-US"/>
+              <a:t>Third level</a:t>
+            </a:r>
+          </a:p>
+          <a:p>
+            <a:pPr lvl="3"/>
+            <a:r>
+              <a:rPr lang="en-US"/>
+              <a:t>Fourth level</a:t>
+            </a:r>
+          </a:p>
+          <a:p>
+            <a:pPr lvl="4"/>
+            <a:r>
+              <a:rPr lang="en-US"/>
+              <a:t>Fifth level</a:t>
+            </a:r>
+            <a:endParaRPr lang="en-US" dirty="0"/>
+          </a:p>
+        </p:txBody>
+      </p:sp>
+      <p:sp>
+        <p:nvSpPr>
+          <p:cNvPr id="7" name="Date Placeholder 6"/>
+          <p:cNvSpPr>
+            <a:spLocks noGrp="1"/>
+          </p:cNvSpPr>
+          <p:nvPr>
+            <p:ph type="dt" sz="half" idx="10"/>
+          </p:nvPr>
+        </p:nvSpPr>
+        <p:spPr/>
+        <p:txBody>
+          <a:bodyPr/>
+          <a:lstStyle/>
+          <a:p>
+            <a:fld id="{A0CEF12D-8022-E647-B033-82324AAEB22F}" type="datetime1">
+              <a:rPr lang="en-GB" smtClean="0"/>
+              <a:pPr/>
+              <a:t>24/11/2018</a:t>
+            </a:fld>
+            <a:endParaRPr lang="en-US"/>
+          </a:p>
+        </p:txBody>
+      </p:sp>
+      <p:sp>
+        <p:nvSpPr>
+          <p:cNvPr id="8" name="Footer Placeholder 7"/>
+          <p:cNvSpPr>
+            <a:spLocks noGrp="1"/>
+          </p:cNvSpPr>
+          <p:nvPr>
+            <p:ph type="ftr" sz="quarter" idx="11"/>
+          </p:nvPr>
+        </p:nvSpPr>
+        <p:spPr/>
+        <p:txBody>
+          <a:bodyPr/>
+          <a:lstStyle/>
+          <a:p>
+            <a:endParaRPr lang="en-US" dirty="0"/>
+          </a:p>
+        </p:txBody>
+      </p:sp>
+      <p:sp>
+        <p:nvSpPr>
+          <p:cNvPr id="9" name="Slide Number Placeholder 8"/>
+          <p:cNvSpPr>
+            <a:spLocks noGrp="1"/>
+          </p:cNvSpPr>
+          <p:nvPr>
+            <p:ph type="sldNum" sz="quarter" idx="12"/>
+          </p:nvPr>
+        </p:nvSpPr>
+        <p:spPr/>
+        <p:txBody>
+          <a:bodyPr/>
+          <a:lstStyle/>
+          <a:p>
+            <a:fld id="{2D5587A6-0F28-234D-9116-41BE2E1A2AC2}" type="slidenum">
+              <a:rPr lang="en-US" smtClean="0"/>
+              <a:pPr/>
+              <a:t>‹#›</a:t>
+            </a:fld>
+            <a:endParaRPr lang="en-US" dirty="0"/>
+          </a:p>
+        </p:txBody>
+      </p:sp>
+    </p:spTree>
+    <p:extLst>
+      <p:ext uri="{BB962C8B-B14F-4D97-AF65-F5344CB8AC3E}">
+        <p14:creationId xmlns:p14="http://schemas.microsoft.com/office/powerpoint/2010/main" val="2209073719"/>
+      </p:ext>
+    </p:extLst>
+  </p:cSld>
+  <p:clrMapOvr>
+    <a:masterClrMapping/>
+  </p:clrMapOvr>
+  <p:hf hdr="0" ftr="0" dt="0"/>
+</p:sldLayout>
+</file>
+
+<file path=ppt/slideLayouts/slideLayout6.xml><?xml version="1.0" encoding="utf-8"?>
+<p:sldLayout xmlns:a="http://schemas.openxmlformats.org/drawingml/2006/main" xmlns:r="http://schemas.openxmlformats.org/officeDocument/2006/relationships" xmlns:p="http://schemas.openxmlformats.org/presentationml/2006/main" type="titleOnly" preserve="1">
+  <p:cSld name="Title Only">
+    <p:spTree>
+      <p:nvGrpSpPr>
+        <p:cNvPr id="1" name=""/>
+        <p:cNvGrpSpPr/>
+        <p:nvPr/>
+      </p:nvGrpSpPr>
+      <p:grpSpPr>
+        <a:xfrm>
+          <a:off x="0" y="0"/>
+          <a:ext cx="0" cy="0"/>
+          <a:chOff x="0" y="0"/>
+          <a:chExt cx="0" cy="0"/>
+        </a:xfrm>
+      </p:grpSpPr>
+      <p:sp>
+        <p:nvSpPr>
+          <p:cNvPr id="2" name="Title 1"/>
+          <p:cNvSpPr>
+            <a:spLocks noGrp="1"/>
+          </p:cNvSpPr>
+          <p:nvPr>
+            <p:ph type="title"/>
+          </p:nvPr>
+        </p:nvSpPr>
+        <p:spPr/>
+        <p:txBody>
+          <a:bodyPr/>
+          <a:lstStyle/>
+          <a:p>
+            <a:r>
+              <a:rPr lang="en-US"/>
+              <a:t>Click to edit Master title style</a:t>
+            </a:r>
+            <a:endParaRPr lang="en-US" dirty="0"/>
+          </a:p>
+        </p:txBody>
+      </p:sp>
+      <p:sp>
+        <p:nvSpPr>
+          <p:cNvPr id="3" name="Date Placeholder 2"/>
+          <p:cNvSpPr>
+            <a:spLocks noGrp="1"/>
+          </p:cNvSpPr>
+          <p:nvPr>
+            <p:ph type="dt" sz="half" idx="10"/>
+          </p:nvPr>
+        </p:nvSpPr>
+        <p:spPr/>
+        <p:txBody>
+          <a:bodyPr/>
+          <a:lstStyle/>
+          <a:p>
+            <a:fld id="{864A2DF1-82CB-3949-8DC2-ECE30178A186}" type="datetime1">
+              <a:rPr lang="en-GB" smtClean="0"/>
+              <a:t>24/11/2018</a:t>
+            </a:fld>
+            <a:endParaRPr lang="en-US"/>
+          </a:p>
+        </p:txBody>
+      </p:sp>
+      <p:sp>
+        <p:nvSpPr>
+          <p:cNvPr id="4" name="Footer Placeholder 3"/>
+          <p:cNvSpPr>
+            <a:spLocks noGrp="1"/>
+          </p:cNvSpPr>
+          <p:nvPr>
+            <p:ph type="ftr" sz="quarter" idx="11"/>
+          </p:nvPr>
+        </p:nvSpPr>
+        <p:spPr/>
+        <p:txBody>
+          <a:bodyPr/>
+          <a:lstStyle/>
+          <a:p>
+            <a:endParaRPr lang="en-US"/>
+          </a:p>
+        </p:txBody>
+      </p:sp>
+      <p:sp>
+        <p:nvSpPr>
+          <p:cNvPr id="5" name="Slide Number Placeholder 4"/>
+          <p:cNvSpPr>
+            <a:spLocks noGrp="1"/>
+          </p:cNvSpPr>
+          <p:nvPr>
+            <p:ph type="sldNum" sz="quarter" idx="12"/>
+          </p:nvPr>
+        </p:nvSpPr>
+        <p:spPr/>
+        <p:txBody>
+          <a:bodyPr/>
+          <a:lstStyle/>
+          <a:p>
+            <a:fld id="{2D5587A6-0F28-234D-9116-41BE2E1A2AC2}" type="slidenum">
+              <a:rPr lang="en-US" smtClean="0"/>
+              <a:t>‹#›</a:t>
+            </a:fld>
+            <a:endParaRPr lang="en-US"/>
+          </a:p>
+        </p:txBody>
+      </p:sp>
+    </p:spTree>
+    <p:extLst>
+      <p:ext uri="{BB962C8B-B14F-4D97-AF65-F5344CB8AC3E}">
+        <p14:creationId xmlns:p14="http://schemas.microsoft.com/office/powerpoint/2010/main" val="1251219152"/>
+      </p:ext>
+    </p:extLst>
+  </p:cSld>
+  <p:clrMapOvr>
+    <a:masterClrMapping/>
+  </p:clrMapOvr>
+</p:sldLayout>
+</file>
+
+<file path=ppt/slideLayouts/slideLayout7.xml><?xml version="1.0" encoding="utf-8"?>
+<p:sldLayout xmlns:a="http://schemas.openxmlformats.org/drawingml/2006/main" xmlns:r="http://schemas.openxmlformats.org/officeDocument/2006/relationships" xmlns:p="http://schemas.openxmlformats.org/presentationml/2006/main" showMasterSp="0" type="blank" preserve="1">
+  <p:cSld name="Blank">
+    <p:spTree>
+      <p:nvGrpSpPr>
+        <p:cNvPr id="1" name=""/>
+        <p:cNvGrpSpPr/>
+        <p:nvPr/>
+      </p:nvGrpSpPr>
+      <p:grpSpPr>
+        <a:xfrm>
+          <a:off x="0" y="0"/>
+          <a:ext cx="0" cy="0"/>
+          <a:chOff x="0" y="0"/>
+          <a:chExt cx="0" cy="0"/>
+        </a:xfrm>
+      </p:grpSpPr>
+      <p:sp>
+        <p:nvSpPr>
+          <p:cNvPr id="5" name="Rectangle 4"/>
+          <p:cNvSpPr/>
+          <p:nvPr/>
+        </p:nvSpPr>
+        <p:spPr>
+          <a:xfrm>
+            <a:off x="3175" y="6400800"/>
+            <a:ext cx="12188825" cy="457200"/>
+          </a:xfrm>
+          <a:prstGeom prst="rect">
+            <a:avLst/>
+          </a:prstGeom>
+          <a:solidFill>
+            <a:schemeClr val="accent2"/>
+          </a:solidFill>
+          <a:ln>
+            <a:noFill/>
+          </a:ln>
+        </p:spPr>
+        <p:style>
+          <a:lnRef idx="2">
+            <a:schemeClr val="accent1">
+              <a:shade val="50000"/>
+            </a:schemeClr>
+          </a:lnRef>
+          <a:fillRef idx="1">
+            <a:schemeClr val="accent1"/>
+          </a:fillRef>
+          <a:effectRef idx="0">
+            <a:schemeClr val="accent1"/>
+          </a:effectRef>
+          <a:fontRef idx="minor">
+            <a:schemeClr val="lt1"/>
+          </a:fontRef>
+        </p:style>
+      </p:sp>
+      <p:sp>
+        <p:nvSpPr>
+          <p:cNvPr id="6" name="Rectangle 5"/>
+          <p:cNvSpPr/>
+          <p:nvPr/>
+        </p:nvSpPr>
+        <p:spPr>
+          <a:xfrm>
+            <a:off x="15" y="6334316"/>
+            <a:ext cx="12188825" cy="64008"/>
+          </a:xfrm>
+          <a:prstGeom prst="rect">
+            <a:avLst/>
+          </a:prstGeom>
+          <a:solidFill>
+            <a:schemeClr val="accent1"/>
+          </a:solidFill>
+          <a:ln>
+            <a:noFill/>
+          </a:ln>
+        </p:spPr>
+        <p:style>
+          <a:lnRef idx="2">
+            <a:schemeClr val="accent1">
+              <a:shade val="50000"/>
+            </a:schemeClr>
+          </a:lnRef>
+          <a:fillRef idx="1">
+            <a:schemeClr val="accent1"/>
+          </a:fillRef>
+          <a:effectRef idx="0">
+            <a:schemeClr val="accent1"/>
+          </a:effectRef>
+          <a:fontRef idx="minor">
+            <a:schemeClr val="lt1"/>
+          </a:fontRef>
+        </p:style>
+      </p:sp>
+      <p:sp>
+        <p:nvSpPr>
+          <p:cNvPr id="7" name="Date Placeholder 6"/>
+          <p:cNvSpPr>
+            <a:spLocks noGrp="1"/>
+          </p:cNvSpPr>
+          <p:nvPr>
+            <p:ph type="dt" sz="half" idx="10"/>
+          </p:nvPr>
+        </p:nvSpPr>
+        <p:spPr/>
+        <p:txBody>
+          <a:bodyPr/>
+          <a:lstStyle/>
+          <a:p>
+            <a:fld id="{A0CEF12D-8022-E647-B033-82324AAEB22F}" type="datetime1">
+              <a:rPr lang="en-GB" smtClean="0"/>
+              <a:pPr/>
+              <a:t>24/11/2018</a:t>
+            </a:fld>
+            <a:endParaRPr lang="en-US"/>
+          </a:p>
+        </p:txBody>
+      </p:sp>
+      <p:sp>
+        <p:nvSpPr>
+          <p:cNvPr id="8" name="Footer Placeholder 7"/>
+          <p:cNvSpPr>
+            <a:spLocks noGrp="1"/>
+          </p:cNvSpPr>
+          <p:nvPr>
+            <p:ph type="ftr" sz="quarter" idx="11"/>
+          </p:nvPr>
+        </p:nvSpPr>
+        <p:spPr/>
+        <p:txBody>
+          <a:bodyPr/>
+          <a:lstStyle>
+            <a:lvl1pPr>
+              <a:defRPr>
+                <a:solidFill>
+                  <a:srgbClr val="FFFFFF"/>
+                </a:solidFill>
+              </a:defRPr>
+            </a:lvl1pPr>
+          </a:lstStyle>
+          <a:p>
+            <a:endParaRPr lang="en-US" dirty="0"/>
+          </a:p>
+        </p:txBody>
+      </p:sp>
+      <p:sp>
+        <p:nvSpPr>
+          <p:cNvPr id="9" name="Slide Number Placeholder 8"/>
+          <p:cNvSpPr>
+            <a:spLocks noGrp="1"/>
+          </p:cNvSpPr>
+          <p:nvPr>
+            <p:ph type="sldNum" sz="quarter" idx="12"/>
+          </p:nvPr>
+        </p:nvSpPr>
+        <p:spPr/>
+        <p:txBody>
+          <a:bodyPr/>
+          <a:lstStyle/>
+          <a:p>
+            <a:fld id="{2D5587A6-0F28-234D-9116-41BE2E1A2AC2}" type="slidenum">
+              <a:rPr lang="en-US" smtClean="0"/>
+              <a:pPr/>
+              <a:t>‹#›</a:t>
+            </a:fld>
+            <a:endParaRPr lang="en-US" dirty="0"/>
+          </a:p>
+        </p:txBody>
+      </p:sp>
+    </p:spTree>
+    <p:extLst>
+      <p:ext uri="{BB962C8B-B14F-4D97-AF65-F5344CB8AC3E}">
+        <p14:creationId xmlns:p14="http://schemas.microsoft.com/office/powerpoint/2010/main" val="4241015481"/>
+      </p:ext>
+    </p:extLst>
+  </p:cSld>
+  <p:clrMapOvr>
+    <a:masterClrMapping/>
+  </p:clrMapOvr>
+  <p:hf hdr="0" ftr="0" dt="0"/>
+</p:sldLayout>
+</file>
+
+<file path=ppt/slideLayouts/slideLayout8.xml><?xml version="1.0" encoding="utf-8"?>
+<p:sldLayout xmlns:a="http://schemas.openxmlformats.org/drawingml/2006/main" xmlns:r="http://schemas.openxmlformats.org/officeDocument/2006/relationships" xmlns:p="http://schemas.openxmlformats.org/presentationml/2006/main" showMasterSp="0" type="objTx" preserve="1">
+  <p:cSld name="Content with Caption">
+    <p:spTree>
+      <p:nvGrpSpPr>
+        <p:cNvPr id="1" name=""/>
+        <p:cNvGrpSpPr/>
+        <p:nvPr/>
+      </p:nvGrpSpPr>
+      <p:grpSpPr>
+        <a:xfrm>
+          <a:off x="0" y="0"/>
+          <a:ext cx="0" cy="0"/>
+          <a:chOff x="0" y="0"/>
+          <a:chExt cx="0" cy="0"/>
+        </a:xfrm>
+      </p:grpSpPr>
+      <p:sp>
+        <p:nvSpPr>
+          <p:cNvPr id="8" name="Rectangle 7"/>
+          <p:cNvSpPr/>
+          <p:nvPr/>
+        </p:nvSpPr>
+        <p:spPr>
+          <a:xfrm>
+            <a:off x="16" y="0"/>
+            <a:ext cx="4050791" cy="6858000"/>
+          </a:xfrm>
+          <a:prstGeom prst="rect">
+            <a:avLst/>
+          </a:prstGeom>
+          <a:solidFill>
+            <a:schemeClr val="accent2"/>
+          </a:solidFill>
+          <a:ln>
+            <a:noFill/>
+          </a:ln>
+        </p:spPr>
+        <p:style>
+          <a:lnRef idx="2">
+            <a:schemeClr val="accent1">
+              <a:shade val="50000"/>
+            </a:schemeClr>
+          </a:lnRef>
+          <a:fillRef idx="1">
+            <a:schemeClr val="accent1"/>
+          </a:fillRef>
+          <a:effectRef idx="0">
+            <a:schemeClr val="accent1"/>
+          </a:effectRef>
+          <a:fontRef idx="minor">
+            <a:schemeClr val="lt1"/>
+          </a:fontRef>
+        </p:style>
+      </p:sp>
+      <p:sp>
+        <p:nvSpPr>
+          <p:cNvPr id="9" name="Rectangle 8"/>
+          <p:cNvSpPr/>
+          <p:nvPr/>
+        </p:nvSpPr>
+        <p:spPr>
+          <a:xfrm>
+            <a:off x="4040071" y="0"/>
+            <a:ext cx="64008" cy="6858000"/>
+          </a:xfrm>
+          <a:prstGeom prst="rect">
+            <a:avLst/>
+          </a:prstGeom>
+          <a:solidFill>
+            <a:schemeClr val="accent1"/>
+          </a:solidFill>
+          <a:ln>
+            <a:noFill/>
+          </a:ln>
+        </p:spPr>
+        <p:style>
+          <a:lnRef idx="2">
+            <a:schemeClr val="accent1">
+              <a:shade val="50000"/>
+            </a:schemeClr>
+          </a:lnRef>
+          <a:fillRef idx="1">
+            <a:schemeClr val="accent1"/>
+          </a:fillRef>
+          <a:effectRef idx="0">
+            <a:schemeClr val="accent1"/>
+          </a:effectRef>
+          <a:fontRef idx="minor">
+            <a:schemeClr val="lt1"/>
+          </a:fontRef>
+        </p:style>
+      </p:sp>
+      <p:sp>
+        <p:nvSpPr>
+          <p:cNvPr id="2" name="Title 1"/>
+          <p:cNvSpPr>
+            <a:spLocks noGrp="1"/>
+          </p:cNvSpPr>
+          <p:nvPr>
+            <p:ph type="title"/>
+          </p:nvPr>
+        </p:nvSpPr>
+        <p:spPr>
+          <a:xfrm>
+            <a:off x="457200" y="594359"/>
+            <a:ext cx="3200400" cy="2286000"/>
+          </a:xfrm>
+        </p:spPr>
+        <p:txBody>
+          <a:bodyPr anchor="b">
+            <a:normAutofit/>
+          </a:bodyPr>
+          <a:lstStyle>
+            <a:lvl1pPr>
+              <a:defRPr sz="3600" b="0">
+                <a:solidFill>
+                  <a:srgbClr val="FFFFFF"/>
+                </a:solidFill>
+              </a:defRPr>
+            </a:lvl1pPr>
+          </a:lstStyle>
+          <a:p>
+            <a:r>
+              <a:rPr lang="en-US"/>
+              <a:t>Click to edit Master title style</a:t>
+            </a:r>
+            <a:endParaRPr lang="en-US" dirty="0"/>
+          </a:p>
+        </p:txBody>
+      </p:sp>
+      <p:sp>
+        <p:nvSpPr>
+          <p:cNvPr id="3" name="Content Placeholder 2"/>
+          <p:cNvSpPr>
+            <a:spLocks noGrp="1"/>
+          </p:cNvSpPr>
+          <p:nvPr>
+            <p:ph idx="1"/>
+          </p:nvPr>
+        </p:nvSpPr>
+        <p:spPr>
+          <a:xfrm>
+            <a:off x="4800600" y="731520"/>
+            <a:ext cx="6492240" cy="5257800"/>
+          </a:xfrm>
+        </p:spPr>
+        <p:txBody>
+          <a:bodyPr/>
+          <a:lstStyle/>
+          <a:p>
+            <a:pPr lvl="0"/>
+            <a:r>
+              <a:rPr lang="en-US"/>
+              <a:t>Edit Master text styles</a:t>
+            </a:r>
+          </a:p>
+          <a:p>
+            <a:pPr lvl="1"/>
+            <a:r>
+              <a:rPr lang="en-US"/>
+              <a:t>Second level</a:t>
+            </a:r>
+          </a:p>
+          <a:p>
+            <a:pPr lvl="2"/>
+            <a:r>
+              <a:rPr lang="en-US"/>
+              <a:t>Third level</a:t>
+            </a:r>
+          </a:p>
+          <a:p>
+            <a:pPr lvl="3"/>
+            <a:r>
+              <a:rPr lang="en-US"/>
+              <a:t>Fourth level</a:t>
+            </a:r>
+          </a:p>
+          <a:p>
+            <a:pPr lvl="4"/>
+            <a:r>
+              <a:rPr lang="en-US"/>
+              <a:t>Fifth level</a:t>
+            </a:r>
+            <a:endParaRPr lang="en-US" dirty="0"/>
+          </a:p>
+        </p:txBody>
+      </p:sp>
+      <p:sp>
+        <p:nvSpPr>
+          <p:cNvPr id="4" name="Text Placeholder 3"/>
+          <p:cNvSpPr>
+            <a:spLocks noGrp="1"/>
+          </p:cNvSpPr>
+          <p:nvPr>
+            <p:ph type="body" sz="half" idx="2"/>
+          </p:nvPr>
+        </p:nvSpPr>
+        <p:spPr>
+          <a:xfrm>
+            <a:off x="457200" y="2926080"/>
+            <a:ext cx="3200400" cy="3379124"/>
+          </a:xfrm>
+        </p:spPr>
+        <p:txBody>
+          <a:bodyPr lIns="91440" rIns="91440">
+            <a:normAutofit/>
+          </a:bodyPr>
+          <a:lstStyle>
+            <a:lvl1pPr marL="0" indent="0">
+              <a:buNone/>
+              <a:defRPr sz="1500">
+                <a:solidFill>
+                  <a:srgbClr val="FFFFFF"/>
+                </a:solidFill>
+              </a:defRPr>
+            </a:lvl1pPr>
+            <a:lvl2pPr marL="457200" indent="0">
+              <a:buNone/>
+              <a:defRPr sz="1200"/>
+            </a:lvl2pPr>
+            <a:lvl3pPr marL="914400" indent="0">
+              <a:buNone/>
+              <a:defRPr sz="1000"/>
+            </a:lvl3pPr>
+            <a:lvl4pPr marL="1371600" indent="0">
+              <a:buNone/>
+              <a:defRPr sz="900"/>
+            </a:lvl4pPr>
+            <a:lvl5pPr marL="1828800" indent="0">
+              <a:buNone/>
+              <a:defRPr sz="900"/>
+            </a:lvl5pPr>
+            <a:lvl6pPr marL="2286000" indent="0">
+              <a:buNone/>
+              <a:defRPr sz="900"/>
+            </a:lvl6pPr>
+            <a:lvl7pPr marL="2743200" indent="0">
+              <a:buNone/>
+              <a:defRPr sz="900"/>
+            </a:lvl7pPr>
+            <a:lvl8pPr marL="3200400" indent="0">
+              <a:buNone/>
+              <a:defRPr sz="900"/>
+            </a:lvl8pPr>
+            <a:lvl9pPr marL="3657600" indent="0">
+              <a:buNone/>
+              <a:defRPr sz="900"/>
+            </a:lvl9pPr>
+          </a:lstStyle>
+          <a:p>
+            <a:pPr lvl="0"/>
+            <a:r>
+              <a:rPr lang="en-US"/>
+              <a:t>Edit Master text styles</a:t>
+            </a:r>
+          </a:p>
+        </p:txBody>
+      </p:sp>
+      <p:sp>
+        <p:nvSpPr>
+          <p:cNvPr id="5" name="Date Placeholder 4"/>
+          <p:cNvSpPr>
+            <a:spLocks noGrp="1"/>
+          </p:cNvSpPr>
+          <p:nvPr>
+            <p:ph type="dt" sz="half" idx="10"/>
+          </p:nvPr>
+        </p:nvSpPr>
+        <p:spPr>
+          <a:xfrm>
+            <a:off x="465512" y="6459785"/>
+            <a:ext cx="2618510" cy="365125"/>
+          </a:xfrm>
+        </p:spPr>
+        <p:txBody>
+          <a:bodyPr/>
+          <a:lstStyle>
+            <a:lvl1pPr algn="l">
+              <a:defRPr/>
+            </a:lvl1pPr>
+          </a:lstStyle>
+          <a:p>
+            <a:fld id="{A0CEF12D-8022-E647-B033-82324AAEB22F}" type="datetime1">
+              <a:rPr lang="en-GB" smtClean="0"/>
+              <a:pPr/>
+              <a:t>24/11/2018</a:t>
+            </a:fld>
+            <a:endParaRPr lang="en-US"/>
+          </a:p>
+        </p:txBody>
+      </p:sp>
+      <p:sp>
+        <p:nvSpPr>
+          <p:cNvPr id="6" name="Footer Placeholder 5"/>
+          <p:cNvSpPr>
+            <a:spLocks noGrp="1"/>
+          </p:cNvSpPr>
+          <p:nvPr>
+            <p:ph type="ftr" sz="quarter" idx="11"/>
+          </p:nvPr>
+        </p:nvSpPr>
+        <p:spPr>
+          <a:xfrm>
+            <a:off x="4800600" y="6459785"/>
+            <a:ext cx="4648200" cy="365125"/>
+          </a:xfrm>
+        </p:spPr>
+        <p:txBody>
+          <a:bodyPr/>
+          <a:lstStyle>
+            <a:lvl1pPr algn="l">
+              <a:defRPr>
+                <a:solidFill>
+                  <a:schemeClr val="tx2"/>
+                </a:solidFill>
+              </a:defRPr>
+            </a:lvl1pPr>
+          </a:lstStyle>
+          <a:p>
+            <a:endParaRPr lang="en-US" dirty="0"/>
+          </a:p>
+        </p:txBody>
+      </p:sp>
+      <p:sp>
+        <p:nvSpPr>
+          <p:cNvPr id="7" name="Slide Number Placeholder 6"/>
+          <p:cNvSpPr>
+            <a:spLocks noGrp="1"/>
+          </p:cNvSpPr>
+          <p:nvPr>
+            <p:ph type="sldNum" sz="quarter" idx="12"/>
+          </p:nvPr>
+        </p:nvSpPr>
+        <p:spPr/>
+        <p:txBody>
+          <a:bodyPr/>
+          <a:lstStyle>
+            <a:lvl1pPr>
+              <a:defRPr>
+                <a:solidFill>
+                  <a:schemeClr val="tx2"/>
+                </a:solidFill>
+              </a:defRPr>
+            </a:lvl1pPr>
+          </a:lstStyle>
+          <a:p>
+            <a:fld id="{2D5587A6-0F28-234D-9116-41BE2E1A2AC2}" type="slidenum">
+              <a:rPr lang="en-US" smtClean="0"/>
+              <a:pPr/>
+              <a:t>‹#›</a:t>
+            </a:fld>
+            <a:endParaRPr lang="en-US" dirty="0"/>
+          </a:p>
+        </p:txBody>
+      </p:sp>
+    </p:spTree>
+    <p:extLst>
+      <p:ext uri="{BB962C8B-B14F-4D97-AF65-F5344CB8AC3E}">
+        <p14:creationId xmlns:p14="http://schemas.microsoft.com/office/powerpoint/2010/main" val="2396872644"/>
+      </p:ext>
+    </p:extLst>
+  </p:cSld>
+  <p:clrMapOvr>
+    <a:masterClrMapping/>
+  </p:clrMapOvr>
+  <p:hf hdr="0" ftr="0" dt="0"/>
+</p:sldLayout>
+</file>
+
+<file path=ppt/slideLayouts/slideLayout9.xml><?xml version="1.0" encoding="utf-8"?>
+<p:sldLayout xmlns:a="http://schemas.openxmlformats.org/drawingml/2006/main" xmlns:r="http://schemas.openxmlformats.org/officeDocument/2006/relationships" xmlns:p="http://schemas.openxmlformats.org/presentationml/2006/main" showMasterSp="0" type="picTx" preserve="1">
+  <p:cSld name="Picture with Caption">
+    <p:spTree>
+      <p:nvGrpSpPr>
+        <p:cNvPr id="1" name=""/>
+        <p:cNvGrpSpPr/>
+        <p:nvPr/>
+      </p:nvGrpSpPr>
+      <p:grpSpPr>
+        <a:xfrm>
+          <a:off x="0" y="0"/>
+          <a:ext cx="0" cy="0"/>
+          <a:chOff x="0" y="0"/>
+          <a:chExt cx="0" cy="0"/>
+        </a:xfrm>
+      </p:grpSpPr>
+      <p:sp>
+        <p:nvSpPr>
+          <p:cNvPr id="8" name="Rectangle 7"/>
+          <p:cNvSpPr/>
+          <p:nvPr/>
+        </p:nvSpPr>
+        <p:spPr>
+          <a:xfrm>
+            <a:off x="0" y="4953000"/>
+            <a:ext cx="12188825" cy="1905000"/>
+          </a:xfrm>
+          <a:prstGeom prst="rect">
+            <a:avLst/>
+          </a:prstGeom>
+          <a:solidFill>
+            <a:schemeClr val="accent2"/>
+          </a:solidFill>
+          <a:ln>
+            <a:noFill/>
+          </a:ln>
+        </p:spPr>
+        <p:style>
+          <a:lnRef idx="2">
+            <a:schemeClr val="accent1">
+              <a:shade val="50000"/>
+            </a:schemeClr>
+          </a:lnRef>
+          <a:fillRef idx="1">
+            <a:schemeClr val="accent1"/>
+          </a:fillRef>
+          <a:effectRef idx="0">
+            <a:schemeClr val="accent1"/>
+          </a:effectRef>
+          <a:fontRef idx="minor">
+            <a:schemeClr val="lt1"/>
+          </a:fontRef>
+        </p:style>
+      </p:sp>
+      <p:sp>
+        <p:nvSpPr>
+          <p:cNvPr id="9" name="Rectangle 8"/>
+          <p:cNvSpPr/>
+          <p:nvPr/>
+        </p:nvSpPr>
+        <p:spPr>
+          <a:xfrm>
+            <a:off x="15" y="4915076"/>
+            <a:ext cx="12188825" cy="64008"/>
+          </a:xfrm>
+          <a:prstGeom prst="rect">
+            <a:avLst/>
+          </a:prstGeom>
+          <a:solidFill>
+            <a:schemeClr val="accent1"/>
+          </a:solidFill>
+          <a:ln>
+            <a:noFill/>
+          </a:ln>
+        </p:spPr>
+        <p:style>
+          <a:lnRef idx="2">
+            <a:schemeClr val="accent1">
+              <a:shade val="50000"/>
+            </a:schemeClr>
+          </a:lnRef>
+          <a:fillRef idx="1">
+            <a:schemeClr val="accent1"/>
+          </a:fillRef>
+          <a:effectRef idx="0">
+            <a:schemeClr val="accent1"/>
+          </a:effectRef>
+          <a:fontRef idx="minor">
+            <a:schemeClr val="lt1"/>
+          </a:fontRef>
+        </p:style>
+      </p:sp>
+      <p:sp>
+        <p:nvSpPr>
+          <p:cNvPr id="2" name="Title 1"/>
+          <p:cNvSpPr>
+            <a:spLocks noGrp="1"/>
+          </p:cNvSpPr>
+          <p:nvPr>
+            <p:ph type="title"/>
+          </p:nvPr>
+        </p:nvSpPr>
+        <p:spPr>
+          <a:xfrm>
+            <a:off x="1097280" y="5074920"/>
+            <a:ext cx="10113264" cy="822960"/>
+          </a:xfrm>
+        </p:spPr>
+        <p:txBody>
+          <a:bodyPr lIns="91440" tIns="0" rIns="91440" bIns="0" anchor="b">
+            <a:noAutofit/>
+          </a:bodyPr>
+          <a:lstStyle>
+            <a:lvl1pPr>
+              <a:defRPr sz="3600" b="0">
+                <a:solidFill>
+                  <a:srgbClr val="FFFFFF"/>
+                </a:solidFill>
+              </a:defRPr>
+            </a:lvl1pPr>
+          </a:lstStyle>
+          <a:p>
+            <a:r>
+              <a:rPr lang="en-US"/>
+              <a:t>Click to edit Master title style</a:t>
+            </a:r>
+            <a:endParaRPr lang="en-US" dirty="0"/>
+          </a:p>
+        </p:txBody>
+      </p:sp>
+      <p:sp>
+        <p:nvSpPr>
+          <p:cNvPr id="3" name="Picture Placeholder 2"/>
+          <p:cNvSpPr>
+            <a:spLocks noGrp="1" noChangeAspect="1"/>
+          </p:cNvSpPr>
+          <p:nvPr>
+            <p:ph type="pic" idx="1"/>
+          </p:nvPr>
+        </p:nvSpPr>
+        <p:spPr>
+          <a:xfrm>
+            <a:off x="15" y="0"/>
+            <a:ext cx="12191985" cy="4915076"/>
+          </a:xfrm>
+          <a:blipFill>
+            <a:blip r:embed="rId2"/>
+            <a:stretch>
+              <a:fillRect/>
+            </a:stretch>
+          </a:blipFill>
+        </p:spPr>
+        <p:txBody>
+          <a:bodyPr lIns="457200" tIns="457200" anchor="t"/>
+          <a:lstStyle>
+            <a:lvl1pPr marL="0" indent="0">
+              <a:buNone/>
+              <a:defRPr sz="3200">
+                <a:solidFill>
+                  <a:schemeClr val="bg1"/>
+                </a:solidFill>
+              </a:defRPr>
+            </a:lvl1pPr>
+            <a:lvl2pPr marL="457200" indent="0">
+              <a:buNone/>
+              <a:defRPr sz="2800"/>
+            </a:lvl2pPr>
+            <a:lvl3pPr marL="914400" indent="0">
+              <a:buNone/>
+              <a:defRPr sz="2400"/>
+            </a:lvl3pPr>
+            <a:lvl4pPr marL="1371600" indent="0">
+              <a:buNone/>
+              <a:defRPr sz="2000"/>
+            </a:lvl4pPr>
+            <a:lvl5pPr marL="1828800" indent="0">
+              <a:buNone/>
+              <a:defRPr sz="2000"/>
+            </a:lvl5pPr>
+            <a:lvl6pPr marL="2286000" indent="0">
+              <a:buNone/>
+              <a:defRPr sz="2000"/>
+            </a:lvl6pPr>
+            <a:lvl7pPr marL="2743200" indent="0">
+              <a:buNone/>
+              <a:defRPr sz="2000"/>
+            </a:lvl7pPr>
+            <a:lvl8pPr marL="3200400" indent="0">
+              <a:buNone/>
+              <a:defRPr sz="2000"/>
+            </a:lvl8pPr>
+            <a:lvl9pPr marL="3657600" indent="0">
+              <a:buNone/>
+              <a:defRPr sz="2000"/>
+            </a:lvl9pPr>
+          </a:lstStyle>
+          <a:p>
+            <a:r>
+              <a:rPr lang="en-US"/>
+              <a:t>Click icon to add picture</a:t>
+            </a:r>
+            <a:endParaRPr lang="en-US" dirty="0"/>
+          </a:p>
+        </p:txBody>
+      </p:sp>
+      <p:sp>
+        <p:nvSpPr>
+          <p:cNvPr id="4" name="Text Placeholder 3"/>
+          <p:cNvSpPr>
+            <a:spLocks noGrp="1"/>
+          </p:cNvSpPr>
+          <p:nvPr>
+            <p:ph type="body" sz="half" idx="2"/>
+          </p:nvPr>
+        </p:nvSpPr>
+        <p:spPr>
+          <a:xfrm>
+            <a:off x="1097280" y="5907023"/>
+            <a:ext cx="10113264" cy="594360"/>
+          </a:xfrm>
+        </p:spPr>
+        <p:txBody>
+          <a:bodyPr lIns="91440" tIns="0" rIns="91440" bIns="0">
+            <a:normAutofit/>
+          </a:bodyPr>
+          <a:lstStyle>
+            <a:lvl1pPr marL="0" indent="0">
+              <a:spcBef>
+                <a:spcPts val="0"/>
+              </a:spcBef>
+              <a:spcAft>
+                <a:spcPts val="600"/>
+              </a:spcAft>
+              <a:buNone/>
+              <a:defRPr sz="1500">
+                <a:solidFill>
+                  <a:srgbClr val="FFFFFF"/>
+                </a:solidFill>
+              </a:defRPr>
+            </a:lvl1pPr>
+            <a:lvl2pPr marL="457200" indent="0">
+              <a:buNone/>
+              <a:defRPr sz="1200"/>
+            </a:lvl2pPr>
+            <a:lvl3pPr marL="914400" indent="0">
+              <a:buNone/>
+              <a:defRPr sz="1000"/>
+            </a:lvl3pPr>
+            <a:lvl4pPr marL="1371600" indent="0">
+              <a:buNone/>
+              <a:defRPr sz="900"/>
+            </a:lvl4pPr>
+            <a:lvl5pPr marL="1828800" indent="0">
+              <a:buNone/>
+              <a:defRPr sz="900"/>
+            </a:lvl5pPr>
+            <a:lvl6pPr marL="2286000" indent="0">
+              <a:buNone/>
+              <a:defRPr sz="900"/>
+            </a:lvl6pPr>
+            <a:lvl7pPr marL="2743200" indent="0">
+              <a:buNone/>
+              <a:defRPr sz="900"/>
+            </a:lvl7pPr>
+            <a:lvl8pPr marL="3200400" indent="0">
+              <a:buNone/>
+              <a:defRPr sz="900"/>
+            </a:lvl8pPr>
+            <a:lvl9pPr marL="3657600" indent="0">
+              <a:buNone/>
+              <a:defRPr sz="900"/>
+            </a:lvl9pPr>
+          </a:lstStyle>
+          <a:p>
+            <a:pPr lvl="0"/>
+            <a:r>
+              <a:rPr lang="en-US"/>
+              <a:t>Edit Master text styles</a:t>
+            </a:r>
+          </a:p>
+        </p:txBody>
+      </p:sp>
+      <p:sp>
+        <p:nvSpPr>
+          <p:cNvPr id="5" name="Date Placeholder 4"/>
+          <p:cNvSpPr>
+            <a:spLocks noGrp="1"/>
+          </p:cNvSpPr>
+          <p:nvPr>
+            <p:ph type="dt" sz="half" idx="10"/>
+          </p:nvPr>
+        </p:nvSpPr>
+        <p:spPr/>
+        <p:txBody>
+          <a:bodyPr/>
+          <a:lstStyle/>
+          <a:p>
+            <a:fld id="{A0CEF12D-8022-E647-B033-82324AAEB22F}" type="datetime1">
+              <a:rPr lang="en-GB" smtClean="0"/>
+              <a:pPr/>
+              <a:t>24/11/2018</a:t>
+            </a:fld>
+            <a:endParaRPr lang="en-US"/>
+          </a:p>
+        </p:txBody>
+      </p:sp>
+      <p:sp>
+        <p:nvSpPr>
+          <p:cNvPr id="6" name="Footer Placeholder 5"/>
+          <p:cNvSpPr>
+            <a:spLocks noGrp="1"/>
+          </p:cNvSpPr>
+          <p:nvPr>
+            <p:ph type="ftr" sz="quarter" idx="11"/>
+          </p:nvPr>
+        </p:nvSpPr>
+        <p:spPr/>
+        <p:txBody>
+          <a:bodyPr/>
+          <a:lstStyle/>
+          <a:p>
+            <a:endParaRPr lang="en-US" dirty="0"/>
+          </a:p>
+        </p:txBody>
+      </p:sp>
+      <p:sp>
+        <p:nvSpPr>
+          <p:cNvPr id="7" name="Slide Number Placeholder 6"/>
+          <p:cNvSpPr>
+            <a:spLocks noGrp="1"/>
+          </p:cNvSpPr>
+          <p:nvPr>
+            <p:ph type="sldNum" sz="quarter" idx="12"/>
+          </p:nvPr>
+        </p:nvSpPr>
+        <p:spPr/>
+        <p:txBody>
+          <a:bodyPr/>
+          <a:lstStyle/>
+          <a:p>
+            <a:fld id="{2D5587A6-0F28-234D-9116-41BE2E1A2AC2}" type="slidenum">
+              <a:rPr lang="en-US" smtClean="0"/>
+              <a:pPr/>
+              <a:t>‹#›</a:t>
+            </a:fld>
+            <a:endParaRPr lang="en-US" dirty="0"/>
+          </a:p>
+        </p:txBody>
+      </p:sp>
+    </p:spTree>
+    <p:extLst>
+      <p:ext uri="{BB962C8B-B14F-4D97-AF65-F5344CB8AC3E}">
+        <p14:creationId xmlns:p14="http://schemas.microsoft.com/office/powerpoint/2010/main" val="1443619990"/>
+      </p:ext>
+    </p:extLst>
+  </p:cSld>
+  <p:clrMapOvr>
+    <a:masterClrMapping/>
+  </p:clrMapOvr>
+  <p:hf hdr="0" ftr="0" dt="0"/>
+</p:sldLayout>
+</file>
+
 <file path=ppt/slideMasters/slideMaster1.xml><?xml version="1.0" encoding="utf-8"?>
 <p:sldMaster xmlns:a="http://schemas.openxmlformats.org/drawingml/2006/main" xmlns:r="http://schemas.openxmlformats.org/officeDocument/2006/relationships" xmlns:p="http://schemas.openxmlformats.org/presentationml/2006/main">
   <p:cSld>
@@ -11255,12 +13302,336 @@
           <a:chExt cx="0" cy="0"/>
         </a:xfrm>
       </p:grpSpPr>
+      <p:sp>
+        <p:nvSpPr>
+          <p:cNvPr id="7" name="Rectangle 6"/>
+          <p:cNvSpPr/>
+          <p:nvPr/>
+        </p:nvSpPr>
+        <p:spPr>
+          <a:xfrm>
+            <a:off x="1" y="6400800"/>
+            <a:ext cx="12192000" cy="457200"/>
+          </a:xfrm>
+          <a:prstGeom prst="rect">
+            <a:avLst/>
+          </a:prstGeom>
+          <a:solidFill>
+            <a:schemeClr val="accent2"/>
+          </a:solidFill>
+          <a:ln>
+            <a:noFill/>
+          </a:ln>
+        </p:spPr>
+        <p:style>
+          <a:lnRef idx="2">
+            <a:schemeClr val="accent1">
+              <a:shade val="50000"/>
+            </a:schemeClr>
+          </a:lnRef>
+          <a:fillRef idx="1">
+            <a:schemeClr val="accent1"/>
+          </a:fillRef>
+          <a:effectRef idx="0">
+            <a:schemeClr val="accent1"/>
+          </a:effectRef>
+          <a:fontRef idx="minor">
+            <a:schemeClr val="lt1"/>
+          </a:fontRef>
+        </p:style>
+      </p:sp>
+      <p:sp>
+        <p:nvSpPr>
+          <p:cNvPr id="9" name="Rectangle 8"/>
+          <p:cNvSpPr/>
+          <p:nvPr/>
+        </p:nvSpPr>
+        <p:spPr>
+          <a:xfrm>
+            <a:off x="0" y="6334316"/>
+            <a:ext cx="12192001" cy="65998"/>
+          </a:xfrm>
+          <a:prstGeom prst="rect">
+            <a:avLst/>
+          </a:prstGeom>
+          <a:solidFill>
+            <a:schemeClr val="accent1"/>
+          </a:solidFill>
+          <a:ln>
+            <a:noFill/>
+          </a:ln>
+        </p:spPr>
+        <p:style>
+          <a:lnRef idx="2">
+            <a:schemeClr val="accent1">
+              <a:shade val="50000"/>
+            </a:schemeClr>
+          </a:lnRef>
+          <a:fillRef idx="1">
+            <a:schemeClr val="accent1"/>
+          </a:fillRef>
+          <a:effectRef idx="0">
+            <a:schemeClr val="accent1"/>
+          </a:effectRef>
+          <a:fontRef idx="minor">
+            <a:schemeClr val="lt1"/>
+          </a:fontRef>
+        </p:style>
+      </p:sp>
+      <p:sp>
+        <p:nvSpPr>
+          <p:cNvPr id="2" name="Title Placeholder 1"/>
+          <p:cNvSpPr>
+            <a:spLocks noGrp="1"/>
+          </p:cNvSpPr>
+          <p:nvPr>
+            <p:ph type="title"/>
+          </p:nvPr>
+        </p:nvSpPr>
+        <p:spPr>
+          <a:xfrm>
+            <a:off x="1097280" y="286603"/>
+            <a:ext cx="10058400" cy="1450757"/>
+          </a:xfrm>
+          <a:prstGeom prst="rect">
+            <a:avLst/>
+          </a:prstGeom>
+        </p:spPr>
+        <p:txBody>
+          <a:bodyPr vert="horz" lIns="91440" tIns="45720" rIns="91440" bIns="45720" rtlCol="0" anchor="b">
+            <a:normAutofit/>
+          </a:bodyPr>
+          <a:lstStyle/>
+          <a:p>
+            <a:r>
+              <a:rPr lang="en-US"/>
+              <a:t>Click to edit Master title style</a:t>
+            </a:r>
+            <a:endParaRPr lang="en-US" dirty="0"/>
+          </a:p>
+        </p:txBody>
+      </p:sp>
+      <p:sp>
+        <p:nvSpPr>
+          <p:cNvPr id="3" name="Text Placeholder 2"/>
+          <p:cNvSpPr>
+            <a:spLocks noGrp="1"/>
+          </p:cNvSpPr>
+          <p:nvPr>
+            <p:ph type="body" idx="1"/>
+          </p:nvPr>
+        </p:nvSpPr>
+        <p:spPr>
+          <a:xfrm>
+            <a:off x="1097280" y="1845734"/>
+            <a:ext cx="10058400" cy="4023360"/>
+          </a:xfrm>
+          <a:prstGeom prst="rect">
+            <a:avLst/>
+          </a:prstGeom>
+        </p:spPr>
+        <p:txBody>
+          <a:bodyPr vert="horz" lIns="0" tIns="45720" rIns="0" bIns="45720" rtlCol="0">
+            <a:normAutofit/>
+          </a:bodyPr>
+          <a:lstStyle/>
+          <a:p>
+            <a:pPr lvl="0"/>
+            <a:r>
+              <a:rPr lang="en-US"/>
+              <a:t>Edit Master text styles</a:t>
+            </a:r>
+          </a:p>
+          <a:p>
+            <a:pPr lvl="1"/>
+            <a:r>
+              <a:rPr lang="en-US"/>
+              <a:t>Second level</a:t>
+            </a:r>
+          </a:p>
+          <a:p>
+            <a:pPr lvl="2"/>
+            <a:r>
+              <a:rPr lang="en-US"/>
+              <a:t>Third level</a:t>
+            </a:r>
+          </a:p>
+          <a:p>
+            <a:pPr lvl="3"/>
+            <a:r>
+              <a:rPr lang="en-US"/>
+              <a:t>Fourth level</a:t>
+            </a:r>
+          </a:p>
+          <a:p>
+            <a:pPr lvl="4"/>
+            <a:r>
+              <a:rPr lang="en-US"/>
+              <a:t>Fifth level</a:t>
+            </a:r>
+            <a:endParaRPr lang="en-US" dirty="0"/>
+          </a:p>
+        </p:txBody>
+      </p:sp>
+      <p:sp>
+        <p:nvSpPr>
+          <p:cNvPr id="4" name="Date Placeholder 3"/>
+          <p:cNvSpPr>
+            <a:spLocks noGrp="1"/>
+          </p:cNvSpPr>
+          <p:nvPr>
+            <p:ph type="dt" sz="half" idx="2"/>
+          </p:nvPr>
+        </p:nvSpPr>
+        <p:spPr>
+          <a:xfrm>
+            <a:off x="1097280" y="6459785"/>
+            <a:ext cx="2472271" cy="365125"/>
+          </a:xfrm>
+          <a:prstGeom prst="rect">
+            <a:avLst/>
+          </a:prstGeom>
+        </p:spPr>
+        <p:txBody>
+          <a:bodyPr vert="horz" lIns="91440" tIns="45720" rIns="91440" bIns="45720" rtlCol="0" anchor="ctr"/>
+          <a:lstStyle>
+            <a:lvl1pPr algn="l">
+              <a:defRPr sz="900">
+                <a:solidFill>
+                  <a:srgbClr val="FFFFFF"/>
+                </a:solidFill>
+              </a:defRPr>
+            </a:lvl1pPr>
+          </a:lstStyle>
+          <a:p>
+            <a:fld id="{A0CEF12D-8022-E647-B033-82324AAEB22F}" type="datetime1">
+              <a:rPr lang="en-GB" smtClean="0"/>
+              <a:pPr/>
+              <a:t>24/11/2018</a:t>
+            </a:fld>
+            <a:endParaRPr lang="en-US"/>
+          </a:p>
+        </p:txBody>
+      </p:sp>
+      <p:sp>
+        <p:nvSpPr>
+          <p:cNvPr id="5" name="Footer Placeholder 4"/>
+          <p:cNvSpPr>
+            <a:spLocks noGrp="1"/>
+          </p:cNvSpPr>
+          <p:nvPr>
+            <p:ph type="ftr" sz="quarter" idx="3"/>
+          </p:nvPr>
+        </p:nvSpPr>
+        <p:spPr>
+          <a:xfrm>
+            <a:off x="3686185" y="6459785"/>
+            <a:ext cx="4822804" cy="365125"/>
+          </a:xfrm>
+          <a:prstGeom prst="rect">
+            <a:avLst/>
+          </a:prstGeom>
+        </p:spPr>
+        <p:txBody>
+          <a:bodyPr vert="horz" lIns="91440" tIns="45720" rIns="91440" bIns="45720" rtlCol="0" anchor="ctr"/>
+          <a:lstStyle>
+            <a:lvl1pPr algn="ctr">
+              <a:defRPr sz="900" cap="all" baseline="0">
+                <a:solidFill>
+                  <a:srgbClr val="FFFFFF"/>
+                </a:solidFill>
+              </a:defRPr>
+            </a:lvl1pPr>
+          </a:lstStyle>
+          <a:p>
+            <a:endParaRPr lang="en-US" dirty="0"/>
+          </a:p>
+        </p:txBody>
+      </p:sp>
+      <p:sp>
+        <p:nvSpPr>
+          <p:cNvPr id="6" name="Slide Number Placeholder 5"/>
+          <p:cNvSpPr>
+            <a:spLocks noGrp="1"/>
+          </p:cNvSpPr>
+          <p:nvPr>
+            <p:ph type="sldNum" sz="quarter" idx="4"/>
+          </p:nvPr>
+        </p:nvSpPr>
+        <p:spPr>
+          <a:xfrm>
+            <a:off x="9900458" y="6459785"/>
+            <a:ext cx="1312025" cy="365125"/>
+          </a:xfrm>
+          <a:prstGeom prst="rect">
+            <a:avLst/>
+          </a:prstGeom>
+        </p:spPr>
+        <p:txBody>
+          <a:bodyPr vert="horz" lIns="91440" tIns="45720" rIns="91440" bIns="45720" rtlCol="0" anchor="ctr"/>
+          <a:lstStyle>
+            <a:lvl1pPr algn="r">
+              <a:defRPr sz="1050">
+                <a:solidFill>
+                  <a:srgbClr val="FFFFFF"/>
+                </a:solidFill>
+              </a:defRPr>
+            </a:lvl1pPr>
+          </a:lstStyle>
+          <a:p>
+            <a:fld id="{2D5587A6-0F28-234D-9116-41BE2E1A2AC2}" type="slidenum">
+              <a:rPr lang="en-US" smtClean="0"/>
+              <a:pPr/>
+              <a:t>‹#›</a:t>
+            </a:fld>
+            <a:endParaRPr lang="en-US" dirty="0"/>
+          </a:p>
+        </p:txBody>
+      </p:sp>
+      <p:cxnSp>
+        <p:nvCxnSpPr>
+          <p:cNvPr id="10" name="Straight Connector 9"/>
+          <p:cNvCxnSpPr/>
+          <p:nvPr/>
+        </p:nvCxnSpPr>
+        <p:spPr>
+          <a:xfrm>
+            <a:off x="1193532" y="1737845"/>
+            <a:ext cx="9966960" cy="0"/>
+          </a:xfrm>
+          <a:prstGeom prst="line">
+            <a:avLst/>
+          </a:prstGeom>
+          <a:ln w="6350">
+            <a:solidFill>
+              <a:schemeClr val="tx1">
+                <a:lumMod val="50000"/>
+                <a:lumOff val="50000"/>
+              </a:schemeClr>
+            </a:solidFill>
+          </a:ln>
+        </p:spPr>
+        <p:style>
+          <a:lnRef idx="1">
+            <a:schemeClr val="accent1"/>
+          </a:lnRef>
+          <a:fillRef idx="0">
+            <a:schemeClr val="accent1"/>
+          </a:fillRef>
+          <a:effectRef idx="0">
+            <a:schemeClr val="accent1"/>
+          </a:effectRef>
+          <a:fontRef idx="minor">
+            <a:schemeClr val="tx1"/>
+          </a:fontRef>
+        </p:style>
+      </p:cxnSp>
       <p:pic>
         <p:nvPicPr>
-          <p:cNvPr id="17" name="Graphic 16">
+          <p:cNvPr id="11" name="Graphic 10">
             <a:extLst>
               <a:ext uri="{FF2B5EF4-FFF2-40B4-BE49-F238E27FC236}">
-                <a16:creationId xmlns:a16="http://schemas.microsoft.com/office/drawing/2014/main" id="{6AE425C8-279E-D14C-A350-756694D4E5A6}"/>
+                <a16:creationId xmlns:a16="http://schemas.microsoft.com/office/drawing/2014/main" id="{356062A7-4A7C-4063-9494-B05175735E87}"/>
               </a:ext>
             </a:extLst>
           </p:cNvPr>
@@ -11270,10 +13641,10 @@
           <p:nvPr userDrawn="1"/>
         </p:nvPicPr>
         <p:blipFill>
-          <a:blip r:embed="rId8">
+          <a:blip r:embed="rId15">
             <a:extLst>
               <a:ext uri="{96DAC541-7B7A-43D3-8B79-37D633B846F1}">
-                <asvg:svgBlip xmlns:asvg="http://schemas.microsoft.com/office/drawing/2016/SVG/main" r:embed="rId9"/>
+                <asvg:svgBlip xmlns:asvg="http://schemas.microsoft.com/office/drawing/2016/SVG/main" r:embed="rId16"/>
               </a:ext>
             </a:extLst>
           </a:blip>
@@ -11293,10 +13664,10 @@
       </p:pic>
       <p:pic>
         <p:nvPicPr>
-          <p:cNvPr id="8" name="Picture 7">
+          <p:cNvPr id="12" name="Picture 11">
             <a:extLst>
               <a:ext uri="{FF2B5EF4-FFF2-40B4-BE49-F238E27FC236}">
-                <a16:creationId xmlns:a16="http://schemas.microsoft.com/office/drawing/2014/main" id="{DFCD7A0B-833F-2348-AFD5-63C91BB6B1C7}"/>
+                <a16:creationId xmlns:a16="http://schemas.microsoft.com/office/drawing/2014/main" id="{5A9182D6-F79C-46B4-ACA0-9F603BF5D3A8}"/>
               </a:ext>
             </a:extLst>
           </p:cNvPr>
@@ -11306,7 +13677,7 @@
           <p:nvPr userDrawn="1"/>
         </p:nvPicPr>
         <p:blipFill>
-          <a:blip r:embed="rId10"/>
+          <a:blip r:embed="rId17"/>
           <a:stretch>
             <a:fillRect/>
           </a:stretch>
@@ -11321,447 +13692,292 @@
           </a:prstGeom>
         </p:spPr>
       </p:pic>
-      <p:sp>
-        <p:nvSpPr>
-          <p:cNvPr id="2" name="Title Placeholder 1">
-            <a:extLst>
-              <a:ext uri="{FF2B5EF4-FFF2-40B4-BE49-F238E27FC236}">
-                <a16:creationId xmlns:a16="http://schemas.microsoft.com/office/drawing/2014/main" id="{6E23A4D2-6AEA-4D4B-A196-57E4312E7AF0}"/>
-              </a:ext>
-            </a:extLst>
-          </p:cNvPr>
-          <p:cNvSpPr>
-            <a:spLocks noGrp="1"/>
-          </p:cNvSpPr>
-          <p:nvPr>
-            <p:ph type="title"/>
-          </p:nvPr>
-        </p:nvSpPr>
-        <p:spPr>
-          <a:xfrm>
-            <a:off x="648000" y="360000"/>
-            <a:ext cx="10078412" cy="864000"/>
-          </a:xfrm>
-          <a:prstGeom prst="rect">
-            <a:avLst/>
-          </a:prstGeom>
-        </p:spPr>
-        <p:txBody>
-          <a:bodyPr vert="horz" lIns="91440" tIns="45720" rIns="91440" bIns="45720" rtlCol="0" anchor="ctr">
-            <a:normAutofit/>
-          </a:bodyPr>
-          <a:lstStyle/>
-          <a:p>
-            <a:r>
-              <a:rPr lang="en-US" dirty="0"/>
-              <a:t>Click to edit Master title style</a:t>
-            </a:r>
-          </a:p>
-        </p:txBody>
-      </p:sp>
-      <p:sp>
-        <p:nvSpPr>
-          <p:cNvPr id="3" name="Text Placeholder 2">
-            <a:extLst>
-              <a:ext uri="{FF2B5EF4-FFF2-40B4-BE49-F238E27FC236}">
-                <a16:creationId xmlns:a16="http://schemas.microsoft.com/office/drawing/2014/main" id="{949EFD75-EDA9-4D48-A65C-1E8AAC9553E1}"/>
-              </a:ext>
-            </a:extLst>
-          </p:cNvPr>
-          <p:cNvSpPr>
-            <a:spLocks noGrp="1"/>
-          </p:cNvSpPr>
-          <p:nvPr>
-            <p:ph type="body" idx="1"/>
-          </p:nvPr>
-        </p:nvSpPr>
-        <p:spPr>
-          <a:xfrm>
-            <a:off x="648000" y="1404000"/>
-            <a:ext cx="10800000" cy="4752000"/>
-          </a:xfrm>
-          <a:prstGeom prst="rect">
-            <a:avLst/>
-          </a:prstGeom>
-        </p:spPr>
-        <p:txBody>
-          <a:bodyPr vert="horz" lIns="91440" tIns="45720" rIns="91440" bIns="45720" rtlCol="0">
-            <a:normAutofit/>
-          </a:bodyPr>
-          <a:lstStyle/>
-          <a:p>
-            <a:pPr lvl="0"/>
-            <a:r>
-              <a:rPr lang="en-US" dirty="0"/>
-              <a:t>Edit Master text styles</a:t>
-            </a:r>
-          </a:p>
-          <a:p>
-            <a:pPr lvl="1"/>
-            <a:r>
-              <a:rPr lang="en-US" dirty="0"/>
-              <a:t>Second level</a:t>
-            </a:r>
-          </a:p>
-          <a:p>
-            <a:pPr lvl="2"/>
-            <a:r>
-              <a:rPr lang="en-US" dirty="0"/>
-              <a:t>Third level</a:t>
-            </a:r>
-          </a:p>
-          <a:p>
-            <a:pPr lvl="3"/>
-            <a:r>
-              <a:rPr lang="en-US" dirty="0"/>
-              <a:t>Fourth level</a:t>
-            </a:r>
-          </a:p>
-          <a:p>
-            <a:pPr lvl="4"/>
-            <a:r>
-              <a:rPr lang="en-US" dirty="0"/>
-              <a:t>Fifth level</a:t>
-            </a:r>
-          </a:p>
-        </p:txBody>
-      </p:sp>
-      <p:sp>
-        <p:nvSpPr>
-          <p:cNvPr id="4" name="Date Placeholder 3">
-            <a:extLst>
-              <a:ext uri="{FF2B5EF4-FFF2-40B4-BE49-F238E27FC236}">
-                <a16:creationId xmlns:a16="http://schemas.microsoft.com/office/drawing/2014/main" id="{88D0CCB4-FEA3-3F47-9B84-5FF4FDC992A2}"/>
-              </a:ext>
-            </a:extLst>
-          </p:cNvPr>
-          <p:cNvSpPr>
-            <a:spLocks noGrp="1"/>
-          </p:cNvSpPr>
-          <p:nvPr>
-            <p:ph type="dt" sz="half" idx="2"/>
-          </p:nvPr>
-        </p:nvSpPr>
-        <p:spPr>
-          <a:xfrm>
-            <a:off x="9288000" y="6336000"/>
-            <a:ext cx="2160000" cy="288000"/>
-          </a:xfrm>
-          <a:prstGeom prst="rect">
-            <a:avLst/>
-          </a:prstGeom>
-        </p:spPr>
-        <p:txBody>
-          <a:bodyPr vert="horz" lIns="91440" tIns="45720" rIns="91440" bIns="45720" rtlCol="0" anchor="ctr"/>
-          <a:lstStyle>
-            <a:lvl1pPr algn="r">
-              <a:defRPr sz="1100">
-                <a:solidFill>
-                  <a:srgbClr val="2C2C2C"/>
-                </a:solidFill>
-                <a:latin typeface="Arial" panose="020B0604020202020204" pitchFamily="34" charset="0"/>
-                <a:ea typeface="Open Sans" panose="020B0606030504020204" pitchFamily="34" charset="0"/>
-                <a:cs typeface="Arial" panose="020B0604020202020204" pitchFamily="34" charset="0"/>
-              </a:defRPr>
-            </a:lvl1pPr>
-          </a:lstStyle>
-          <a:p>
-            <a:fld id="{A0CEF12D-8022-E647-B033-82324AAEB22F}" type="datetime1">
-              <a:rPr lang="en-GB" smtClean="0"/>
-              <a:pPr/>
-              <a:t>24/11/2018</a:t>
-            </a:fld>
-            <a:endParaRPr lang="en-US"/>
-          </a:p>
-        </p:txBody>
-      </p:sp>
-      <p:sp>
-        <p:nvSpPr>
-          <p:cNvPr id="5" name="Footer Placeholder 4">
-            <a:extLst>
-              <a:ext uri="{FF2B5EF4-FFF2-40B4-BE49-F238E27FC236}">
-                <a16:creationId xmlns:a16="http://schemas.microsoft.com/office/drawing/2014/main" id="{A525BCCB-9CF8-3C41-9007-5D7A97003E16}"/>
-              </a:ext>
-            </a:extLst>
-          </p:cNvPr>
-          <p:cNvSpPr>
-            <a:spLocks noGrp="1"/>
-          </p:cNvSpPr>
-          <p:nvPr>
-            <p:ph type="ftr" sz="quarter" idx="3"/>
-          </p:nvPr>
-        </p:nvSpPr>
-        <p:spPr>
-          <a:xfrm>
-            <a:off x="648000" y="6336000"/>
-            <a:ext cx="6480000" cy="288000"/>
-          </a:xfrm>
-          <a:prstGeom prst="rect">
-            <a:avLst/>
-          </a:prstGeom>
-        </p:spPr>
-        <p:txBody>
-          <a:bodyPr vert="horz" lIns="91440" tIns="45720" rIns="91440" bIns="45720" rtlCol="0" anchor="ctr"/>
-          <a:lstStyle>
-            <a:lvl1pPr algn="l">
-              <a:defRPr sz="1100">
-                <a:solidFill>
-                  <a:srgbClr val="2C2C2C"/>
-                </a:solidFill>
-                <a:latin typeface="Arial" panose="020B0604020202020204" pitchFamily="34" charset="0"/>
-                <a:ea typeface="Open Sans" panose="020B0606030504020204" pitchFamily="34" charset="0"/>
-                <a:cs typeface="Arial" panose="020B0604020202020204" pitchFamily="34" charset="0"/>
-              </a:defRPr>
-            </a:lvl1pPr>
-          </a:lstStyle>
-          <a:p>
-            <a:endParaRPr lang="en-US" dirty="0"/>
-          </a:p>
-        </p:txBody>
-      </p:sp>
-      <p:sp>
-        <p:nvSpPr>
-          <p:cNvPr id="6" name="Slide Number Placeholder 5">
-            <a:extLst>
-              <a:ext uri="{FF2B5EF4-FFF2-40B4-BE49-F238E27FC236}">
-                <a16:creationId xmlns:a16="http://schemas.microsoft.com/office/drawing/2014/main" id="{6D0E48E0-D7D3-694B-B72B-F287A0765CDC}"/>
-              </a:ext>
-            </a:extLst>
-          </p:cNvPr>
-          <p:cNvSpPr>
-            <a:spLocks noGrp="1"/>
-          </p:cNvSpPr>
-          <p:nvPr>
-            <p:ph type="sldNum" sz="quarter" idx="4"/>
-          </p:nvPr>
-        </p:nvSpPr>
-        <p:spPr>
-          <a:xfrm>
-            <a:off x="11160000" y="576000"/>
-            <a:ext cx="540000" cy="288032"/>
-          </a:xfrm>
-          <a:prstGeom prst="rect">
-            <a:avLst/>
-          </a:prstGeom>
-        </p:spPr>
-        <p:txBody>
-          <a:bodyPr vert="horz" lIns="91440" tIns="45720" rIns="91440" bIns="45720" rtlCol="0" anchor="ctr"/>
-          <a:lstStyle>
-            <a:lvl1pPr algn="ctr">
-              <a:defRPr sz="1200" b="1">
-                <a:solidFill>
-                  <a:srgbClr val="2C2C2C"/>
-                </a:solidFill>
-                <a:latin typeface="Arial" panose="020B0604020202020204" pitchFamily="34" charset="0"/>
-                <a:ea typeface="Open Sans" panose="020B0606030504020204" pitchFamily="34" charset="0"/>
-                <a:cs typeface="Arial" panose="020B0604020202020204" pitchFamily="34" charset="0"/>
-              </a:defRPr>
-            </a:lvl1pPr>
-          </a:lstStyle>
-          <a:p>
-            <a:fld id="{2D5587A6-0F28-234D-9116-41BE2E1A2AC2}" type="slidenum">
-              <a:rPr lang="en-US" smtClean="0"/>
-              <a:pPr/>
-              <a:t>‹#›</a:t>
-            </a:fld>
-            <a:endParaRPr lang="en-US" dirty="0"/>
-          </a:p>
-        </p:txBody>
-      </p:sp>
     </p:spTree>
     <p:extLst>
       <p:ext uri="{BB962C8B-B14F-4D97-AF65-F5344CB8AC3E}">
-        <p14:creationId xmlns:p14="http://schemas.microsoft.com/office/powerpoint/2010/main" val="872115170"/>
+        <p14:creationId xmlns:p14="http://schemas.microsoft.com/office/powerpoint/2010/main" val="1818837401"/>
       </p:ext>
     </p:extLst>
   </p:cSld>
   <p:clrMap bg1="lt1" tx1="dk1" bg2="lt2" tx2="dk2" accent1="accent1" accent2="accent2" accent3="accent3" accent4="accent4" accent5="accent5" accent6="accent6" hlink="hlink" folHlink="folHlink"/>
   <p:sldLayoutIdLst>
-    <p:sldLayoutId id="2147483649" r:id="rId1"/>
-    <p:sldLayoutId id="2147483659" r:id="rId2"/>
-    <p:sldLayoutId id="2147483650" r:id="rId3"/>
-    <p:sldLayoutId id="2147483661" r:id="rId4"/>
-    <p:sldLayoutId id="2147483654" r:id="rId5"/>
-    <p:sldLayoutId id="2147483660" r:id="rId6"/>
+    <p:sldLayoutId id="2147483663" r:id="rId1"/>
+    <p:sldLayoutId id="2147483664" r:id="rId2"/>
+    <p:sldLayoutId id="2147483665" r:id="rId3"/>
+    <p:sldLayoutId id="2147483666" r:id="rId4"/>
+    <p:sldLayoutId id="2147483667" r:id="rId5"/>
+    <p:sldLayoutId id="2147483668" r:id="rId6"/>
+    <p:sldLayoutId id="2147483669" r:id="rId7"/>
+    <p:sldLayoutId id="2147483670" r:id="rId8"/>
+    <p:sldLayoutId id="2147483671" r:id="rId9"/>
+    <p:sldLayoutId id="2147483672" r:id="rId10"/>
+    <p:sldLayoutId id="2147483673" r:id="rId11"/>
+    <p:sldLayoutId id="2147483674" r:id="rId12"/>
+    <p:sldLayoutId id="2147483660" r:id="rId13"/>
   </p:sldLayoutIdLst>
   <p:hf hdr="0" ftr="0" dt="0"/>
   <p:txStyles>
     <p:titleStyle>
       <a:lvl1pPr algn="l" defTabSz="914400" rtl="0" eaLnBrk="1" latinLnBrk="0" hangingPunct="1">
         <a:lnSpc>
-          <a:spcPct val="100000"/>
+          <a:spcPct val="85000"/>
         </a:lnSpc>
         <a:spcBef>
           <a:spcPct val="0"/>
         </a:spcBef>
         <a:buNone/>
-        <a:defRPr sz="3200" b="0" kern="1200">
+        <a:defRPr sz="4800" kern="1200" spc="-50" baseline="0">
           <a:solidFill>
-            <a:srgbClr val="2C2C2C"/>
+            <a:schemeClr val="tx1">
+              <a:lumMod val="75000"/>
+              <a:lumOff val="25000"/>
+            </a:schemeClr>
           </a:solidFill>
-          <a:latin typeface="Arial" panose="020B0604020202020204" pitchFamily="34" charset="0"/>
-          <a:ea typeface="Open Sans" panose="020B0606030504020204" pitchFamily="34" charset="0"/>
-          <a:cs typeface="Arial" panose="020B0604020202020204" pitchFamily="34" charset="0"/>
+          <a:latin typeface="+mj-lt"/>
+          <a:ea typeface="+mj-ea"/>
+          <a:cs typeface="+mj-cs"/>
         </a:defRPr>
       </a:lvl1pPr>
     </p:titleStyle>
     <p:bodyStyle>
-      <a:lvl1pPr marL="228600" indent="-228600" algn="l" defTabSz="914400" rtl="0" eaLnBrk="1" latinLnBrk="0" hangingPunct="1">
-        <a:lnSpc>
-          <a:spcPct val="140000"/>
-        </a:lnSpc>
-        <a:spcBef>
-          <a:spcPts val="800"/>
-        </a:spcBef>
-        <a:buFont typeface="Arial" panose="020B0604020202020204" pitchFamily="34" charset="0"/>
-        <a:buChar char="•"/>
-        <a:defRPr sz="2000" kern="1200">
-          <a:solidFill>
-            <a:srgbClr val="2C2C2C"/>
-          </a:solidFill>
-          <a:latin typeface="Arial" panose="020B0604020202020204" pitchFamily="34" charset="0"/>
-          <a:ea typeface="Open Sans" panose="020B0606030504020204" pitchFamily="34" charset="0"/>
-          <a:cs typeface="Arial" panose="020B0604020202020204" pitchFamily="34" charset="0"/>
-        </a:defRPr>
-      </a:lvl1pPr>
-      <a:lvl2pPr marL="685800" indent="-228600" algn="l" defTabSz="914400" rtl="0" eaLnBrk="1" latinLnBrk="0" hangingPunct="1">
-        <a:lnSpc>
-          <a:spcPct val="140000"/>
-        </a:lnSpc>
-        <a:spcBef>
-          <a:spcPts val="800"/>
-        </a:spcBef>
-        <a:buFont typeface="Arial" panose="020B0604020202020204" pitchFamily="34" charset="0"/>
-        <a:buChar char="•"/>
-        <a:defRPr sz="1800" kern="1200">
-          <a:solidFill>
-            <a:srgbClr val="2C2C2C"/>
-          </a:solidFill>
-          <a:latin typeface="Arial" panose="020B0604020202020204" pitchFamily="34" charset="0"/>
-          <a:ea typeface="Open Sans" panose="020B0606030504020204" pitchFamily="34" charset="0"/>
-          <a:cs typeface="Arial" panose="020B0604020202020204" pitchFamily="34" charset="0"/>
-        </a:defRPr>
-      </a:lvl2pPr>
-      <a:lvl3pPr marL="1143000" indent="-228600" algn="l" defTabSz="914400" rtl="0" eaLnBrk="1" latinLnBrk="0" hangingPunct="1">
-        <a:lnSpc>
-          <a:spcPct val="140000"/>
-        </a:lnSpc>
-        <a:spcBef>
-          <a:spcPts val="800"/>
-        </a:spcBef>
-        <a:buFont typeface="Arial" panose="020B0604020202020204" pitchFamily="34" charset="0"/>
-        <a:buChar char="•"/>
-        <a:defRPr sz="1800" kern="1200">
-          <a:solidFill>
-            <a:srgbClr val="2C2C2C"/>
-          </a:solidFill>
-          <a:latin typeface="Arial" panose="020B0604020202020204" pitchFamily="34" charset="0"/>
-          <a:ea typeface="Open Sans" panose="020B0606030504020204" pitchFamily="34" charset="0"/>
-          <a:cs typeface="Arial" panose="020B0604020202020204" pitchFamily="34" charset="0"/>
-        </a:defRPr>
-      </a:lvl3pPr>
-      <a:lvl4pPr marL="1600200" indent="-228600" algn="l" defTabSz="914400" rtl="0" eaLnBrk="1" latinLnBrk="0" hangingPunct="1">
-        <a:lnSpc>
-          <a:spcPct val="140000"/>
-        </a:lnSpc>
-        <a:spcBef>
-          <a:spcPts val="800"/>
-        </a:spcBef>
-        <a:buFont typeface="Arial" panose="020B0604020202020204" pitchFamily="34" charset="0"/>
-        <a:buChar char="•"/>
-        <a:defRPr sz="1600" kern="1200">
-          <a:solidFill>
-            <a:srgbClr val="2C2C2C"/>
-          </a:solidFill>
-          <a:latin typeface="Arial" panose="020B0604020202020204" pitchFamily="34" charset="0"/>
-          <a:ea typeface="Open Sans" panose="020B0606030504020204" pitchFamily="34" charset="0"/>
-          <a:cs typeface="Arial" panose="020B0604020202020204" pitchFamily="34" charset="0"/>
-        </a:defRPr>
-      </a:lvl4pPr>
-      <a:lvl5pPr marL="2057400" indent="-228600" algn="l" defTabSz="914400" rtl="0" eaLnBrk="1" latinLnBrk="0" hangingPunct="1">
-        <a:lnSpc>
-          <a:spcPct val="140000"/>
-        </a:lnSpc>
-        <a:spcBef>
-          <a:spcPts val="800"/>
-        </a:spcBef>
-        <a:buFont typeface="Arial" panose="020B0604020202020204" pitchFamily="34" charset="0"/>
-        <a:buChar char="•"/>
-        <a:defRPr sz="1600" kern="1200">
-          <a:solidFill>
-            <a:srgbClr val="2C2C2C"/>
-          </a:solidFill>
-          <a:latin typeface="Arial" panose="020B0604020202020204" pitchFamily="34" charset="0"/>
-          <a:ea typeface="Open Sans" panose="020B0606030504020204" pitchFamily="34" charset="0"/>
-          <a:cs typeface="Arial" panose="020B0604020202020204" pitchFamily="34" charset="0"/>
-        </a:defRPr>
-      </a:lvl5pPr>
-      <a:lvl6pPr marL="2514600" indent="-228600" algn="l" defTabSz="914400" rtl="0" eaLnBrk="1" latinLnBrk="0" hangingPunct="1">
+      <a:lvl1pPr marL="91440" indent="-91440" algn="l" defTabSz="914400" rtl="0" eaLnBrk="1" latinLnBrk="0" hangingPunct="1">
         <a:lnSpc>
           <a:spcPct val="90000"/>
         </a:lnSpc>
         <a:spcBef>
-          <a:spcPts val="500"/>
+          <a:spcPts val="1200"/>
         </a:spcBef>
-        <a:buFont typeface="Arial" panose="020B0604020202020204" pitchFamily="34" charset="0"/>
-        <a:buChar char="•"/>
+        <a:spcAft>
+          <a:spcPts val="200"/>
+        </a:spcAft>
+        <a:buClr>
+          <a:schemeClr val="accent1"/>
+        </a:buClr>
+        <a:buSzPct val="100000"/>
+        <a:buFont typeface="Calibri" panose="020F0502020204030204" pitchFamily="34" charset="0"/>
+        <a:buChar char=" "/>
+        <a:defRPr sz="2000" kern="1200">
+          <a:solidFill>
+            <a:schemeClr val="tx1">
+              <a:lumMod val="75000"/>
+              <a:lumOff val="25000"/>
+            </a:schemeClr>
+          </a:solidFill>
+          <a:latin typeface="+mn-lt"/>
+          <a:ea typeface="+mn-ea"/>
+          <a:cs typeface="+mn-cs"/>
+        </a:defRPr>
+      </a:lvl1pPr>
+      <a:lvl2pPr marL="384048" indent="-182880" algn="l" defTabSz="914400" rtl="0" eaLnBrk="1" latinLnBrk="0" hangingPunct="1">
+        <a:lnSpc>
+          <a:spcPct val="90000"/>
+        </a:lnSpc>
+        <a:spcBef>
+          <a:spcPts val="200"/>
+        </a:spcBef>
+        <a:spcAft>
+          <a:spcPts val="400"/>
+        </a:spcAft>
+        <a:buClr>
+          <a:schemeClr val="accent1"/>
+        </a:buClr>
+        <a:buFont typeface="Calibri" pitchFamily="34" charset="0"/>
+        <a:buChar char="◦"/>
         <a:defRPr sz="1800" kern="1200">
           <a:solidFill>
-            <a:schemeClr val="tx1"/>
+            <a:schemeClr val="tx1">
+              <a:lumMod val="75000"/>
+              <a:lumOff val="25000"/>
+            </a:schemeClr>
+          </a:solidFill>
+          <a:latin typeface="+mn-lt"/>
+          <a:ea typeface="+mn-ea"/>
+          <a:cs typeface="+mn-cs"/>
+        </a:defRPr>
+      </a:lvl2pPr>
+      <a:lvl3pPr marL="566928" indent="-182880" algn="l" defTabSz="914400" rtl="0" eaLnBrk="1" latinLnBrk="0" hangingPunct="1">
+        <a:lnSpc>
+          <a:spcPct val="90000"/>
+        </a:lnSpc>
+        <a:spcBef>
+          <a:spcPts val="200"/>
+        </a:spcBef>
+        <a:spcAft>
+          <a:spcPts val="400"/>
+        </a:spcAft>
+        <a:buClr>
+          <a:schemeClr val="accent1"/>
+        </a:buClr>
+        <a:buFont typeface="Calibri" pitchFamily="34" charset="0"/>
+        <a:buChar char="◦"/>
+        <a:defRPr sz="1400" kern="1200">
+          <a:solidFill>
+            <a:schemeClr val="tx1">
+              <a:lumMod val="75000"/>
+              <a:lumOff val="25000"/>
+            </a:schemeClr>
+          </a:solidFill>
+          <a:latin typeface="+mn-lt"/>
+          <a:ea typeface="+mn-ea"/>
+          <a:cs typeface="+mn-cs"/>
+        </a:defRPr>
+      </a:lvl3pPr>
+      <a:lvl4pPr marL="749808" indent="-182880" algn="l" defTabSz="914400" rtl="0" eaLnBrk="1" latinLnBrk="0" hangingPunct="1">
+        <a:lnSpc>
+          <a:spcPct val="90000"/>
+        </a:lnSpc>
+        <a:spcBef>
+          <a:spcPts val="200"/>
+        </a:spcBef>
+        <a:spcAft>
+          <a:spcPts val="400"/>
+        </a:spcAft>
+        <a:buClr>
+          <a:schemeClr val="accent1"/>
+        </a:buClr>
+        <a:buFont typeface="Calibri" pitchFamily="34" charset="0"/>
+        <a:buChar char="◦"/>
+        <a:defRPr sz="1400" kern="1200">
+          <a:solidFill>
+            <a:schemeClr val="tx1">
+              <a:lumMod val="75000"/>
+              <a:lumOff val="25000"/>
+            </a:schemeClr>
+          </a:solidFill>
+          <a:latin typeface="+mn-lt"/>
+          <a:ea typeface="+mn-ea"/>
+          <a:cs typeface="+mn-cs"/>
+        </a:defRPr>
+      </a:lvl4pPr>
+      <a:lvl5pPr marL="932688" indent="-182880" algn="l" defTabSz="914400" rtl="0" eaLnBrk="1" latinLnBrk="0" hangingPunct="1">
+        <a:lnSpc>
+          <a:spcPct val="90000"/>
+        </a:lnSpc>
+        <a:spcBef>
+          <a:spcPts val="200"/>
+        </a:spcBef>
+        <a:spcAft>
+          <a:spcPts val="400"/>
+        </a:spcAft>
+        <a:buClr>
+          <a:schemeClr val="accent1"/>
+        </a:buClr>
+        <a:buFont typeface="Calibri" pitchFamily="34" charset="0"/>
+        <a:buChar char="◦"/>
+        <a:defRPr sz="1400" kern="1200">
+          <a:solidFill>
+            <a:schemeClr val="tx1">
+              <a:lumMod val="75000"/>
+              <a:lumOff val="25000"/>
+            </a:schemeClr>
+          </a:solidFill>
+          <a:latin typeface="+mn-lt"/>
+          <a:ea typeface="+mn-ea"/>
+          <a:cs typeface="+mn-cs"/>
+        </a:defRPr>
+      </a:lvl5pPr>
+      <a:lvl6pPr marL="1100000" indent="-228600" algn="l" defTabSz="914400" rtl="0" eaLnBrk="1" latinLnBrk="0" hangingPunct="1">
+        <a:lnSpc>
+          <a:spcPct val="90000"/>
+        </a:lnSpc>
+        <a:spcBef>
+          <a:spcPts val="200"/>
+        </a:spcBef>
+        <a:spcAft>
+          <a:spcPts val="400"/>
+        </a:spcAft>
+        <a:buClr>
+          <a:schemeClr val="accent1"/>
+        </a:buClr>
+        <a:buFont typeface="Calibri" pitchFamily="34" charset="0"/>
+        <a:buChar char="◦"/>
+        <a:defRPr sz="1400" kern="1200">
+          <a:solidFill>
+            <a:schemeClr val="tx1">
+              <a:lumMod val="75000"/>
+              <a:lumOff val="25000"/>
+            </a:schemeClr>
           </a:solidFill>
           <a:latin typeface="+mn-lt"/>
           <a:ea typeface="+mn-ea"/>
           <a:cs typeface="+mn-cs"/>
         </a:defRPr>
       </a:lvl6pPr>
-      <a:lvl7pPr marL="2971800" indent="-228600" algn="l" defTabSz="914400" rtl="0" eaLnBrk="1" latinLnBrk="0" hangingPunct="1">
+      <a:lvl7pPr marL="1300000" indent="-228600" algn="l" defTabSz="914400" rtl="0" eaLnBrk="1" latinLnBrk="0" hangingPunct="1">
         <a:lnSpc>
           <a:spcPct val="90000"/>
         </a:lnSpc>
         <a:spcBef>
-          <a:spcPts val="500"/>
+          <a:spcPts val="200"/>
         </a:spcBef>
-        <a:buFont typeface="Arial" panose="020B0604020202020204" pitchFamily="34" charset="0"/>
-        <a:buChar char="•"/>
-        <a:defRPr sz="1800" kern="1200">
+        <a:spcAft>
+          <a:spcPts val="400"/>
+        </a:spcAft>
+        <a:buClr>
+          <a:schemeClr val="accent1"/>
+        </a:buClr>
+        <a:buFont typeface="Calibri" pitchFamily="34" charset="0"/>
+        <a:buChar char="◦"/>
+        <a:defRPr sz="1400" kern="1200">
           <a:solidFill>
-            <a:schemeClr val="tx1"/>
+            <a:schemeClr val="tx1">
+              <a:lumMod val="75000"/>
+              <a:lumOff val="25000"/>
+            </a:schemeClr>
           </a:solidFill>
           <a:latin typeface="+mn-lt"/>
           <a:ea typeface="+mn-ea"/>
           <a:cs typeface="+mn-cs"/>
         </a:defRPr>
       </a:lvl7pPr>
-      <a:lvl8pPr marL="3429000" indent="-228600" algn="l" defTabSz="914400" rtl="0" eaLnBrk="1" latinLnBrk="0" hangingPunct="1">
+      <a:lvl8pPr marL="1500000" indent="-228600" algn="l" defTabSz="914400" rtl="0" eaLnBrk="1" latinLnBrk="0" hangingPunct="1">
         <a:lnSpc>
           <a:spcPct val="90000"/>
         </a:lnSpc>
         <a:spcBef>
-          <a:spcPts val="500"/>
+          <a:spcPts val="200"/>
         </a:spcBef>
-        <a:buFont typeface="Arial" panose="020B0604020202020204" pitchFamily="34" charset="0"/>
-        <a:buChar char="•"/>
-        <a:defRPr sz="1800" kern="1200">
+        <a:spcAft>
+          <a:spcPts val="400"/>
+        </a:spcAft>
+        <a:buClr>
+          <a:schemeClr val="accent1"/>
+        </a:buClr>
+        <a:buFont typeface="Calibri" pitchFamily="34" charset="0"/>
+        <a:buChar char="◦"/>
+        <a:defRPr sz="1400" kern="1200">
           <a:solidFill>
-            <a:schemeClr val="tx1"/>
+            <a:schemeClr val="tx1">
+              <a:lumMod val="75000"/>
+              <a:lumOff val="25000"/>
+            </a:schemeClr>
           </a:solidFill>
           <a:latin typeface="+mn-lt"/>
           <a:ea typeface="+mn-ea"/>
           <a:cs typeface="+mn-cs"/>
         </a:defRPr>
       </a:lvl8pPr>
-      <a:lvl9pPr marL="3886200" indent="-228600" algn="l" defTabSz="914400" rtl="0" eaLnBrk="1" latinLnBrk="0" hangingPunct="1">
+      <a:lvl9pPr marL="1700000" indent="-228600" algn="l" defTabSz="914400" rtl="0" eaLnBrk="1" latinLnBrk="0" hangingPunct="1">
         <a:lnSpc>
           <a:spcPct val="90000"/>
         </a:lnSpc>
         <a:spcBef>
-          <a:spcPts val="500"/>
+          <a:spcPts val="200"/>
         </a:spcBef>
-        <a:buFont typeface="Arial" panose="020B0604020202020204" pitchFamily="34" charset="0"/>
-        <a:buChar char="•"/>
-        <a:defRPr sz="1800" kern="1200">
+        <a:spcAft>
+          <a:spcPts val="400"/>
+        </a:spcAft>
+        <a:buClr>
+          <a:schemeClr val="accent1"/>
+        </a:buClr>
+        <a:buFont typeface="Calibri" pitchFamily="34" charset="0"/>
+        <a:buChar char="◦"/>
+        <a:defRPr sz="1400" kern="1200">
           <a:solidFill>
-            <a:schemeClr val="tx1"/>
+            <a:schemeClr val="tx1">
+              <a:lumMod val="75000"/>
+              <a:lumOff val="25000"/>
+            </a:schemeClr>
           </a:solidFill>
           <a:latin typeface="+mn-lt"/>
           <a:ea typeface="+mn-ea"/>
@@ -11865,7 +14081,7 @@
       </a:lvl9pPr>
     </p:otherStyle>
   </p:txStyles>
-  <p:extLst mod="1">
+  <p:extLst>
     <p:ext uri="{27BBF7A9-308A-43DC-89C8-2F10F3537804}">
       <p15:sldGuideLst xmlns:p15="http://schemas.microsoft.com/office/powerpoint/2012/main"/>
     </p:ext>
@@ -11938,7 +14154,7 @@
             <a:spLocks noGrp="1"/>
           </p:cNvSpPr>
           <p:nvPr>
-            <p:ph type="sldNum" sz="quarter" idx="4"/>
+            <p:ph type="sldNum" sz="quarter" idx="12"/>
           </p:nvPr>
         </p:nvSpPr>
         <p:spPr/>
@@ -12042,7 +14258,7 @@
         <p:spPr>
           <a:xfrm>
             <a:off x="5641336" y="2553015"/>
-            <a:ext cx="5946497" cy="3324257"/>
+            <a:ext cx="4389129" cy="2453645"/>
           </a:xfrm>
         </p:spPr>
       </p:pic>
@@ -12094,8 +14310,8 @@
         </p:nvSpPr>
         <p:spPr>
           <a:xfrm>
-            <a:off x="647998" y="1404000"/>
-            <a:ext cx="4727922" cy="4752000"/>
+            <a:off x="647998" y="2132856"/>
+            <a:ext cx="4727922" cy="4023144"/>
           </a:xfrm>
         </p:spPr>
         <p:txBody>
@@ -12108,7 +14324,11 @@
             </a:pPr>
             <a:r>
               <a:rPr lang="en-US" dirty="0"/>
-              <a:t>Used in machine learning and scientific computing</a:t>
+              <a:t>Used in machine </a:t>
+            </a:r>
+            <a:r>
+              <a:rPr lang="en-US" b="1" dirty="0"/>
+              <a:t>learning and scientific computing</a:t>
             </a:r>
           </a:p>
           <a:p>
@@ -12117,8 +14337,12 @@
               <a:buChar char="•"/>
             </a:pPr>
             <a:r>
+              <a:rPr lang="en-US" b="1" dirty="0"/>
+              <a:t>Can represent a sca</a:t>
+            </a:r>
+            <a:r>
               <a:rPr lang="en-US" dirty="0"/>
-              <a:t>Can represent a scalar, a vector, or a matrix</a:t>
+              <a:t>lar, a vector, or a matrix</a:t>
             </a:r>
           </a:p>
           <a:p>
@@ -12259,7 +14483,7 @@
             <a:spLocks noGrp="1"/>
           </p:cNvSpPr>
           <p:nvPr>
-            <p:ph type="sldNum" sz="quarter" idx="4"/>
+            <p:ph type="sldNum" sz="quarter" idx="12"/>
           </p:nvPr>
         </p:nvSpPr>
         <p:spPr/>
@@ -12507,7 +14731,12 @@
             <p:ph type="body" sz="half" idx="2"/>
           </p:nvPr>
         </p:nvSpPr>
-        <p:spPr/>
+        <p:spPr>
+          <a:xfrm>
+            <a:off x="647999" y="2420888"/>
+            <a:ext cx="3312000" cy="3735112"/>
+          </a:xfrm>
+        </p:spPr>
         <p:txBody>
           <a:bodyPr/>
           <a:lstStyle/>
@@ -12628,12 +14857,17 @@
             <p:ph idx="1"/>
           </p:nvPr>
         </p:nvSpPr>
-        <p:spPr/>
+        <p:spPr>
+          <a:xfrm>
+            <a:off x="4223792" y="1916832"/>
+            <a:ext cx="7224208" cy="4239168"/>
+          </a:xfrm>
+        </p:spPr>
         <p:txBody>
           <a:bodyPr/>
           <a:lstStyle/>
           <a:p>
-            <a:endParaRPr lang="en-US"/>
+            <a:endParaRPr lang="en-US" dirty="0"/>
           </a:p>
         </p:txBody>
       </p:sp>
@@ -12683,12 +14917,17 @@
             <p:ph type="body" sz="half" idx="2"/>
           </p:nvPr>
         </p:nvSpPr>
-        <p:spPr/>
+        <p:spPr>
+          <a:xfrm>
+            <a:off x="647999" y="1916832"/>
+            <a:ext cx="3312000" cy="4239168"/>
+          </a:xfrm>
+        </p:spPr>
         <p:txBody>
           <a:bodyPr/>
           <a:lstStyle/>
           <a:p>
-            <a:endParaRPr lang="en-US"/>
+            <a:endParaRPr lang="en-US" dirty="0"/>
           </a:p>
         </p:txBody>
       </p:sp>
@@ -12880,8 +15119,8 @@
         </p:nvSpPr>
         <p:spPr>
           <a:xfrm>
-            <a:off x="648000" y="1404000"/>
-            <a:ext cx="10800000" cy="2313032"/>
+            <a:off x="648000" y="1988840"/>
+            <a:ext cx="10800000" cy="1728192"/>
           </a:xfrm>
         </p:spPr>
         <p:txBody>
@@ -12934,7 +15173,7 @@
             <a:spLocks noGrp="1"/>
           </p:cNvSpPr>
           <p:nvPr>
-            <p:ph type="sldNum" sz="quarter" idx="4"/>
+            <p:ph type="sldNum" sz="quarter" idx="12"/>
           </p:nvPr>
         </p:nvSpPr>
         <p:spPr/>
@@ -13903,38 +16142,8 @@
           <a:p>
             <a:r>
               <a:rPr lang="en-US" dirty="0"/>
-              <a:t>Advantages/Disadvantages of One-Hot Encoding</a:t>
-            </a:r>
-          </a:p>
-        </p:txBody>
-      </p:sp>
-      <p:sp>
-        <p:nvSpPr>
-          <p:cNvPr id="4" name="Slide Number Placeholder 3">
-            <a:extLst>
-              <a:ext uri="{FF2B5EF4-FFF2-40B4-BE49-F238E27FC236}">
-                <a16:creationId xmlns:a16="http://schemas.microsoft.com/office/drawing/2014/main" id="{77124346-141A-47B5-98B7-18DE60693C80}"/>
-              </a:ext>
-            </a:extLst>
-          </p:cNvPr>
-          <p:cNvSpPr>
-            <a:spLocks noGrp="1"/>
-          </p:cNvSpPr>
-          <p:nvPr>
-            <p:ph type="sldNum" sz="quarter" idx="4"/>
-          </p:nvPr>
-        </p:nvSpPr>
-        <p:spPr/>
-        <p:txBody>
-          <a:bodyPr/>
-          <a:lstStyle/>
-          <a:p>
-            <a:fld id="{2D5587A6-0F28-234D-9116-41BE2E1A2AC2}" type="slidenum">
-              <a:rPr lang="en-US" smtClean="0"/>
-              <a:pPr/>
-              <a:t>17</a:t>
-            </a:fld>
-            <a:endParaRPr lang="en-US" dirty="0"/>
+              <a:t>One-Hot Encoding</a:t>
+            </a:r>
           </a:p>
         </p:txBody>
       </p:sp>
@@ -13956,30 +16165,110 @@
         </p:nvSpPr>
         <p:spPr>
           <a:xfrm>
-            <a:off x="648000" y="4581128"/>
+            <a:off x="726480" y="4884913"/>
             <a:ext cx="10800000" cy="1574872"/>
           </a:xfrm>
         </p:spPr>
         <p:txBody>
+          <a:bodyPr>
+            <a:normAutofit lnSpcReduction="10000"/>
+          </a:bodyPr>
+          <a:lstStyle/>
+          <a:p>
+            <a:pPr marL="228600" indent="-228600">
+              <a:lnSpc>
+                <a:spcPct val="140000"/>
+              </a:lnSpc>
+              <a:spcBef>
+                <a:spcPts val="800"/>
+              </a:spcBef>
+              <a:buFont typeface="Arial" panose="020B0604020202020204" pitchFamily="34" charset="0"/>
+              <a:buChar char="•"/>
+            </a:pPr>
+            <a:r>
+              <a:rPr lang="en-US" dirty="0">
+                <a:solidFill>
+                  <a:srgbClr val="2C2C2C"/>
+                </a:solidFill>
+                <a:latin typeface="Arial" panose="020B0604020202020204" pitchFamily="34" charset="0"/>
+                <a:cs typeface="Arial" panose="020B0604020202020204" pitchFamily="34" charset="0"/>
+              </a:rPr>
+              <a:t>Uses lots of memory to represent a word or character </a:t>
+            </a:r>
+          </a:p>
+          <a:p>
+            <a:pPr marL="228600" indent="-228600">
+              <a:lnSpc>
+                <a:spcPct val="140000"/>
+              </a:lnSpc>
+              <a:spcBef>
+                <a:spcPts val="800"/>
+              </a:spcBef>
+              <a:buFont typeface="Arial" panose="020B0604020202020204" pitchFamily="34" charset="0"/>
+              <a:buChar char="•"/>
+            </a:pPr>
+            <a:r>
+              <a:rPr lang="en-US" dirty="0">
+                <a:solidFill>
+                  <a:srgbClr val="2C2C2C"/>
+                </a:solidFill>
+                <a:latin typeface="Arial" panose="020B0604020202020204" pitchFamily="34" charset="0"/>
+                <a:cs typeface="Arial" panose="020B0604020202020204" pitchFamily="34" charset="0"/>
+              </a:rPr>
+              <a:t>One-Hot vectors are sparse and high dimensional</a:t>
+            </a:r>
+          </a:p>
+          <a:p>
+            <a:pPr marL="228600" indent="-228600">
+              <a:lnSpc>
+                <a:spcPct val="140000"/>
+              </a:lnSpc>
+              <a:spcBef>
+                <a:spcPts val="800"/>
+              </a:spcBef>
+              <a:buFont typeface="Arial" panose="020B0604020202020204" pitchFamily="34" charset="0"/>
+              <a:buChar char="•"/>
+            </a:pPr>
+            <a:r>
+              <a:rPr lang="en-US" dirty="0">
+                <a:solidFill>
+                  <a:srgbClr val="2C2C2C"/>
+                </a:solidFill>
+                <a:latin typeface="Arial" panose="020B0604020202020204" pitchFamily="34" charset="0"/>
+                <a:cs typeface="Arial" panose="020B0604020202020204" pitchFamily="34" charset="0"/>
+              </a:rPr>
+              <a:t>Does not encode correlation among values</a:t>
+            </a:r>
+          </a:p>
+        </p:txBody>
+      </p:sp>
+      <p:sp>
+        <p:nvSpPr>
+          <p:cNvPr id="4" name="Slide Number Placeholder 3">
+            <a:extLst>
+              <a:ext uri="{FF2B5EF4-FFF2-40B4-BE49-F238E27FC236}">
+                <a16:creationId xmlns:a16="http://schemas.microsoft.com/office/drawing/2014/main" id="{77124346-141A-47B5-98B7-18DE60693C80}"/>
+              </a:ext>
+            </a:extLst>
+          </p:cNvPr>
+          <p:cNvSpPr>
+            <a:spLocks noGrp="1"/>
+          </p:cNvSpPr>
+          <p:nvPr>
+            <p:ph type="sldNum" sz="quarter" idx="12"/>
+          </p:nvPr>
+        </p:nvSpPr>
+        <p:spPr/>
+        <p:txBody>
           <a:bodyPr/>
           <a:lstStyle/>
           <a:p>
-            <a:r>
-              <a:rPr lang="en-US" dirty="0"/>
-              <a:t>Uses lots of memory to represent a word or character </a:t>
-            </a:r>
-          </a:p>
-          <a:p>
-            <a:r>
-              <a:rPr lang="en-US" dirty="0"/>
-              <a:t>One-Hot vectors are sparse and high dimensional</a:t>
-            </a:r>
-          </a:p>
-          <a:p>
-            <a:r>
-              <a:rPr lang="en-US" dirty="0"/>
-              <a:t>Does not encode correlation among values</a:t>
-            </a:r>
+            <a:fld id="{2D5587A6-0F28-234D-9116-41BE2E1A2AC2}" type="slidenum">
+              <a:rPr lang="en-US" smtClean="0"/>
+              <a:pPr/>
+              <a:t>17</a:t>
+            </a:fld>
+            <a:endParaRPr lang="en-US" dirty="0"/>
           </a:p>
         </p:txBody>
       </p:sp>
@@ -13999,7 +16288,7 @@
         </p:nvSpPr>
         <p:spPr>
           <a:xfrm>
-            <a:off x="606808" y="2142232"/>
+            <a:off x="606808" y="2401371"/>
             <a:ext cx="10800000" cy="2078928"/>
           </a:xfrm>
           <a:prstGeom prst="rect">
@@ -14175,20 +16464,53 @@
             </a:lvl9pPr>
           </a:lstStyle>
           <a:p>
-            <a:r>
-              <a:rPr lang="en-US" dirty="0"/>
+            <a:pPr>
+              <a:spcAft>
+                <a:spcPts val="200"/>
+              </a:spcAft>
+              <a:buClr>
+                <a:schemeClr val="accent1"/>
+              </a:buClr>
+              <a:buSzPct val="100000"/>
+            </a:pPr>
+            <a:r>
+              <a:rPr lang="en-US" dirty="0">
+                <a:ea typeface="+mn-ea"/>
+              </a:rPr>
               <a:t>Straightforward to implement and easy for Machine Learning Algorithms to process</a:t>
             </a:r>
           </a:p>
           <a:p>
-            <a:r>
-              <a:rPr lang="en-US" dirty="0"/>
+            <a:pPr>
+              <a:spcAft>
+                <a:spcPts val="200"/>
+              </a:spcAft>
+              <a:buClr>
+                <a:schemeClr val="accent1"/>
+              </a:buClr>
+              <a:buSzPct val="100000"/>
+            </a:pPr>
+            <a:r>
+              <a:rPr lang="en-US" dirty="0">
+                <a:ea typeface="+mn-ea"/>
+              </a:rPr>
               <a:t>Certain operations are extremely fast e.g. Apple != Orange</a:t>
             </a:r>
           </a:p>
           <a:p>
-            <a:r>
-              <a:rPr lang="en-US" dirty="0"/>
+            <a:pPr>
+              <a:spcAft>
+                <a:spcPts val="200"/>
+              </a:spcAft>
+              <a:buClr>
+                <a:schemeClr val="accent1"/>
+              </a:buClr>
+              <a:buSzPct val="100000"/>
+            </a:pPr>
+            <a:r>
+              <a:rPr lang="en-US" dirty="0">
+                <a:ea typeface="+mn-ea"/>
+              </a:rPr>
               <a:t>Automatically Scales Values between 0 and 1</a:t>
             </a:r>
           </a:p>
@@ -14208,7 +16530,7 @@
         </p:nvSpPr>
         <p:spPr>
           <a:xfrm>
-            <a:off x="911424" y="1412776"/>
+            <a:off x="887344" y="1816596"/>
             <a:ext cx="5688632" cy="584775"/>
           </a:xfrm>
           <a:prstGeom prst="rect">
@@ -14247,7 +16569,7 @@
         </p:nvSpPr>
         <p:spPr>
           <a:xfrm>
-            <a:off x="911424" y="3928772"/>
+            <a:off x="855768" y="4304898"/>
             <a:ext cx="5688632" cy="584775"/>
           </a:xfrm>
           <a:prstGeom prst="rect">
@@ -14799,7 +17121,7 @@
             <a:spLocks noGrp="1"/>
           </p:cNvSpPr>
           <p:nvPr>
-            <p:ph type="sldNum" sz="quarter" idx="4"/>
+            <p:ph type="sldNum" sz="quarter" idx="12"/>
           </p:nvPr>
         </p:nvSpPr>
         <p:spPr/>
@@ -15070,6 +17392,1561 @@
           <p:cNvPr id="2" name="Title 1">
             <a:extLst>
               <a:ext uri="{FF2B5EF4-FFF2-40B4-BE49-F238E27FC236}">
+                <a16:creationId xmlns:a16="http://schemas.microsoft.com/office/drawing/2014/main" id="{248CABB8-4624-452B-8068-01BC61A971F3}"/>
+              </a:ext>
+            </a:extLst>
+          </p:cNvPr>
+          <p:cNvSpPr>
+            <a:spLocks noGrp="1"/>
+          </p:cNvSpPr>
+          <p:nvPr>
+            <p:ph type="title"/>
+          </p:nvPr>
+        </p:nvSpPr>
+        <p:spPr/>
+        <p:txBody>
+          <a:bodyPr/>
+          <a:lstStyle/>
+          <a:p>
+            <a:r>
+              <a:rPr lang="en-US" dirty="0"/>
+              <a:t>Word Embeddings</a:t>
+            </a:r>
+          </a:p>
+        </p:txBody>
+      </p:sp>
+      <p:pic>
+        <p:nvPicPr>
+          <p:cNvPr id="6" name="Content Placeholder 5">
+            <a:extLst>
+              <a:ext uri="{FF2B5EF4-FFF2-40B4-BE49-F238E27FC236}">
+                <a16:creationId xmlns:a16="http://schemas.microsoft.com/office/drawing/2014/main" id="{371454AD-3A95-443C-A96F-CFA3EA9C566B}"/>
+              </a:ext>
+            </a:extLst>
+          </p:cNvPr>
+          <p:cNvPicPr>
+            <a:picLocks noGrp="1" noChangeAspect="1"/>
+          </p:cNvPicPr>
+          <p:nvPr>
+            <p:ph idx="1"/>
+          </p:nvPr>
+        </p:nvPicPr>
+        <p:blipFill>
+          <a:blip r:embed="rId2"/>
+          <a:stretch>
+            <a:fillRect/>
+          </a:stretch>
+        </p:blipFill>
+        <p:spPr>
+          <a:xfrm>
+            <a:off x="5758225" y="2561579"/>
+            <a:ext cx="5750159" cy="2750848"/>
+          </a:xfrm>
+        </p:spPr>
+      </p:pic>
+      <p:sp>
+        <p:nvSpPr>
+          <p:cNvPr id="4" name="Slide Number Placeholder 3">
+            <a:extLst>
+              <a:ext uri="{FF2B5EF4-FFF2-40B4-BE49-F238E27FC236}">
+                <a16:creationId xmlns:a16="http://schemas.microsoft.com/office/drawing/2014/main" id="{6BF22089-2FF7-44DF-8E64-F3B57A101B20}"/>
+              </a:ext>
+            </a:extLst>
+          </p:cNvPr>
+          <p:cNvSpPr>
+            <a:spLocks noGrp="1"/>
+          </p:cNvSpPr>
+          <p:nvPr>
+            <p:ph type="sldNum" sz="quarter" idx="12"/>
+          </p:nvPr>
+        </p:nvSpPr>
+        <p:spPr/>
+        <p:txBody>
+          <a:bodyPr/>
+          <a:lstStyle/>
+          <a:p>
+            <a:fld id="{2D5587A6-0F28-234D-9116-41BE2E1A2AC2}" type="slidenum">
+              <a:rPr lang="en-US" smtClean="0"/>
+              <a:pPr/>
+              <a:t>20</a:t>
+            </a:fld>
+            <a:endParaRPr lang="en-US" dirty="0"/>
+          </a:p>
+        </p:txBody>
+      </p:sp>
+      <p:sp>
+        <p:nvSpPr>
+          <p:cNvPr id="8" name="Content Placeholder 5">
+            <a:extLst>
+              <a:ext uri="{FF2B5EF4-FFF2-40B4-BE49-F238E27FC236}">
+                <a16:creationId xmlns:a16="http://schemas.microsoft.com/office/drawing/2014/main" id="{5885DDF8-6D0F-43BD-A7E4-AB9BD3187898}"/>
+              </a:ext>
+            </a:extLst>
+          </p:cNvPr>
+          <p:cNvSpPr txBox="1">
+            <a:spLocks/>
+          </p:cNvSpPr>
+          <p:nvPr/>
+        </p:nvSpPr>
+        <p:spPr>
+          <a:xfrm>
+            <a:off x="606808" y="2401370"/>
+            <a:ext cx="4841120" cy="3763934"/>
+          </a:xfrm>
+          <a:prstGeom prst="rect">
+            <a:avLst/>
+          </a:prstGeom>
+        </p:spPr>
+        <p:txBody>
+          <a:bodyPr vert="horz" lIns="91440" tIns="45720" rIns="91440" bIns="45720" rtlCol="0">
+            <a:normAutofit fontScale="92500" lnSpcReduction="20000"/>
+          </a:bodyPr>
+          <a:lstStyle>
+            <a:lvl1pPr marL="228600" indent="-228600" algn="l" defTabSz="914400" rtl="0" eaLnBrk="1" latinLnBrk="0" hangingPunct="1">
+              <a:lnSpc>
+                <a:spcPct val="140000"/>
+              </a:lnSpc>
+              <a:spcBef>
+                <a:spcPts val="800"/>
+              </a:spcBef>
+              <a:buFont typeface="Arial" panose="020B0604020202020204" pitchFamily="34" charset="0"/>
+              <a:buChar char="•"/>
+              <a:defRPr sz="2000" kern="1200">
+                <a:solidFill>
+                  <a:srgbClr val="2C2C2C"/>
+                </a:solidFill>
+                <a:latin typeface="Arial" panose="020B0604020202020204" pitchFamily="34" charset="0"/>
+                <a:ea typeface="Open Sans" panose="020B0606030504020204" pitchFamily="34" charset="0"/>
+                <a:cs typeface="Arial" panose="020B0604020202020204" pitchFamily="34" charset="0"/>
+              </a:defRPr>
+            </a:lvl1pPr>
+            <a:lvl2pPr marL="685800" indent="-228600" algn="l" defTabSz="914400" rtl="0" eaLnBrk="1" latinLnBrk="0" hangingPunct="1">
+              <a:lnSpc>
+                <a:spcPct val="140000"/>
+              </a:lnSpc>
+              <a:spcBef>
+                <a:spcPts val="800"/>
+              </a:spcBef>
+              <a:buFont typeface="Arial" panose="020B0604020202020204" pitchFamily="34" charset="0"/>
+              <a:buChar char="•"/>
+              <a:defRPr sz="1800" kern="1200">
+                <a:solidFill>
+                  <a:srgbClr val="2C2C2C"/>
+                </a:solidFill>
+                <a:latin typeface="Arial" panose="020B0604020202020204" pitchFamily="34" charset="0"/>
+                <a:ea typeface="Open Sans" panose="020B0606030504020204" pitchFamily="34" charset="0"/>
+                <a:cs typeface="Arial" panose="020B0604020202020204" pitchFamily="34" charset="0"/>
+              </a:defRPr>
+            </a:lvl2pPr>
+            <a:lvl3pPr marL="1143000" indent="-228600" algn="l" defTabSz="914400" rtl="0" eaLnBrk="1" latinLnBrk="0" hangingPunct="1">
+              <a:lnSpc>
+                <a:spcPct val="140000"/>
+              </a:lnSpc>
+              <a:spcBef>
+                <a:spcPts val="800"/>
+              </a:spcBef>
+              <a:buFont typeface="Arial" panose="020B0604020202020204" pitchFamily="34" charset="0"/>
+              <a:buChar char="•"/>
+              <a:defRPr sz="1800" kern="1200">
+                <a:solidFill>
+                  <a:srgbClr val="2C2C2C"/>
+                </a:solidFill>
+                <a:latin typeface="Arial" panose="020B0604020202020204" pitchFamily="34" charset="0"/>
+                <a:ea typeface="Open Sans" panose="020B0606030504020204" pitchFamily="34" charset="0"/>
+                <a:cs typeface="Arial" panose="020B0604020202020204" pitchFamily="34" charset="0"/>
+              </a:defRPr>
+            </a:lvl3pPr>
+            <a:lvl4pPr marL="1600200" indent="-228600" algn="l" defTabSz="914400" rtl="0" eaLnBrk="1" latinLnBrk="0" hangingPunct="1">
+              <a:lnSpc>
+                <a:spcPct val="140000"/>
+              </a:lnSpc>
+              <a:spcBef>
+                <a:spcPts val="800"/>
+              </a:spcBef>
+              <a:buFont typeface="Arial" panose="020B0604020202020204" pitchFamily="34" charset="0"/>
+              <a:buChar char="•"/>
+              <a:defRPr sz="1600" kern="1200">
+                <a:solidFill>
+                  <a:srgbClr val="2C2C2C"/>
+                </a:solidFill>
+                <a:latin typeface="Arial" panose="020B0604020202020204" pitchFamily="34" charset="0"/>
+                <a:ea typeface="Open Sans" panose="020B0606030504020204" pitchFamily="34" charset="0"/>
+                <a:cs typeface="Arial" panose="020B0604020202020204" pitchFamily="34" charset="0"/>
+              </a:defRPr>
+            </a:lvl4pPr>
+            <a:lvl5pPr marL="2057400" indent="-228600" algn="l" defTabSz="914400" rtl="0" eaLnBrk="1" latinLnBrk="0" hangingPunct="1">
+              <a:lnSpc>
+                <a:spcPct val="140000"/>
+              </a:lnSpc>
+              <a:spcBef>
+                <a:spcPts val="800"/>
+              </a:spcBef>
+              <a:buFont typeface="Arial" panose="020B0604020202020204" pitchFamily="34" charset="0"/>
+              <a:buChar char="•"/>
+              <a:defRPr sz="1600" kern="1200">
+                <a:solidFill>
+                  <a:srgbClr val="2C2C2C"/>
+                </a:solidFill>
+                <a:latin typeface="Arial" panose="020B0604020202020204" pitchFamily="34" charset="0"/>
+                <a:ea typeface="Open Sans" panose="020B0606030504020204" pitchFamily="34" charset="0"/>
+                <a:cs typeface="Arial" panose="020B0604020202020204" pitchFamily="34" charset="0"/>
+              </a:defRPr>
+            </a:lvl5pPr>
+            <a:lvl6pPr marL="2514600" indent="-228600" algn="l" defTabSz="914400" rtl="0" eaLnBrk="1" latinLnBrk="0" hangingPunct="1">
+              <a:lnSpc>
+                <a:spcPct val="90000"/>
+              </a:lnSpc>
+              <a:spcBef>
+                <a:spcPts val="500"/>
+              </a:spcBef>
+              <a:buFont typeface="Arial" panose="020B0604020202020204" pitchFamily="34" charset="0"/>
+              <a:buChar char="•"/>
+              <a:defRPr sz="1800" kern="1200">
+                <a:solidFill>
+                  <a:schemeClr val="tx1"/>
+                </a:solidFill>
+                <a:latin typeface="+mn-lt"/>
+                <a:ea typeface="+mn-ea"/>
+                <a:cs typeface="+mn-cs"/>
+              </a:defRPr>
+            </a:lvl6pPr>
+            <a:lvl7pPr marL="2971800" indent="-228600" algn="l" defTabSz="914400" rtl="0" eaLnBrk="1" latinLnBrk="0" hangingPunct="1">
+              <a:lnSpc>
+                <a:spcPct val="90000"/>
+              </a:lnSpc>
+              <a:spcBef>
+                <a:spcPts val="500"/>
+              </a:spcBef>
+              <a:buFont typeface="Arial" panose="020B0604020202020204" pitchFamily="34" charset="0"/>
+              <a:buChar char="•"/>
+              <a:defRPr sz="1800" kern="1200">
+                <a:solidFill>
+                  <a:schemeClr val="tx1"/>
+                </a:solidFill>
+                <a:latin typeface="+mn-lt"/>
+                <a:ea typeface="+mn-ea"/>
+                <a:cs typeface="+mn-cs"/>
+              </a:defRPr>
+            </a:lvl7pPr>
+            <a:lvl8pPr marL="3429000" indent="-228600" algn="l" defTabSz="914400" rtl="0" eaLnBrk="1" latinLnBrk="0" hangingPunct="1">
+              <a:lnSpc>
+                <a:spcPct val="90000"/>
+              </a:lnSpc>
+              <a:spcBef>
+                <a:spcPts val="500"/>
+              </a:spcBef>
+              <a:buFont typeface="Arial" panose="020B0604020202020204" pitchFamily="34" charset="0"/>
+              <a:buChar char="•"/>
+              <a:defRPr sz="1800" kern="1200">
+                <a:solidFill>
+                  <a:schemeClr val="tx1"/>
+                </a:solidFill>
+                <a:latin typeface="+mn-lt"/>
+                <a:ea typeface="+mn-ea"/>
+                <a:cs typeface="+mn-cs"/>
+              </a:defRPr>
+            </a:lvl8pPr>
+            <a:lvl9pPr marL="3886200" indent="-228600" algn="l" defTabSz="914400" rtl="0" eaLnBrk="1" latinLnBrk="0" hangingPunct="1">
+              <a:lnSpc>
+                <a:spcPct val="90000"/>
+              </a:lnSpc>
+              <a:spcBef>
+                <a:spcPts val="500"/>
+              </a:spcBef>
+              <a:buFont typeface="Arial" panose="020B0604020202020204" pitchFamily="34" charset="0"/>
+              <a:buChar char="•"/>
+              <a:defRPr sz="1800" kern="1200">
+                <a:solidFill>
+                  <a:schemeClr val="tx1"/>
+                </a:solidFill>
+                <a:latin typeface="+mn-lt"/>
+                <a:ea typeface="+mn-ea"/>
+                <a:cs typeface="+mn-cs"/>
+              </a:defRPr>
+            </a:lvl9pPr>
+          </a:lstStyle>
+          <a:p>
+            <a:pPr>
+              <a:spcAft>
+                <a:spcPts val="200"/>
+              </a:spcAft>
+              <a:buClr>
+                <a:schemeClr val="accent1"/>
+              </a:buClr>
+              <a:buSzPct val="100000"/>
+            </a:pPr>
+            <a:r>
+              <a:rPr lang="en-US" dirty="0">
+                <a:ea typeface="+mn-ea"/>
+              </a:rPr>
+              <a:t>Learns which words tend to occur together</a:t>
+            </a:r>
+          </a:p>
+          <a:p>
+            <a:pPr>
+              <a:spcAft>
+                <a:spcPts val="200"/>
+              </a:spcAft>
+              <a:buClr>
+                <a:schemeClr val="accent1"/>
+              </a:buClr>
+              <a:buSzPct val="100000"/>
+            </a:pPr>
+            <a:r>
+              <a:rPr lang="en-US" dirty="0">
+                <a:ea typeface="+mn-ea"/>
+              </a:rPr>
+              <a:t>Trained on many examples of sentences and documents</a:t>
+            </a:r>
+          </a:p>
+          <a:p>
+            <a:pPr>
+              <a:spcAft>
+                <a:spcPts val="200"/>
+              </a:spcAft>
+              <a:buClr>
+                <a:schemeClr val="accent1"/>
+              </a:buClr>
+              <a:buSzPct val="100000"/>
+            </a:pPr>
+            <a:r>
+              <a:rPr lang="en-US" dirty="0">
+                <a:ea typeface="+mn-ea"/>
+              </a:rPr>
+              <a:t>An embedding is like a location coordinate</a:t>
+            </a:r>
+          </a:p>
+          <a:p>
+            <a:pPr>
+              <a:spcAft>
+                <a:spcPts val="200"/>
+              </a:spcAft>
+              <a:buClr>
+                <a:schemeClr val="accent1"/>
+              </a:buClr>
+              <a:buSzPct val="100000"/>
+            </a:pPr>
+            <a:r>
+              <a:rPr lang="en-US" dirty="0">
+                <a:ea typeface="+mn-ea"/>
+              </a:rPr>
+              <a:t> i.e. </a:t>
+            </a:r>
+            <a:r>
+              <a:rPr lang="en-US" b="1" dirty="0">
+                <a:solidFill>
+                  <a:schemeClr val="accent2">
+                    <a:lumMod val="60000"/>
+                    <a:lumOff val="40000"/>
+                  </a:schemeClr>
+                </a:solidFill>
+                <a:ea typeface="+mn-ea"/>
+              </a:rPr>
+              <a:t>Chicago</a:t>
+            </a:r>
+            <a:r>
+              <a:rPr lang="en-US" dirty="0">
+                <a:ea typeface="+mn-ea"/>
+              </a:rPr>
+              <a:t> is close in meaning to </a:t>
+            </a:r>
+            <a:r>
+              <a:rPr lang="en-US" b="1" dirty="0">
+                <a:solidFill>
+                  <a:schemeClr val="accent2">
+                    <a:lumMod val="60000"/>
+                    <a:lumOff val="40000"/>
+                  </a:schemeClr>
+                </a:solidFill>
+                <a:ea typeface="+mn-ea"/>
+              </a:rPr>
+              <a:t>Illinois</a:t>
+            </a:r>
+            <a:r>
+              <a:rPr lang="en-US" dirty="0">
+                <a:ea typeface="+mn-ea"/>
+              </a:rPr>
+              <a:t>, </a:t>
+            </a:r>
+            <a:r>
+              <a:rPr lang="en-US" b="1" dirty="0">
+                <a:solidFill>
+                  <a:schemeClr val="accent2">
+                    <a:lumMod val="60000"/>
+                    <a:lumOff val="40000"/>
+                  </a:schemeClr>
+                </a:solidFill>
+                <a:ea typeface="+mn-ea"/>
+              </a:rPr>
+              <a:t>Obama</a:t>
+            </a:r>
+            <a:r>
+              <a:rPr lang="en-US" dirty="0">
+                <a:ea typeface="+mn-ea"/>
+              </a:rPr>
+              <a:t> close in meaning to </a:t>
+            </a:r>
+            <a:r>
+              <a:rPr lang="en-US" b="1" dirty="0">
+                <a:solidFill>
+                  <a:schemeClr val="accent2">
+                    <a:lumMod val="60000"/>
+                    <a:lumOff val="40000"/>
+                  </a:schemeClr>
+                </a:solidFill>
+                <a:ea typeface="+mn-ea"/>
+              </a:rPr>
+              <a:t>president</a:t>
+            </a:r>
+          </a:p>
+          <a:p>
+            <a:pPr>
+              <a:spcAft>
+                <a:spcPts val="200"/>
+              </a:spcAft>
+              <a:buClr>
+                <a:schemeClr val="accent1"/>
+              </a:buClr>
+              <a:buSzPct val="100000"/>
+            </a:pPr>
+            <a:endParaRPr lang="en-US" b="1" dirty="0">
+              <a:solidFill>
+                <a:schemeClr val="accent2">
+                  <a:lumMod val="60000"/>
+                  <a:lumOff val="40000"/>
+                </a:schemeClr>
+              </a:solidFill>
+              <a:ea typeface="+mn-ea"/>
+            </a:endParaRPr>
+          </a:p>
+          <a:p>
+            <a:pPr>
+              <a:spcAft>
+                <a:spcPts val="200"/>
+              </a:spcAft>
+              <a:buClr>
+                <a:schemeClr val="accent1"/>
+              </a:buClr>
+              <a:buSzPct val="100000"/>
+            </a:pPr>
+            <a:endParaRPr lang="en-US" b="1" dirty="0">
+              <a:solidFill>
+                <a:schemeClr val="accent2">
+                  <a:lumMod val="60000"/>
+                  <a:lumOff val="40000"/>
+                </a:schemeClr>
+              </a:solidFill>
+              <a:ea typeface="+mn-ea"/>
+            </a:endParaRPr>
+          </a:p>
+          <a:p>
+            <a:pPr marL="0" indent="0">
+              <a:spcAft>
+                <a:spcPts val="200"/>
+              </a:spcAft>
+              <a:buClr>
+                <a:schemeClr val="accent1"/>
+              </a:buClr>
+              <a:buSzPct val="100000"/>
+              <a:buNone/>
+            </a:pPr>
+            <a:endParaRPr lang="en-US" b="1" dirty="0">
+              <a:solidFill>
+                <a:schemeClr val="accent2">
+                  <a:lumMod val="60000"/>
+                  <a:lumOff val="40000"/>
+                </a:schemeClr>
+              </a:solidFill>
+              <a:ea typeface="+mn-ea"/>
+            </a:endParaRPr>
+          </a:p>
+        </p:txBody>
+      </p:sp>
+    </p:spTree>
+    <p:extLst>
+      <p:ext uri="{BB962C8B-B14F-4D97-AF65-F5344CB8AC3E}">
+        <p14:creationId xmlns:p14="http://schemas.microsoft.com/office/powerpoint/2010/main" val="2191484004"/>
+      </p:ext>
+    </p:extLst>
+  </p:cSld>
+  <p:clrMapOvr>
+    <a:masterClrMapping/>
+  </p:clrMapOvr>
+</p:sld>
+</file>
+
+<file path=ppt/slides/slide21.xml><?xml version="1.0" encoding="utf-8"?>
+<p:sld xmlns:a="http://schemas.openxmlformats.org/drawingml/2006/main" xmlns:r="http://schemas.openxmlformats.org/officeDocument/2006/relationships" xmlns:p="http://schemas.openxmlformats.org/presentationml/2006/main">
+  <p:cSld>
+    <p:spTree>
+      <p:nvGrpSpPr>
+        <p:cNvPr id="1" name=""/>
+        <p:cNvGrpSpPr/>
+        <p:nvPr/>
+      </p:nvGrpSpPr>
+      <p:grpSpPr>
+        <a:xfrm>
+          <a:off x="0" y="0"/>
+          <a:ext cx="0" cy="0"/>
+          <a:chOff x="0" y="0"/>
+          <a:chExt cx="0" cy="0"/>
+        </a:xfrm>
+      </p:grpSpPr>
+      <p:sp>
+        <p:nvSpPr>
+          <p:cNvPr id="2" name="Title 1">
+            <a:extLst>
+              <a:ext uri="{FF2B5EF4-FFF2-40B4-BE49-F238E27FC236}">
+                <a16:creationId xmlns:a16="http://schemas.microsoft.com/office/drawing/2014/main" id="{5588FE98-83E8-4176-93F0-8DEC295952B0}"/>
+              </a:ext>
+            </a:extLst>
+          </p:cNvPr>
+          <p:cNvSpPr>
+            <a:spLocks noGrp="1"/>
+          </p:cNvSpPr>
+          <p:nvPr>
+            <p:ph type="title"/>
+          </p:nvPr>
+        </p:nvSpPr>
+        <p:spPr/>
+        <p:txBody>
+          <a:bodyPr/>
+          <a:lstStyle/>
+          <a:p>
+            <a:r>
+              <a:rPr lang="en-US" dirty="0"/>
+              <a:t>Words Embedded in N Dimensions</a:t>
+            </a:r>
+          </a:p>
+        </p:txBody>
+      </p:sp>
+      <p:pic>
+        <p:nvPicPr>
+          <p:cNvPr id="6" name="Content Placeholder 5">
+            <a:extLst>
+              <a:ext uri="{FF2B5EF4-FFF2-40B4-BE49-F238E27FC236}">
+                <a16:creationId xmlns:a16="http://schemas.microsoft.com/office/drawing/2014/main" id="{80015BDE-5585-4B43-934C-6EE0DDC4E67C}"/>
+              </a:ext>
+            </a:extLst>
+          </p:cNvPr>
+          <p:cNvPicPr>
+            <a:picLocks noGrp="1" noChangeAspect="1"/>
+          </p:cNvPicPr>
+          <p:nvPr>
+            <p:ph idx="1"/>
+          </p:nvPr>
+        </p:nvPicPr>
+        <p:blipFill>
+          <a:blip r:embed="rId2"/>
+          <a:stretch>
+            <a:fillRect/>
+          </a:stretch>
+        </p:blipFill>
+        <p:spPr>
+          <a:xfrm>
+            <a:off x="6096000" y="1855783"/>
+            <a:ext cx="5195095" cy="3845681"/>
+          </a:xfrm>
+        </p:spPr>
+      </p:pic>
+      <p:sp>
+        <p:nvSpPr>
+          <p:cNvPr id="4" name="Slide Number Placeholder 3">
+            <a:extLst>
+              <a:ext uri="{FF2B5EF4-FFF2-40B4-BE49-F238E27FC236}">
+                <a16:creationId xmlns:a16="http://schemas.microsoft.com/office/drawing/2014/main" id="{8C838534-C7E1-4051-B916-C829584CBCAC}"/>
+              </a:ext>
+            </a:extLst>
+          </p:cNvPr>
+          <p:cNvSpPr>
+            <a:spLocks noGrp="1"/>
+          </p:cNvSpPr>
+          <p:nvPr>
+            <p:ph type="sldNum" sz="quarter" idx="12"/>
+          </p:nvPr>
+        </p:nvSpPr>
+        <p:spPr/>
+        <p:txBody>
+          <a:bodyPr/>
+          <a:lstStyle/>
+          <a:p>
+            <a:fld id="{2D5587A6-0F28-234D-9116-41BE2E1A2AC2}" type="slidenum">
+              <a:rPr lang="en-US" smtClean="0"/>
+              <a:pPr/>
+              <a:t>21</a:t>
+            </a:fld>
+            <a:endParaRPr lang="en-US" dirty="0"/>
+          </a:p>
+        </p:txBody>
+      </p:sp>
+      <p:sp>
+        <p:nvSpPr>
+          <p:cNvPr id="7" name="Content Placeholder 4">
+            <a:extLst>
+              <a:ext uri="{FF2B5EF4-FFF2-40B4-BE49-F238E27FC236}">
+                <a16:creationId xmlns:a16="http://schemas.microsoft.com/office/drawing/2014/main" id="{D2FAB25C-CDD2-4CA2-AED5-3F9D2D455258}"/>
+              </a:ext>
+            </a:extLst>
+          </p:cNvPr>
+          <p:cNvSpPr txBox="1">
+            <a:spLocks/>
+          </p:cNvSpPr>
+          <p:nvPr/>
+        </p:nvSpPr>
+        <p:spPr>
+          <a:xfrm>
+            <a:off x="623393" y="1963938"/>
+            <a:ext cx="4896544" cy="1537070"/>
+          </a:xfrm>
+          <a:prstGeom prst="rect">
+            <a:avLst/>
+          </a:prstGeom>
+          <a:ln>
+            <a:solidFill>
+              <a:schemeClr val="accent2"/>
+            </a:solidFill>
+          </a:ln>
+        </p:spPr>
+        <p:txBody>
+          <a:bodyPr vert="horz" lIns="0" tIns="45720" rIns="0" bIns="45720" rtlCol="0">
+            <a:noAutofit/>
+          </a:bodyPr>
+          <a:lstStyle>
+            <a:lvl1pPr marL="91440" indent="-91440" algn="l" defTabSz="914400" rtl="0" eaLnBrk="1" latinLnBrk="0" hangingPunct="1">
+              <a:lnSpc>
+                <a:spcPct val="90000"/>
+              </a:lnSpc>
+              <a:spcBef>
+                <a:spcPts val="1200"/>
+              </a:spcBef>
+              <a:spcAft>
+                <a:spcPts val="200"/>
+              </a:spcAft>
+              <a:buClr>
+                <a:schemeClr val="accent1"/>
+              </a:buClr>
+              <a:buSzPct val="100000"/>
+              <a:buFont typeface="Calibri" panose="020F0502020204030204" pitchFamily="34" charset="0"/>
+              <a:buChar char=" "/>
+              <a:defRPr sz="2000" kern="1200">
+                <a:solidFill>
+                  <a:schemeClr val="tx1">
+                    <a:lumMod val="75000"/>
+                    <a:lumOff val="25000"/>
+                  </a:schemeClr>
+                </a:solidFill>
+                <a:latin typeface="+mn-lt"/>
+                <a:ea typeface="+mn-ea"/>
+                <a:cs typeface="+mn-cs"/>
+              </a:defRPr>
+            </a:lvl1pPr>
+            <a:lvl2pPr marL="384048" indent="-182880" algn="l" defTabSz="914400" rtl="0" eaLnBrk="1" latinLnBrk="0" hangingPunct="1">
+              <a:lnSpc>
+                <a:spcPct val="90000"/>
+              </a:lnSpc>
+              <a:spcBef>
+                <a:spcPts val="200"/>
+              </a:spcBef>
+              <a:spcAft>
+                <a:spcPts val="400"/>
+              </a:spcAft>
+              <a:buClr>
+                <a:schemeClr val="accent1"/>
+              </a:buClr>
+              <a:buFont typeface="Calibri" pitchFamily="34" charset="0"/>
+              <a:buChar char="◦"/>
+              <a:defRPr sz="1800" kern="1200">
+                <a:solidFill>
+                  <a:schemeClr val="tx1">
+                    <a:lumMod val="75000"/>
+                    <a:lumOff val="25000"/>
+                  </a:schemeClr>
+                </a:solidFill>
+                <a:latin typeface="+mn-lt"/>
+                <a:ea typeface="+mn-ea"/>
+                <a:cs typeface="+mn-cs"/>
+              </a:defRPr>
+            </a:lvl2pPr>
+            <a:lvl3pPr marL="566928" indent="-182880" algn="l" defTabSz="914400" rtl="0" eaLnBrk="1" latinLnBrk="0" hangingPunct="1">
+              <a:lnSpc>
+                <a:spcPct val="90000"/>
+              </a:lnSpc>
+              <a:spcBef>
+                <a:spcPts val="200"/>
+              </a:spcBef>
+              <a:spcAft>
+                <a:spcPts val="400"/>
+              </a:spcAft>
+              <a:buClr>
+                <a:schemeClr val="accent1"/>
+              </a:buClr>
+              <a:buFont typeface="Calibri" pitchFamily="34" charset="0"/>
+              <a:buChar char="◦"/>
+              <a:defRPr sz="1400" kern="1200">
+                <a:solidFill>
+                  <a:schemeClr val="tx1">
+                    <a:lumMod val="75000"/>
+                    <a:lumOff val="25000"/>
+                  </a:schemeClr>
+                </a:solidFill>
+                <a:latin typeface="+mn-lt"/>
+                <a:ea typeface="+mn-ea"/>
+                <a:cs typeface="+mn-cs"/>
+              </a:defRPr>
+            </a:lvl3pPr>
+            <a:lvl4pPr marL="749808" indent="-182880" algn="l" defTabSz="914400" rtl="0" eaLnBrk="1" latinLnBrk="0" hangingPunct="1">
+              <a:lnSpc>
+                <a:spcPct val="90000"/>
+              </a:lnSpc>
+              <a:spcBef>
+                <a:spcPts val="200"/>
+              </a:spcBef>
+              <a:spcAft>
+                <a:spcPts val="400"/>
+              </a:spcAft>
+              <a:buClr>
+                <a:schemeClr val="accent1"/>
+              </a:buClr>
+              <a:buFont typeface="Calibri" pitchFamily="34" charset="0"/>
+              <a:buChar char="◦"/>
+              <a:defRPr sz="1400" kern="1200">
+                <a:solidFill>
+                  <a:schemeClr val="tx1">
+                    <a:lumMod val="75000"/>
+                    <a:lumOff val="25000"/>
+                  </a:schemeClr>
+                </a:solidFill>
+                <a:latin typeface="+mn-lt"/>
+                <a:ea typeface="+mn-ea"/>
+                <a:cs typeface="+mn-cs"/>
+              </a:defRPr>
+            </a:lvl4pPr>
+            <a:lvl5pPr marL="932688" indent="-182880" algn="l" defTabSz="914400" rtl="0" eaLnBrk="1" latinLnBrk="0" hangingPunct="1">
+              <a:lnSpc>
+                <a:spcPct val="90000"/>
+              </a:lnSpc>
+              <a:spcBef>
+                <a:spcPts val="200"/>
+              </a:spcBef>
+              <a:spcAft>
+                <a:spcPts val="400"/>
+              </a:spcAft>
+              <a:buClr>
+                <a:schemeClr val="accent1"/>
+              </a:buClr>
+              <a:buFont typeface="Calibri" pitchFamily="34" charset="0"/>
+              <a:buChar char="◦"/>
+              <a:defRPr sz="1400" kern="1200">
+                <a:solidFill>
+                  <a:schemeClr val="tx1">
+                    <a:lumMod val="75000"/>
+                    <a:lumOff val="25000"/>
+                  </a:schemeClr>
+                </a:solidFill>
+                <a:latin typeface="+mn-lt"/>
+                <a:ea typeface="+mn-ea"/>
+                <a:cs typeface="+mn-cs"/>
+              </a:defRPr>
+            </a:lvl5pPr>
+            <a:lvl6pPr marL="1100000" indent="-228600" algn="l" defTabSz="914400" rtl="0" eaLnBrk="1" latinLnBrk="0" hangingPunct="1">
+              <a:lnSpc>
+                <a:spcPct val="90000"/>
+              </a:lnSpc>
+              <a:spcBef>
+                <a:spcPts val="200"/>
+              </a:spcBef>
+              <a:spcAft>
+                <a:spcPts val="400"/>
+              </a:spcAft>
+              <a:buClr>
+                <a:schemeClr val="accent1"/>
+              </a:buClr>
+              <a:buFont typeface="Calibri" pitchFamily="34" charset="0"/>
+              <a:buChar char="◦"/>
+              <a:defRPr sz="1400" kern="1200">
+                <a:solidFill>
+                  <a:schemeClr val="tx1">
+                    <a:lumMod val="75000"/>
+                    <a:lumOff val="25000"/>
+                  </a:schemeClr>
+                </a:solidFill>
+                <a:latin typeface="+mn-lt"/>
+                <a:ea typeface="+mn-ea"/>
+                <a:cs typeface="+mn-cs"/>
+              </a:defRPr>
+            </a:lvl6pPr>
+            <a:lvl7pPr marL="1300000" indent="-228600" algn="l" defTabSz="914400" rtl="0" eaLnBrk="1" latinLnBrk="0" hangingPunct="1">
+              <a:lnSpc>
+                <a:spcPct val="90000"/>
+              </a:lnSpc>
+              <a:spcBef>
+                <a:spcPts val="200"/>
+              </a:spcBef>
+              <a:spcAft>
+                <a:spcPts val="400"/>
+              </a:spcAft>
+              <a:buClr>
+                <a:schemeClr val="accent1"/>
+              </a:buClr>
+              <a:buFont typeface="Calibri" pitchFamily="34" charset="0"/>
+              <a:buChar char="◦"/>
+              <a:defRPr sz="1400" kern="1200">
+                <a:solidFill>
+                  <a:schemeClr val="tx1">
+                    <a:lumMod val="75000"/>
+                    <a:lumOff val="25000"/>
+                  </a:schemeClr>
+                </a:solidFill>
+                <a:latin typeface="+mn-lt"/>
+                <a:ea typeface="+mn-ea"/>
+                <a:cs typeface="+mn-cs"/>
+              </a:defRPr>
+            </a:lvl7pPr>
+            <a:lvl8pPr marL="1500000" indent="-228600" algn="l" defTabSz="914400" rtl="0" eaLnBrk="1" latinLnBrk="0" hangingPunct="1">
+              <a:lnSpc>
+                <a:spcPct val="90000"/>
+              </a:lnSpc>
+              <a:spcBef>
+                <a:spcPts val="200"/>
+              </a:spcBef>
+              <a:spcAft>
+                <a:spcPts val="400"/>
+              </a:spcAft>
+              <a:buClr>
+                <a:schemeClr val="accent1"/>
+              </a:buClr>
+              <a:buFont typeface="Calibri" pitchFamily="34" charset="0"/>
+              <a:buChar char="◦"/>
+              <a:defRPr sz="1400" kern="1200">
+                <a:solidFill>
+                  <a:schemeClr val="tx1">
+                    <a:lumMod val="75000"/>
+                    <a:lumOff val="25000"/>
+                  </a:schemeClr>
+                </a:solidFill>
+                <a:latin typeface="+mn-lt"/>
+                <a:ea typeface="+mn-ea"/>
+                <a:cs typeface="+mn-cs"/>
+              </a:defRPr>
+            </a:lvl8pPr>
+            <a:lvl9pPr marL="1700000" indent="-228600" algn="l" defTabSz="914400" rtl="0" eaLnBrk="1" latinLnBrk="0" hangingPunct="1">
+              <a:lnSpc>
+                <a:spcPct val="90000"/>
+              </a:lnSpc>
+              <a:spcBef>
+                <a:spcPts val="200"/>
+              </a:spcBef>
+              <a:spcAft>
+                <a:spcPts val="400"/>
+              </a:spcAft>
+              <a:buClr>
+                <a:schemeClr val="accent1"/>
+              </a:buClr>
+              <a:buFont typeface="Calibri" pitchFamily="34" charset="0"/>
+              <a:buChar char="◦"/>
+              <a:defRPr sz="1400" kern="1200">
+                <a:solidFill>
+                  <a:schemeClr val="tx1">
+                    <a:lumMod val="75000"/>
+                    <a:lumOff val="25000"/>
+                  </a:schemeClr>
+                </a:solidFill>
+                <a:latin typeface="+mn-lt"/>
+                <a:ea typeface="+mn-ea"/>
+                <a:cs typeface="+mn-cs"/>
+              </a:defRPr>
+            </a:lvl9pPr>
+          </a:lstStyle>
+          <a:p>
+            <a:pPr marL="0" indent="0">
+              <a:buFont typeface="Calibri" panose="020F0502020204030204" pitchFamily="34" charset="0"/>
+              <a:buNone/>
+            </a:pPr>
+            <a:r>
+              <a:rPr lang="en-US" b="1" dirty="0">
+                <a:solidFill>
+                  <a:schemeClr val="accent2"/>
+                </a:solidFill>
+              </a:rPr>
+              <a:t>Discussion</a:t>
+            </a:r>
+          </a:p>
+          <a:p>
+            <a:pPr marL="457200" indent="0" algn="just">
+              <a:buFont typeface="Calibri" panose="020F0502020204030204" pitchFamily="34" charset="0"/>
+              <a:buNone/>
+              <a:tabLst>
+                <a:tab pos="5029200" algn="l"/>
+              </a:tabLst>
+            </a:pPr>
+            <a:r>
+              <a:rPr lang="en-US" dirty="0"/>
+              <a:t>Discuss how we can take a complete vocabulary of words and embed them into an N-dimensional space by their meaning. </a:t>
+            </a:r>
+          </a:p>
+          <a:p>
+            <a:pPr marL="457200" indent="0" algn="just">
+              <a:buFont typeface="Calibri" panose="020F0502020204030204" pitchFamily="34" charset="0"/>
+              <a:buNone/>
+              <a:tabLst>
+                <a:tab pos="5029200" algn="l"/>
+              </a:tabLst>
+            </a:pPr>
+            <a:r>
+              <a:rPr lang="en-US" dirty="0"/>
+              <a:t>Explain why certain words are close together in that N-dimension space</a:t>
+            </a:r>
+          </a:p>
+          <a:p>
+            <a:pPr marL="457200" indent="0">
+              <a:buFont typeface="Calibri" panose="020F0502020204030204" pitchFamily="34" charset="0"/>
+              <a:buNone/>
+            </a:pPr>
+            <a:endParaRPr lang="en-US" dirty="0"/>
+          </a:p>
+        </p:txBody>
+      </p:sp>
+    </p:spTree>
+    <p:extLst>
+      <p:ext uri="{BB962C8B-B14F-4D97-AF65-F5344CB8AC3E}">
+        <p14:creationId xmlns:p14="http://schemas.microsoft.com/office/powerpoint/2010/main" val="4147816489"/>
+      </p:ext>
+    </p:extLst>
+  </p:cSld>
+  <p:clrMapOvr>
+    <a:masterClrMapping/>
+  </p:clrMapOvr>
+</p:sld>
+</file>
+
+<file path=ppt/slides/slide22.xml><?xml version="1.0" encoding="utf-8"?>
+<p:sld xmlns:a="http://schemas.openxmlformats.org/drawingml/2006/main" xmlns:r="http://schemas.openxmlformats.org/officeDocument/2006/relationships" xmlns:p="http://schemas.openxmlformats.org/presentationml/2006/main">
+  <p:cSld>
+    <p:spTree>
+      <p:nvGrpSpPr>
+        <p:cNvPr id="1" name=""/>
+        <p:cNvGrpSpPr/>
+        <p:nvPr/>
+      </p:nvGrpSpPr>
+      <p:grpSpPr>
+        <a:xfrm>
+          <a:off x="0" y="0"/>
+          <a:ext cx="0" cy="0"/>
+          <a:chOff x="0" y="0"/>
+          <a:chExt cx="0" cy="0"/>
+        </a:xfrm>
+      </p:grpSpPr>
+      <p:sp>
+        <p:nvSpPr>
+          <p:cNvPr id="2" name="Title 1">
+            <a:extLst>
+              <a:ext uri="{FF2B5EF4-FFF2-40B4-BE49-F238E27FC236}">
+                <a16:creationId xmlns:a16="http://schemas.microsoft.com/office/drawing/2014/main" id="{5B8F1331-F5F5-4849-B9F4-9533D693BDA7}"/>
+              </a:ext>
+            </a:extLst>
+          </p:cNvPr>
+          <p:cNvSpPr>
+            <a:spLocks noGrp="1"/>
+          </p:cNvSpPr>
+          <p:nvPr>
+            <p:ph type="title"/>
+          </p:nvPr>
+        </p:nvSpPr>
+        <p:spPr/>
+        <p:txBody>
+          <a:bodyPr/>
+          <a:lstStyle/>
+          <a:p>
+            <a:r>
+              <a:rPr lang="en-US" dirty="0"/>
+              <a:t>T</a:t>
+            </a:r>
+          </a:p>
+        </p:txBody>
+      </p:sp>
+      <p:sp>
+        <p:nvSpPr>
+          <p:cNvPr id="3" name="Content Placeholder 2">
+            <a:extLst>
+              <a:ext uri="{FF2B5EF4-FFF2-40B4-BE49-F238E27FC236}">
+                <a16:creationId xmlns:a16="http://schemas.microsoft.com/office/drawing/2014/main" id="{C57B9828-81B0-4BEF-B1A3-EC4AB83F0CAC}"/>
+              </a:ext>
+            </a:extLst>
+          </p:cNvPr>
+          <p:cNvSpPr>
+            <a:spLocks noGrp="1"/>
+          </p:cNvSpPr>
+          <p:nvPr>
+            <p:ph idx="1"/>
+          </p:nvPr>
+        </p:nvSpPr>
+        <p:spPr>
+          <a:xfrm>
+            <a:off x="1076960" y="1845734"/>
+            <a:ext cx="10078720" cy="4023360"/>
+          </a:xfrm>
+        </p:spPr>
+        <p:txBody>
+          <a:bodyPr/>
+          <a:lstStyle/>
+          <a:p>
+            <a:endParaRPr lang="en-US"/>
+          </a:p>
+        </p:txBody>
+      </p:sp>
+      <p:sp>
+        <p:nvSpPr>
+          <p:cNvPr id="4" name="Slide Number Placeholder 3">
+            <a:extLst>
+              <a:ext uri="{FF2B5EF4-FFF2-40B4-BE49-F238E27FC236}">
+                <a16:creationId xmlns:a16="http://schemas.microsoft.com/office/drawing/2014/main" id="{BFE01686-B04E-4162-9FDC-084FCDEA9875}"/>
+              </a:ext>
+            </a:extLst>
+          </p:cNvPr>
+          <p:cNvSpPr>
+            <a:spLocks noGrp="1"/>
+          </p:cNvSpPr>
+          <p:nvPr>
+            <p:ph type="sldNum" sz="quarter" idx="12"/>
+          </p:nvPr>
+        </p:nvSpPr>
+        <p:spPr/>
+        <p:txBody>
+          <a:bodyPr/>
+          <a:lstStyle/>
+          <a:p>
+            <a:fld id="{2D5587A6-0F28-234D-9116-41BE2E1A2AC2}" type="slidenum">
+              <a:rPr lang="en-US" smtClean="0"/>
+              <a:pPr/>
+              <a:t>22</a:t>
+            </a:fld>
+            <a:endParaRPr lang="en-US" dirty="0"/>
+          </a:p>
+        </p:txBody>
+      </p:sp>
+    </p:spTree>
+    <p:extLst>
+      <p:ext uri="{BB962C8B-B14F-4D97-AF65-F5344CB8AC3E}">
+        <p14:creationId xmlns:p14="http://schemas.microsoft.com/office/powerpoint/2010/main" val="366320630"/>
+      </p:ext>
+    </p:extLst>
+  </p:cSld>
+  <p:clrMapOvr>
+    <a:masterClrMapping/>
+  </p:clrMapOvr>
+</p:sld>
+</file>
+
+<file path=ppt/slides/slide23.xml><?xml version="1.0" encoding="utf-8"?>
+<p:sld xmlns:a="http://schemas.openxmlformats.org/drawingml/2006/main" xmlns:r="http://schemas.openxmlformats.org/officeDocument/2006/relationships" xmlns:p="http://schemas.openxmlformats.org/presentationml/2006/main">
+  <p:cSld>
+    <p:spTree>
+      <p:nvGrpSpPr>
+        <p:cNvPr id="1" name=""/>
+        <p:cNvGrpSpPr/>
+        <p:nvPr/>
+      </p:nvGrpSpPr>
+      <p:grpSpPr>
+        <a:xfrm>
+          <a:off x="0" y="0"/>
+          <a:ext cx="0" cy="0"/>
+          <a:chOff x="0" y="0"/>
+          <a:chExt cx="0" cy="0"/>
+        </a:xfrm>
+      </p:grpSpPr>
+      <p:sp>
+        <p:nvSpPr>
+          <p:cNvPr id="2" name="Title 1">
+            <a:extLst>
+              <a:ext uri="{FF2B5EF4-FFF2-40B4-BE49-F238E27FC236}">
+                <a16:creationId xmlns:a16="http://schemas.microsoft.com/office/drawing/2014/main" id="{0FDE10E6-5B01-4DC2-B06A-DC684C1D70CB}"/>
+              </a:ext>
+            </a:extLst>
+          </p:cNvPr>
+          <p:cNvSpPr>
+            <a:spLocks noGrp="1"/>
+          </p:cNvSpPr>
+          <p:nvPr>
+            <p:ph type="title"/>
+          </p:nvPr>
+        </p:nvSpPr>
+        <p:spPr/>
+        <p:txBody>
+          <a:bodyPr/>
+          <a:lstStyle/>
+          <a:p>
+            <a:r>
+              <a:rPr lang="en-US" dirty="0"/>
+              <a:t>Word2Vec</a:t>
+            </a:r>
+          </a:p>
+        </p:txBody>
+      </p:sp>
+      <p:sp>
+        <p:nvSpPr>
+          <p:cNvPr id="3" name="Content Placeholder 2">
+            <a:extLst>
+              <a:ext uri="{FF2B5EF4-FFF2-40B4-BE49-F238E27FC236}">
+                <a16:creationId xmlns:a16="http://schemas.microsoft.com/office/drawing/2014/main" id="{B0B7CB32-8389-423F-80E6-F19FD3CFC821}"/>
+              </a:ext>
+            </a:extLst>
+          </p:cNvPr>
+          <p:cNvSpPr>
+            <a:spLocks noGrp="1"/>
+          </p:cNvSpPr>
+          <p:nvPr>
+            <p:ph idx="1"/>
+          </p:nvPr>
+        </p:nvSpPr>
+        <p:spPr>
+          <a:xfrm>
+            <a:off x="7248128" y="1845734"/>
+            <a:ext cx="3907552" cy="4023360"/>
+          </a:xfrm>
+        </p:spPr>
+        <p:txBody>
+          <a:bodyPr/>
+          <a:lstStyle/>
+          <a:p>
+            <a:endParaRPr lang="en-US" dirty="0"/>
+          </a:p>
+        </p:txBody>
+      </p:sp>
+      <p:sp>
+        <p:nvSpPr>
+          <p:cNvPr id="4" name="Slide Number Placeholder 3">
+            <a:extLst>
+              <a:ext uri="{FF2B5EF4-FFF2-40B4-BE49-F238E27FC236}">
+                <a16:creationId xmlns:a16="http://schemas.microsoft.com/office/drawing/2014/main" id="{FC7A7002-7FF4-4D37-A705-129252114C5A}"/>
+              </a:ext>
+            </a:extLst>
+          </p:cNvPr>
+          <p:cNvSpPr>
+            <a:spLocks noGrp="1"/>
+          </p:cNvSpPr>
+          <p:nvPr>
+            <p:ph type="sldNum" sz="quarter" idx="12"/>
+          </p:nvPr>
+        </p:nvSpPr>
+        <p:spPr/>
+        <p:txBody>
+          <a:bodyPr/>
+          <a:lstStyle/>
+          <a:p>
+            <a:fld id="{2D5587A6-0F28-234D-9116-41BE2E1A2AC2}" type="slidenum">
+              <a:rPr lang="en-US" smtClean="0"/>
+              <a:pPr/>
+              <a:t>23</a:t>
+            </a:fld>
+            <a:endParaRPr lang="en-US" dirty="0"/>
+          </a:p>
+        </p:txBody>
+      </p:sp>
+      <p:sp>
+        <p:nvSpPr>
+          <p:cNvPr id="5" name="Content Placeholder 5">
+            <a:extLst>
+              <a:ext uri="{FF2B5EF4-FFF2-40B4-BE49-F238E27FC236}">
+                <a16:creationId xmlns:a16="http://schemas.microsoft.com/office/drawing/2014/main" id="{0D1DE114-4FCD-4DD2-8E0D-897287D0FAC3}"/>
+              </a:ext>
+            </a:extLst>
+          </p:cNvPr>
+          <p:cNvSpPr txBox="1">
+            <a:spLocks/>
+          </p:cNvSpPr>
+          <p:nvPr/>
+        </p:nvSpPr>
+        <p:spPr>
+          <a:xfrm>
+            <a:off x="606808" y="2401371"/>
+            <a:ext cx="4265056" cy="2078928"/>
+          </a:xfrm>
+          <a:prstGeom prst="rect">
+            <a:avLst/>
+          </a:prstGeom>
+        </p:spPr>
+        <p:txBody>
+          <a:bodyPr vert="horz" lIns="91440" tIns="45720" rIns="91440" bIns="45720" rtlCol="0">
+            <a:normAutofit fontScale="77500" lnSpcReduction="20000"/>
+          </a:bodyPr>
+          <a:lstStyle>
+            <a:lvl1pPr marL="228600" indent="-228600" algn="l" defTabSz="914400" rtl="0" eaLnBrk="1" latinLnBrk="0" hangingPunct="1">
+              <a:lnSpc>
+                <a:spcPct val="140000"/>
+              </a:lnSpc>
+              <a:spcBef>
+                <a:spcPts val="800"/>
+              </a:spcBef>
+              <a:buFont typeface="Arial" panose="020B0604020202020204" pitchFamily="34" charset="0"/>
+              <a:buChar char="•"/>
+              <a:defRPr sz="2000" kern="1200">
+                <a:solidFill>
+                  <a:srgbClr val="2C2C2C"/>
+                </a:solidFill>
+                <a:latin typeface="Arial" panose="020B0604020202020204" pitchFamily="34" charset="0"/>
+                <a:ea typeface="Open Sans" panose="020B0606030504020204" pitchFamily="34" charset="0"/>
+                <a:cs typeface="Arial" panose="020B0604020202020204" pitchFamily="34" charset="0"/>
+              </a:defRPr>
+            </a:lvl1pPr>
+            <a:lvl2pPr marL="685800" indent="-228600" algn="l" defTabSz="914400" rtl="0" eaLnBrk="1" latinLnBrk="0" hangingPunct="1">
+              <a:lnSpc>
+                <a:spcPct val="140000"/>
+              </a:lnSpc>
+              <a:spcBef>
+                <a:spcPts val="800"/>
+              </a:spcBef>
+              <a:buFont typeface="Arial" panose="020B0604020202020204" pitchFamily="34" charset="0"/>
+              <a:buChar char="•"/>
+              <a:defRPr sz="1800" kern="1200">
+                <a:solidFill>
+                  <a:srgbClr val="2C2C2C"/>
+                </a:solidFill>
+                <a:latin typeface="Arial" panose="020B0604020202020204" pitchFamily="34" charset="0"/>
+                <a:ea typeface="Open Sans" panose="020B0606030504020204" pitchFamily="34" charset="0"/>
+                <a:cs typeface="Arial" panose="020B0604020202020204" pitchFamily="34" charset="0"/>
+              </a:defRPr>
+            </a:lvl2pPr>
+            <a:lvl3pPr marL="1143000" indent="-228600" algn="l" defTabSz="914400" rtl="0" eaLnBrk="1" latinLnBrk="0" hangingPunct="1">
+              <a:lnSpc>
+                <a:spcPct val="140000"/>
+              </a:lnSpc>
+              <a:spcBef>
+                <a:spcPts val="800"/>
+              </a:spcBef>
+              <a:buFont typeface="Arial" panose="020B0604020202020204" pitchFamily="34" charset="0"/>
+              <a:buChar char="•"/>
+              <a:defRPr sz="1800" kern="1200">
+                <a:solidFill>
+                  <a:srgbClr val="2C2C2C"/>
+                </a:solidFill>
+                <a:latin typeface="Arial" panose="020B0604020202020204" pitchFamily="34" charset="0"/>
+                <a:ea typeface="Open Sans" panose="020B0606030504020204" pitchFamily="34" charset="0"/>
+                <a:cs typeface="Arial" panose="020B0604020202020204" pitchFamily="34" charset="0"/>
+              </a:defRPr>
+            </a:lvl3pPr>
+            <a:lvl4pPr marL="1600200" indent="-228600" algn="l" defTabSz="914400" rtl="0" eaLnBrk="1" latinLnBrk="0" hangingPunct="1">
+              <a:lnSpc>
+                <a:spcPct val="140000"/>
+              </a:lnSpc>
+              <a:spcBef>
+                <a:spcPts val="800"/>
+              </a:spcBef>
+              <a:buFont typeface="Arial" panose="020B0604020202020204" pitchFamily="34" charset="0"/>
+              <a:buChar char="•"/>
+              <a:defRPr sz="1600" kern="1200">
+                <a:solidFill>
+                  <a:srgbClr val="2C2C2C"/>
+                </a:solidFill>
+                <a:latin typeface="Arial" panose="020B0604020202020204" pitchFamily="34" charset="0"/>
+                <a:ea typeface="Open Sans" panose="020B0606030504020204" pitchFamily="34" charset="0"/>
+                <a:cs typeface="Arial" panose="020B0604020202020204" pitchFamily="34" charset="0"/>
+              </a:defRPr>
+            </a:lvl4pPr>
+            <a:lvl5pPr marL="2057400" indent="-228600" algn="l" defTabSz="914400" rtl="0" eaLnBrk="1" latinLnBrk="0" hangingPunct="1">
+              <a:lnSpc>
+                <a:spcPct val="140000"/>
+              </a:lnSpc>
+              <a:spcBef>
+                <a:spcPts val="800"/>
+              </a:spcBef>
+              <a:buFont typeface="Arial" panose="020B0604020202020204" pitchFamily="34" charset="0"/>
+              <a:buChar char="•"/>
+              <a:defRPr sz="1600" kern="1200">
+                <a:solidFill>
+                  <a:srgbClr val="2C2C2C"/>
+                </a:solidFill>
+                <a:latin typeface="Arial" panose="020B0604020202020204" pitchFamily="34" charset="0"/>
+                <a:ea typeface="Open Sans" panose="020B0606030504020204" pitchFamily="34" charset="0"/>
+                <a:cs typeface="Arial" panose="020B0604020202020204" pitchFamily="34" charset="0"/>
+              </a:defRPr>
+            </a:lvl5pPr>
+            <a:lvl6pPr marL="2514600" indent="-228600" algn="l" defTabSz="914400" rtl="0" eaLnBrk="1" latinLnBrk="0" hangingPunct="1">
+              <a:lnSpc>
+                <a:spcPct val="90000"/>
+              </a:lnSpc>
+              <a:spcBef>
+                <a:spcPts val="500"/>
+              </a:spcBef>
+              <a:buFont typeface="Arial" panose="020B0604020202020204" pitchFamily="34" charset="0"/>
+              <a:buChar char="•"/>
+              <a:defRPr sz="1800" kern="1200">
+                <a:solidFill>
+                  <a:schemeClr val="tx1"/>
+                </a:solidFill>
+                <a:latin typeface="+mn-lt"/>
+                <a:ea typeface="+mn-ea"/>
+                <a:cs typeface="+mn-cs"/>
+              </a:defRPr>
+            </a:lvl6pPr>
+            <a:lvl7pPr marL="2971800" indent="-228600" algn="l" defTabSz="914400" rtl="0" eaLnBrk="1" latinLnBrk="0" hangingPunct="1">
+              <a:lnSpc>
+                <a:spcPct val="90000"/>
+              </a:lnSpc>
+              <a:spcBef>
+                <a:spcPts val="500"/>
+              </a:spcBef>
+              <a:buFont typeface="Arial" panose="020B0604020202020204" pitchFamily="34" charset="0"/>
+              <a:buChar char="•"/>
+              <a:defRPr sz="1800" kern="1200">
+                <a:solidFill>
+                  <a:schemeClr val="tx1"/>
+                </a:solidFill>
+                <a:latin typeface="+mn-lt"/>
+                <a:ea typeface="+mn-ea"/>
+                <a:cs typeface="+mn-cs"/>
+              </a:defRPr>
+            </a:lvl7pPr>
+            <a:lvl8pPr marL="3429000" indent="-228600" algn="l" defTabSz="914400" rtl="0" eaLnBrk="1" latinLnBrk="0" hangingPunct="1">
+              <a:lnSpc>
+                <a:spcPct val="90000"/>
+              </a:lnSpc>
+              <a:spcBef>
+                <a:spcPts val="500"/>
+              </a:spcBef>
+              <a:buFont typeface="Arial" panose="020B0604020202020204" pitchFamily="34" charset="0"/>
+              <a:buChar char="•"/>
+              <a:defRPr sz="1800" kern="1200">
+                <a:solidFill>
+                  <a:schemeClr val="tx1"/>
+                </a:solidFill>
+                <a:latin typeface="+mn-lt"/>
+                <a:ea typeface="+mn-ea"/>
+                <a:cs typeface="+mn-cs"/>
+              </a:defRPr>
+            </a:lvl8pPr>
+            <a:lvl9pPr marL="3886200" indent="-228600" algn="l" defTabSz="914400" rtl="0" eaLnBrk="1" latinLnBrk="0" hangingPunct="1">
+              <a:lnSpc>
+                <a:spcPct val="90000"/>
+              </a:lnSpc>
+              <a:spcBef>
+                <a:spcPts val="500"/>
+              </a:spcBef>
+              <a:buFont typeface="Arial" panose="020B0604020202020204" pitchFamily="34" charset="0"/>
+              <a:buChar char="•"/>
+              <a:defRPr sz="1800" kern="1200">
+                <a:solidFill>
+                  <a:schemeClr val="tx1"/>
+                </a:solidFill>
+                <a:latin typeface="+mn-lt"/>
+                <a:ea typeface="+mn-ea"/>
+                <a:cs typeface="+mn-cs"/>
+              </a:defRPr>
+            </a:lvl9pPr>
+          </a:lstStyle>
+          <a:p>
+            <a:pPr>
+              <a:spcAft>
+                <a:spcPts val="200"/>
+              </a:spcAft>
+              <a:buClr>
+                <a:schemeClr val="accent1"/>
+              </a:buClr>
+              <a:buSzPct val="100000"/>
+            </a:pPr>
+            <a:r>
+              <a:rPr lang="en-US" dirty="0">
+                <a:ea typeface="+mn-ea"/>
+              </a:rPr>
+              <a:t>Algorithm to learn word embeddings by predicting missing words in sentences</a:t>
+            </a:r>
+          </a:p>
+          <a:p>
+            <a:pPr>
+              <a:spcAft>
+                <a:spcPts val="200"/>
+              </a:spcAft>
+              <a:buClr>
+                <a:schemeClr val="accent1"/>
+              </a:buClr>
+              <a:buSzPct val="100000"/>
+            </a:pPr>
+            <a:r>
+              <a:rPr lang="en-US" dirty="0">
+                <a:ea typeface="+mn-ea"/>
+              </a:rPr>
+              <a:t>Developed at Google and implemented inside </a:t>
+            </a:r>
+            <a:r>
+              <a:rPr lang="en-US" dirty="0" err="1">
+                <a:ea typeface="+mn-ea"/>
+              </a:rPr>
+              <a:t>Tensorflow</a:t>
+            </a:r>
+            <a:endParaRPr lang="en-US" dirty="0">
+              <a:ea typeface="+mn-ea"/>
+            </a:endParaRPr>
+          </a:p>
+          <a:p>
+            <a:pPr>
+              <a:spcAft>
+                <a:spcPts val="200"/>
+              </a:spcAft>
+              <a:buClr>
+                <a:schemeClr val="accent1"/>
+              </a:buClr>
+              <a:buSzPct val="100000"/>
+            </a:pPr>
+            <a:r>
+              <a:rPr lang="en-US" dirty="0">
+                <a:ea typeface="+mn-ea"/>
+              </a:rPr>
+              <a:t>Download pretrained word vectors for Machine Learning</a:t>
+            </a:r>
+          </a:p>
+        </p:txBody>
+      </p:sp>
+    </p:spTree>
+    <p:extLst>
+      <p:ext uri="{BB962C8B-B14F-4D97-AF65-F5344CB8AC3E}">
+        <p14:creationId xmlns:p14="http://schemas.microsoft.com/office/powerpoint/2010/main" val="2711603222"/>
+      </p:ext>
+    </p:extLst>
+  </p:cSld>
+  <p:clrMapOvr>
+    <a:masterClrMapping/>
+  </p:clrMapOvr>
+</p:sld>
+</file>
+
+<file path=ppt/slides/slide24.xml><?xml version="1.0" encoding="utf-8"?>
+<p:sld xmlns:a="http://schemas.openxmlformats.org/drawingml/2006/main" xmlns:r="http://schemas.openxmlformats.org/officeDocument/2006/relationships" xmlns:p="http://schemas.openxmlformats.org/presentationml/2006/main">
+  <p:cSld>
+    <p:spTree>
+      <p:nvGrpSpPr>
+        <p:cNvPr id="1" name=""/>
+        <p:cNvGrpSpPr/>
+        <p:nvPr/>
+      </p:nvGrpSpPr>
+      <p:grpSpPr>
+        <a:xfrm>
+          <a:off x="0" y="0"/>
+          <a:ext cx="0" cy="0"/>
+          <a:chOff x="0" y="0"/>
+          <a:chExt cx="0" cy="0"/>
+        </a:xfrm>
+      </p:grpSpPr>
+      <p:sp>
+        <p:nvSpPr>
+          <p:cNvPr id="2" name="Title 1">
+            <a:extLst>
+              <a:ext uri="{FF2B5EF4-FFF2-40B4-BE49-F238E27FC236}">
+                <a16:creationId xmlns:a16="http://schemas.microsoft.com/office/drawing/2014/main" id="{3137AF66-3779-4127-86B6-673177EB0EA8}"/>
+              </a:ext>
+            </a:extLst>
+          </p:cNvPr>
+          <p:cNvSpPr>
+            <a:spLocks noGrp="1"/>
+          </p:cNvSpPr>
+          <p:nvPr>
+            <p:ph type="title"/>
+          </p:nvPr>
+        </p:nvSpPr>
+        <p:spPr/>
+        <p:txBody>
+          <a:bodyPr/>
+          <a:lstStyle/>
+          <a:p>
+            <a:r>
+              <a:rPr lang="en-US" dirty="0"/>
+              <a:t>Word Vector Math</a:t>
+            </a:r>
+          </a:p>
+        </p:txBody>
+      </p:sp>
+      <p:pic>
+        <p:nvPicPr>
+          <p:cNvPr id="6" name="Content Placeholder 5">
+            <a:extLst>
+              <a:ext uri="{FF2B5EF4-FFF2-40B4-BE49-F238E27FC236}">
+                <a16:creationId xmlns:a16="http://schemas.microsoft.com/office/drawing/2014/main" id="{B69E4283-2883-43FF-AFF2-84467297EB8D}"/>
+              </a:ext>
+            </a:extLst>
+          </p:cNvPr>
+          <p:cNvPicPr>
+            <a:picLocks noGrp="1" noChangeAspect="1"/>
+          </p:cNvPicPr>
+          <p:nvPr>
+            <p:ph idx="1"/>
+          </p:nvPr>
+        </p:nvPicPr>
+        <p:blipFill>
+          <a:blip r:embed="rId2"/>
+          <a:stretch>
+            <a:fillRect/>
+          </a:stretch>
+        </p:blipFill>
+        <p:spPr>
+          <a:xfrm>
+            <a:off x="4655840" y="2027065"/>
+            <a:ext cx="6885943" cy="3833175"/>
+          </a:xfrm>
+        </p:spPr>
+      </p:pic>
+      <p:sp>
+        <p:nvSpPr>
+          <p:cNvPr id="4" name="Slide Number Placeholder 3">
+            <a:extLst>
+              <a:ext uri="{FF2B5EF4-FFF2-40B4-BE49-F238E27FC236}">
+                <a16:creationId xmlns:a16="http://schemas.microsoft.com/office/drawing/2014/main" id="{AB39EB69-2C04-41D0-9141-38307F7A820D}"/>
+              </a:ext>
+            </a:extLst>
+          </p:cNvPr>
+          <p:cNvSpPr>
+            <a:spLocks noGrp="1"/>
+          </p:cNvSpPr>
+          <p:nvPr>
+            <p:ph type="sldNum" sz="quarter" idx="12"/>
+          </p:nvPr>
+        </p:nvSpPr>
+        <p:spPr/>
+        <p:txBody>
+          <a:bodyPr/>
+          <a:lstStyle/>
+          <a:p>
+            <a:fld id="{2D5587A6-0F28-234D-9116-41BE2E1A2AC2}" type="slidenum">
+              <a:rPr lang="en-US" smtClean="0"/>
+              <a:pPr/>
+              <a:t>24</a:t>
+            </a:fld>
+            <a:endParaRPr lang="en-US" dirty="0"/>
+          </a:p>
+        </p:txBody>
+      </p:sp>
+    </p:spTree>
+    <p:extLst>
+      <p:ext uri="{BB962C8B-B14F-4D97-AF65-F5344CB8AC3E}">
+        <p14:creationId xmlns:p14="http://schemas.microsoft.com/office/powerpoint/2010/main" val="2181642422"/>
+      </p:ext>
+    </p:extLst>
+  </p:cSld>
+  <p:clrMapOvr>
+    <a:masterClrMapping/>
+  </p:clrMapOvr>
+</p:sld>
+</file>
+
+<file path=ppt/slides/slide25.xml><?xml version="1.0" encoding="utf-8"?>
+<p:sld xmlns:a="http://schemas.openxmlformats.org/drawingml/2006/main" xmlns:r="http://schemas.openxmlformats.org/officeDocument/2006/relationships" xmlns:p="http://schemas.openxmlformats.org/presentationml/2006/main">
+  <p:cSld>
+    <p:spTree>
+      <p:nvGrpSpPr>
+        <p:cNvPr id="1" name=""/>
+        <p:cNvGrpSpPr/>
+        <p:nvPr/>
+      </p:nvGrpSpPr>
+      <p:grpSpPr>
+        <a:xfrm>
+          <a:off x="0" y="0"/>
+          <a:ext cx="0" cy="0"/>
+          <a:chOff x="0" y="0"/>
+          <a:chExt cx="0" cy="0"/>
+        </a:xfrm>
+      </p:grpSpPr>
+      <p:sp>
+        <p:nvSpPr>
+          <p:cNvPr id="2" name="Title 1">
+            <a:extLst>
+              <a:ext uri="{FF2B5EF4-FFF2-40B4-BE49-F238E27FC236}">
                 <a16:creationId xmlns:a16="http://schemas.microsoft.com/office/drawing/2014/main" id="{66BD027F-784B-4A30-A213-0BC921A13874}"/>
               </a:ext>
             </a:extLst>
@@ -15141,7 +19018,7 @@
           <a:p>
             <a:fld id="{2D5587A6-0F28-234D-9116-41BE2E1A2AC2}" type="slidenum">
               <a:rPr lang="en-US" smtClean="0"/>
-              <a:t>20</a:t>
+              <a:t>25</a:t>
             </a:fld>
             <a:endParaRPr lang="en-US"/>
           </a:p>
@@ -15160,7 +19037,7 @@
 </p:sld>
 </file>
 
-<file path=ppt/slides/slide21.xml><?xml version="1.0" encoding="utf-8"?>
+<file path=ppt/slides/slide26.xml><?xml version="1.0" encoding="utf-8"?>
 <p:sld xmlns:a="http://schemas.openxmlformats.org/drawingml/2006/main" xmlns:r="http://schemas.openxmlformats.org/officeDocument/2006/relationships" xmlns:p="http://schemas.openxmlformats.org/presentationml/2006/main">
   <p:cSld>
     <p:spTree>
@@ -15243,7 +19120,7 @@
             <a:spLocks noGrp="1"/>
           </p:cNvSpPr>
           <p:nvPr>
-            <p:ph type="sldNum" sz="quarter" idx="4"/>
+            <p:ph type="sldNum" sz="quarter" idx="12"/>
           </p:nvPr>
         </p:nvSpPr>
         <p:spPr/>
@@ -15254,7 +19131,7 @@
             <a:fld id="{2D5587A6-0F28-234D-9116-41BE2E1A2AC2}" type="slidenum">
               <a:rPr lang="en-US" smtClean="0"/>
               <a:pPr/>
-              <a:t>21</a:t>
+              <a:t>26</a:t>
             </a:fld>
             <a:endParaRPr lang="en-US" dirty="0"/>
           </a:p>
@@ -15273,7 +19150,7 @@
 </p:sld>
 </file>
 
-<file path=ppt/slides/slide22.xml><?xml version="1.0" encoding="utf-8"?>
+<file path=ppt/slides/slide27.xml><?xml version="1.0" encoding="utf-8"?>
 <p:sld xmlns:a="http://schemas.openxmlformats.org/drawingml/2006/main" xmlns:r="http://schemas.openxmlformats.org/officeDocument/2006/relationships" xmlns:p="http://schemas.openxmlformats.org/presentationml/2006/main">
   <p:cSld>
     <p:spTree>
@@ -15356,7 +19233,7 @@
             <a:spLocks noGrp="1"/>
           </p:cNvSpPr>
           <p:nvPr>
-            <p:ph type="sldNum" sz="quarter" idx="4"/>
+            <p:ph type="sldNum" sz="quarter" idx="12"/>
           </p:nvPr>
         </p:nvSpPr>
         <p:spPr/>
@@ -15367,7 +19244,7 @@
             <a:fld id="{2D5587A6-0F28-234D-9116-41BE2E1A2AC2}" type="slidenum">
               <a:rPr lang="en-US" smtClean="0"/>
               <a:pPr/>
-              <a:t>22</a:t>
+              <a:t>27</a:t>
             </a:fld>
             <a:endParaRPr lang="en-US" dirty="0"/>
           </a:p>
@@ -15386,7 +19263,7 @@
 </p:sld>
 </file>
 
-<file path=ppt/slides/slide23.xml><?xml version="1.0" encoding="utf-8"?>
+<file path=ppt/slides/slide28.xml><?xml version="1.0" encoding="utf-8"?>
 <p:sld xmlns:a="http://schemas.openxmlformats.org/drawingml/2006/main" xmlns:r="http://schemas.openxmlformats.org/officeDocument/2006/relationships" xmlns:p="http://schemas.openxmlformats.org/presentationml/2006/main">
   <p:cSld>
     <p:spTree>
@@ -15470,7 +19347,7 @@
           <a:p>
             <a:fld id="{2D5587A6-0F28-234D-9116-41BE2E1A2AC2}" type="slidenum">
               <a:rPr lang="en-US" smtClean="0"/>
-              <a:t>23</a:t>
+              <a:t>28</a:t>
             </a:fld>
             <a:endParaRPr lang="en-US"/>
           </a:p>
@@ -15489,7 +19366,7 @@
 </p:sld>
 </file>
 
-<file path=ppt/slides/slide24.xml><?xml version="1.0" encoding="utf-8"?>
+<file path=ppt/slides/slide29.xml><?xml version="1.0" encoding="utf-8"?>
 <p:sld xmlns:a="http://schemas.openxmlformats.org/drawingml/2006/main" xmlns:r="http://schemas.openxmlformats.org/officeDocument/2006/relationships" xmlns:p="http://schemas.openxmlformats.org/presentationml/2006/main">
   <p:cSld>
     <p:spTree>
@@ -15663,7 +19540,7 @@
             <a:spLocks noGrp="1"/>
           </p:cNvSpPr>
           <p:nvPr>
-            <p:ph type="sldNum" sz="quarter" idx="4"/>
+            <p:ph type="sldNum" sz="quarter" idx="12"/>
           </p:nvPr>
         </p:nvSpPr>
         <p:spPr/>
@@ -15674,7 +19551,7 @@
             <a:fld id="{2D5587A6-0F28-234D-9116-41BE2E1A2AC2}" type="slidenum">
               <a:rPr lang="en-US" smtClean="0"/>
               <a:pPr/>
-              <a:t>24</a:t>
+              <a:t>29</a:t>
             </a:fld>
             <a:endParaRPr lang="en-US" dirty="0"/>
           </a:p>
@@ -15858,7 +19735,7 @@
             <a:spLocks noGrp="1"/>
           </p:cNvSpPr>
           <p:nvPr>
-            <p:ph type="sldNum" sz="quarter" idx="4"/>
+            <p:ph type="sldNum" sz="quarter" idx="12"/>
           </p:nvPr>
         </p:nvSpPr>
         <p:spPr/>
@@ -15994,7 +19871,7 @@
             <a:spLocks noGrp="1"/>
           </p:cNvSpPr>
           <p:nvPr>
-            <p:ph type="sldNum" sz="quarter" idx="4"/>
+            <p:ph type="sldNum" sz="quarter" idx="12"/>
           </p:nvPr>
         </p:nvSpPr>
         <p:spPr/>
@@ -16085,13 +19962,13 @@
             <p:ph idx="1"/>
             <p:extLst>
               <p:ext uri="{D42A27DB-BD31-4B8C-83A1-F6EECF244321}">
-                <p14:modId xmlns:p14="http://schemas.microsoft.com/office/powerpoint/2010/main" val="4114027430"/>
+                <p14:modId xmlns:p14="http://schemas.microsoft.com/office/powerpoint/2010/main" val="3775541154"/>
               </p:ext>
             </p:extLst>
           </p:nvPr>
         </p:nvGraphicFramePr>
         <p:xfrm>
-          <a:off x="647701" y="1403351"/>
+          <a:off x="617901" y="1995168"/>
           <a:ext cx="8544643" cy="2313681"/>
         </p:xfrm>
         <a:graphic>
@@ -16113,7 +19990,7 @@
             <a:spLocks noGrp="1"/>
           </p:cNvSpPr>
           <p:nvPr>
-            <p:ph type="sldNum" sz="quarter" idx="4"/>
+            <p:ph type="sldNum" sz="quarter" idx="12"/>
           </p:nvPr>
         </p:nvSpPr>
         <p:spPr/>
@@ -16146,7 +20023,7 @@
         </p:nvSpPr>
         <p:spPr>
           <a:xfrm>
-            <a:off x="983432" y="4005064"/>
+            <a:off x="979517" y="4308849"/>
             <a:ext cx="10464568" cy="2150936"/>
           </a:xfrm>
           <a:prstGeom prst="rect">
@@ -16396,30 +20273,6 @@
       </p:sp>
       <p:sp>
         <p:nvSpPr>
-          <p:cNvPr id="4" name="Slide Number Placeholder 3"/>
-          <p:cNvSpPr>
-            <a:spLocks noGrp="1"/>
-          </p:cNvSpPr>
-          <p:nvPr>
-            <p:ph type="sldNum" sz="quarter" idx="4"/>
-          </p:nvPr>
-        </p:nvSpPr>
-        <p:spPr/>
-        <p:txBody>
-          <a:bodyPr/>
-          <a:lstStyle/>
-          <a:p>
-            <a:fld id="{2D5587A6-0F28-234D-9116-41BE2E1A2AC2}" type="slidenum">
-              <a:rPr lang="en-US" smtClean="0"/>
-              <a:pPr/>
-              <a:t>6</a:t>
-            </a:fld>
-            <a:endParaRPr lang="en-US" dirty="0"/>
-          </a:p>
-        </p:txBody>
-      </p:sp>
-      <p:sp>
-        <p:nvSpPr>
           <p:cNvPr id="5" name="Content Placeholder 4">
             <a:extLst>
               <a:ext uri="{FF2B5EF4-FFF2-40B4-BE49-F238E27FC236}">
@@ -16436,7 +20289,7 @@
         </p:nvSpPr>
         <p:spPr>
           <a:xfrm>
-            <a:off x="838199" y="1637367"/>
+            <a:off x="838199" y="1963938"/>
             <a:ext cx="10515599" cy="1465062"/>
           </a:xfrm>
           <a:ln>
@@ -16479,6 +20332,30 @@
             <a:pPr marL="457200" indent="0">
               <a:buNone/>
             </a:pPr>
+            <a:endParaRPr lang="en-US" dirty="0"/>
+          </a:p>
+        </p:txBody>
+      </p:sp>
+      <p:sp>
+        <p:nvSpPr>
+          <p:cNvPr id="4" name="Slide Number Placeholder 3"/>
+          <p:cNvSpPr>
+            <a:spLocks noGrp="1"/>
+          </p:cNvSpPr>
+          <p:nvPr>
+            <p:ph type="sldNum" sz="quarter" idx="12"/>
+          </p:nvPr>
+        </p:nvSpPr>
+        <p:spPr/>
+        <p:txBody>
+          <a:bodyPr/>
+          <a:lstStyle/>
+          <a:p>
+            <a:fld id="{2D5587A6-0F28-234D-9116-41BE2E1A2AC2}" type="slidenum">
+              <a:rPr lang="en-US" smtClean="0"/>
+              <a:pPr/>
+              <a:t>6</a:t>
+            </a:fld>
             <a:endParaRPr lang="en-US" dirty="0"/>
           </a:p>
         </p:txBody>
@@ -17067,8 +20944,8 @@
           </p:nvPr>
         </p:nvGraphicFramePr>
         <p:xfrm>
-          <a:off x="647700" y="1403350"/>
-          <a:ext cx="10799763" cy="4752975"/>
+          <a:off x="1096963" y="1846263"/>
+          <a:ext cx="10058400" cy="4022725"/>
         </p:xfrm>
         <a:graphic>
           <a:graphicData uri="http://schemas.openxmlformats.org/drawingml/2006/diagram">
@@ -17089,7 +20966,7 @@
             <a:spLocks noGrp="1"/>
           </p:cNvSpPr>
           <p:nvPr>
-            <p:ph type="sldNum" sz="quarter" idx="4"/>
+            <p:ph type="sldNum" sz="quarter" idx="12"/>
           </p:nvPr>
         </p:nvSpPr>
         <p:spPr/>
@@ -17166,7 +21043,7 @@
             <a:spLocks noGrp="1"/>
           </p:cNvSpPr>
           <p:nvPr>
-            <p:ph type="sldNum" sz="quarter" idx="4"/>
+            <p:ph type="sldNum" sz="quarter" idx="12"/>
           </p:nvPr>
         </p:nvSpPr>
         <p:spPr/>
@@ -17229,8 +21106,8 @@
         </p:nvSpPr>
         <p:spPr>
           <a:xfrm>
-            <a:off x="647998" y="1404000"/>
-            <a:ext cx="4583905" cy="4752000"/>
+            <a:off x="647998" y="2204864"/>
+            <a:ext cx="4583905" cy="3951136"/>
           </a:xfrm>
           <a:prstGeom prst="rect">
             <a:avLst/>
@@ -17446,54 +21323,54 @@
 </file>
 
 <file path=ppt/theme/theme1.xml><?xml version="1.0" encoding="utf-8"?>
-<a:theme xmlns:a="http://schemas.openxmlformats.org/drawingml/2006/main" name="Packt Training">
+<a:theme xmlns:a="http://schemas.openxmlformats.org/drawingml/2006/main" name="Retrospect">
   <a:themeElements>
-    <a:clrScheme name="Office">
+    <a:clrScheme name="Retrospect">
       <a:dk1>
-        <a:sysClr val="windowText" lastClr="000000"/>
+        <a:srgbClr val="000000"/>
       </a:dk1>
       <a:lt1>
         <a:sysClr val="window" lastClr="FFFFFF"/>
       </a:lt1>
       <a:dk2>
-        <a:srgbClr val="44546A"/>
+        <a:srgbClr val="637052"/>
       </a:dk2>
       <a:lt2>
-        <a:srgbClr val="E7E6E6"/>
+        <a:srgbClr val="CCDDEA"/>
       </a:lt2>
       <a:accent1>
-        <a:srgbClr val="4472C4"/>
+        <a:srgbClr val="E48312"/>
       </a:accent1>
       <a:accent2>
-        <a:srgbClr val="ED7D31"/>
+        <a:srgbClr val="BD582C"/>
       </a:accent2>
       <a:accent3>
-        <a:srgbClr val="A5A5A5"/>
+        <a:srgbClr val="865640"/>
       </a:accent3>
       <a:accent4>
-        <a:srgbClr val="FFC000"/>
+        <a:srgbClr val="9B8357"/>
       </a:accent4>
       <a:accent5>
-        <a:srgbClr val="5B9BD5"/>
+        <a:srgbClr val="C2BC80"/>
       </a:accent5>
       <a:accent6>
-        <a:srgbClr val="70AD47"/>
+        <a:srgbClr val="94A088"/>
       </a:accent6>
       <a:hlink>
-        <a:srgbClr val="0563C1"/>
+        <a:srgbClr val="2998E3"/>
       </a:hlink>
       <a:folHlink>
-        <a:srgbClr val="954F72"/>
+        <a:srgbClr val="8C8C8C"/>
       </a:folHlink>
     </a:clrScheme>
-    <a:fontScheme name="Office">
+    <a:fontScheme name="Retrospect">
       <a:majorFont>
         <a:latin typeface="Calibri Light" panose="020F0302020204030204"/>
         <a:ea typeface=""/>
         <a:cs typeface=""/>
-        <a:font script="Jpan" typeface="游ゴシック Light"/>
+        <a:font script="Jpan" typeface="ＭＳ Ｐゴシック"/>
         <a:font script="Hang" typeface="맑은 고딕"/>
-        <a:font script="Hans" typeface="等线 Light"/>
+        <a:font script="Hans" typeface="宋体"/>
         <a:font script="Hant" typeface="新細明體"/>
         <a:font script="Arab" typeface="Times New Roman"/>
         <a:font script="Hebr" typeface="Times New Roman"/>
@@ -17521,31 +21398,14 @@
         <a:font script="Viet" typeface="Times New Roman"/>
         <a:font script="Uigh" typeface="Microsoft Uighur"/>
         <a:font script="Geor" typeface="Sylfaen"/>
-        <a:font script="Armn" typeface="Arial"/>
-        <a:font script="Bugi" typeface="Leelawadee UI"/>
-        <a:font script="Bopo" typeface="Microsoft JhengHei"/>
-        <a:font script="Java" typeface="Javanese Text"/>
-        <a:font script="Lisu" typeface="Segoe UI"/>
-        <a:font script="Mymr" typeface="Myanmar Text"/>
-        <a:font script="Nkoo" typeface="Ebrima"/>
-        <a:font script="Olck" typeface="Nirmala UI"/>
-        <a:font script="Osma" typeface="Ebrima"/>
-        <a:font script="Phag" typeface="Phagspa"/>
-        <a:font script="Syrn" typeface="Estrangelo Edessa"/>
-        <a:font script="Syrj" typeface="Estrangelo Edessa"/>
-        <a:font script="Syre" typeface="Estrangelo Edessa"/>
-        <a:font script="Sora" typeface="Nirmala UI"/>
-        <a:font script="Tale" typeface="Microsoft Tai Le"/>
-        <a:font script="Talu" typeface="Microsoft New Tai Lue"/>
-        <a:font script="Tfng" typeface="Ebrima"/>
       </a:majorFont>
       <a:minorFont>
         <a:latin typeface="Calibri" panose="020F0502020204030204"/>
         <a:ea typeface=""/>
         <a:cs typeface=""/>
-        <a:font script="Jpan" typeface="游ゴシック"/>
+        <a:font script="Jpan" typeface="ＭＳ Ｐゴシック"/>
         <a:font script="Hang" typeface="맑은 고딕"/>
-        <a:font script="Hans" typeface="等线"/>
+        <a:font script="Hans" typeface="宋体"/>
         <a:font script="Hant" typeface="新細明體"/>
         <a:font script="Arab" typeface="Arial"/>
         <a:font script="Hebr" typeface="Arial"/>
@@ -17573,26 +21433,9 @@
         <a:font script="Viet" typeface="Arial"/>
         <a:font script="Uigh" typeface="Microsoft Uighur"/>
         <a:font script="Geor" typeface="Sylfaen"/>
-        <a:font script="Armn" typeface="Arial"/>
-        <a:font script="Bugi" typeface="Leelawadee UI"/>
-        <a:font script="Bopo" typeface="Microsoft JhengHei"/>
-        <a:font script="Java" typeface="Javanese Text"/>
-        <a:font script="Lisu" typeface="Segoe UI"/>
-        <a:font script="Mymr" typeface="Myanmar Text"/>
-        <a:font script="Nkoo" typeface="Ebrima"/>
-        <a:font script="Olck" typeface="Nirmala UI"/>
-        <a:font script="Osma" typeface="Ebrima"/>
-        <a:font script="Phag" typeface="Phagspa"/>
-        <a:font script="Syrn" typeface="Estrangelo Edessa"/>
-        <a:font script="Syrj" typeface="Estrangelo Edessa"/>
-        <a:font script="Syre" typeface="Estrangelo Edessa"/>
-        <a:font script="Sora" typeface="Nirmala UI"/>
-        <a:font script="Tale" typeface="Microsoft Tai Le"/>
-        <a:font script="Talu" typeface="Microsoft New Tai Lue"/>
-        <a:font script="Tfng" typeface="Ebrima"/>
       </a:minorFont>
     </a:fontScheme>
-    <a:fmtScheme name="Office">
+    <a:fmtScheme name="Retrospect">
       <a:fillStyleLst>
         <a:solidFill>
           <a:schemeClr val="phClr"/>
@@ -17601,76 +21444,81 @@
           <a:gsLst>
             <a:gs pos="0">
               <a:schemeClr val="phClr">
-                <a:lumMod val="110000"/>
-                <a:satMod val="105000"/>
-                <a:tint val="67000"/>
+                <a:tint val="65000"/>
+                <a:shade val="92000"/>
+                <a:satMod val="130000"/>
               </a:schemeClr>
             </a:gs>
-            <a:gs pos="50000">
+            <a:gs pos="45000">
               <a:schemeClr val="phClr">
-                <a:lumMod val="105000"/>
-                <a:satMod val="103000"/>
-                <a:tint val="73000"/>
+                <a:tint val="60000"/>
+                <a:shade val="99000"/>
+                <a:satMod val="120000"/>
               </a:schemeClr>
             </a:gs>
             <a:gs pos="100000">
               <a:schemeClr val="phClr">
-                <a:lumMod val="105000"/>
-                <a:satMod val="109000"/>
-                <a:tint val="81000"/>
+                <a:tint val="55000"/>
+                <a:satMod val="140000"/>
               </a:schemeClr>
             </a:gs>
           </a:gsLst>
-          <a:lin ang="5400000" scaled="0"/>
+          <a:path path="circle">
+            <a:fillToRect l="100000" t="100000" r="100000" b="100000"/>
+          </a:path>
         </a:gradFill>
         <a:gradFill rotWithShape="1">
           <a:gsLst>
             <a:gs pos="0">
               <a:schemeClr val="phClr">
-                <a:satMod val="103000"/>
-                <a:lumMod val="102000"/>
-                <a:tint val="94000"/>
+                <a:shade val="85000"/>
+                <a:satMod val="130000"/>
               </a:schemeClr>
             </a:gs>
-            <a:gs pos="50000">
+            <a:gs pos="34000">
               <a:schemeClr val="phClr">
-                <a:satMod val="110000"/>
-                <a:lumMod val="100000"/>
-                <a:shade val="100000"/>
+                <a:shade val="87000"/>
+                <a:satMod val="125000"/>
+              </a:schemeClr>
+            </a:gs>
+            <a:gs pos="70000">
+              <a:schemeClr val="phClr">
+                <a:tint val="100000"/>
+                <a:shade val="90000"/>
+                <a:satMod val="130000"/>
               </a:schemeClr>
             </a:gs>
             <a:gs pos="100000">
               <a:schemeClr val="phClr">
-                <a:lumMod val="99000"/>
-                <a:satMod val="120000"/>
-                <a:shade val="78000"/>
+                <a:tint val="100000"/>
+                <a:shade val="100000"/>
+                <a:satMod val="110000"/>
               </a:schemeClr>
             </a:gs>
           </a:gsLst>
-          <a:lin ang="5400000" scaled="0"/>
+          <a:path path="circle">
+            <a:fillToRect l="100000" t="100000" r="100000" b="100000"/>
+          </a:path>
         </a:gradFill>
       </a:fillStyleLst>
       <a:lnStyleLst>
-        <a:ln w="6350" cap="flat" cmpd="sng" algn="ctr">
-          <a:solidFill>
-            <a:schemeClr val="phClr"/>
-          </a:solidFill>
-          <a:prstDash val="solid"/>
-          <a:miter lim="800000"/>
-        </a:ln>
         <a:ln w="12700" cap="flat" cmpd="sng" algn="ctr">
           <a:solidFill>
             <a:schemeClr val="phClr"/>
           </a:solidFill>
           <a:prstDash val="solid"/>
-          <a:miter lim="800000"/>
         </a:ln>
-        <a:ln w="19050" cap="flat" cmpd="sng" algn="ctr">
+        <a:ln w="15875" cap="flat" cmpd="sng" algn="ctr">
           <a:solidFill>
             <a:schemeClr val="phClr"/>
           </a:solidFill>
           <a:prstDash val="solid"/>
-          <a:miter lim="800000"/>
+        </a:ln>
+        <a:ln w="25400" cap="flat" cmpd="sng" algn="ctr">
+          <a:solidFill>
+            <a:schemeClr val="phClr"/>
+          </a:solidFill>
+          <a:prstDash val="solid"/>
         </a:ln>
       </a:lnStyleLst>
       <a:effectStyleLst>
@@ -17678,16 +21526,33 @@
           <a:effectLst/>
         </a:effectStyle>
         <a:effectStyle>
-          <a:effectLst/>
+          <a:effectLst>
+            <a:outerShdw blurRad="38100" dist="25400" dir="2700000" algn="br" rotWithShape="0">
+              <a:srgbClr val="000000">
+                <a:alpha val="60000"/>
+              </a:srgbClr>
+            </a:outerShdw>
+          </a:effectLst>
         </a:effectStyle>
         <a:effectStyle>
           <a:effectLst>
-            <a:outerShdw blurRad="57150" dist="19050" dir="5400000" algn="ctr" rotWithShape="0">
+            <a:outerShdw blurRad="44450" dist="25400" dir="2700000" algn="br" rotWithShape="0">
               <a:srgbClr val="000000">
-                <a:alpha val="63000"/>
+                <a:alpha val="60000"/>
               </a:srgbClr>
             </a:outerShdw>
           </a:effectLst>
+          <a:scene3d>
+            <a:camera prst="orthographicFront">
+              <a:rot lat="0" lon="0" rev="0"/>
+            </a:camera>
+            <a:lightRig rig="threePt" dir="t">
+              <a:rot lat="0" lon="0" rev="19800000"/>
+            </a:lightRig>
+          </a:scene3d>
+          <a:sp3d prstMaterial="flat">
+            <a:bevelT w="25400" h="31750"/>
+          </a:sp3d>
         </a:effectStyle>
       </a:effectStyleLst>
       <a:bgFillStyleLst>
@@ -17696,36 +21561,36 @@
         </a:solidFill>
         <a:solidFill>
           <a:schemeClr val="phClr">
-            <a:tint val="95000"/>
-            <a:satMod val="170000"/>
+            <a:tint val="90000"/>
+            <a:shade val="97000"/>
+            <a:satMod val="130000"/>
           </a:schemeClr>
         </a:solidFill>
         <a:gradFill rotWithShape="1">
           <a:gsLst>
             <a:gs pos="0">
               <a:schemeClr val="phClr">
-                <a:tint val="93000"/>
-                <a:satMod val="150000"/>
-                <a:shade val="98000"/>
-                <a:lumMod val="102000"/>
+                <a:tint val="96000"/>
+                <a:shade val="99000"/>
+                <a:satMod val="140000"/>
               </a:schemeClr>
             </a:gs>
-            <a:gs pos="50000">
+            <a:gs pos="65000">
               <a:schemeClr val="phClr">
-                <a:tint val="98000"/>
+                <a:tint val="100000"/>
+                <a:shade val="80000"/>
                 <a:satMod val="130000"/>
-                <a:shade val="90000"/>
-                <a:lumMod val="103000"/>
               </a:schemeClr>
             </a:gs>
             <a:gs pos="100000">
               <a:schemeClr val="phClr">
-                <a:shade val="63000"/>
+                <a:tint val="100000"/>
+                <a:shade val="48000"/>
                 <a:satMod val="120000"/>
               </a:schemeClr>
             </a:gs>
           </a:gsLst>
-          <a:lin ang="5400000" scaled="0"/>
+          <a:lin ang="16200000" scaled="0"/>
         </a:gradFill>
       </a:bgFillStyleLst>
     </a:fmtScheme>
@@ -17734,7 +21599,7 @@
   <a:extraClrSchemeLst/>
   <a:extLst>
     <a:ext uri="{05A4C25C-085E-4340-85A3-A5531E510DB2}">
-      <thm15:themeFamily xmlns:thm15="http://schemas.microsoft.com/office/thememl/2012/main" name="Office Theme" id="{62F939B6-93AF-4DB8-9C6B-D6C7DFDC589F}" vid="{4A3C46E8-61CC-4603-A589-7422A47A8E4A}"/>
+      <thm15:themeFamily xmlns:thm15="http://schemas.microsoft.com/office/thememl/2012/main" name="Retrospect" id="{5F128B03-DCCA-4EEB-AB3B-CF2899314A46}" vid="{3F1AAB62-24C6-49D2-8E01-B56FAC9A3DCD}"/>
     </a:ext>
   </a:extLst>
 </a:theme>
